--- a/2020-7-13-----Spring Security Report/Spring Security.pptx
+++ b/2020-7-13-----Spring Security Report/Spring Security.pptx
@@ -21,8 +21,10 @@
     <p:sldId id="278" r:id="rId16"/>
     <p:sldId id="279" r:id="rId17"/>
     <p:sldId id="266" r:id="rId18"/>
-    <p:sldId id="274" r:id="rId19"/>
-    <p:sldId id="275" r:id="rId20"/>
+    <p:sldId id="290" r:id="rId19"/>
+    <p:sldId id="274" r:id="rId20"/>
+    <p:sldId id="291" r:id="rId21"/>
+    <p:sldId id="275" r:id="rId22"/>
   </p:sldIdLst>
   <p:sldSz cx="12192000" cy="6858000"/>
   <p:notesSz cx="7103745" cy="10234295"/>
@@ -3169,87 +3171,87 @@
           </a:bodyPr>
           <a:p>
             <a:r>
-              <a:rPr lang="" altLang="en-US" sz="1400" b="1"/>
+              <a:rPr lang="en-US" altLang="en-US" sz="1400" b="1"/>
               <a:t>1.Header 头信息</a:t>
             </a:r>
-            <a:endParaRPr lang="" altLang="en-US" sz="1400" b="1"/>
-          </a:p>
-          <a:p>
-            <a:endParaRPr lang="" altLang="en-US" sz="1400"/>
-          </a:p>
-          <a:p>
-            <a:r>
-              <a:rPr lang="" altLang="en-US" sz="1400"/>
+            <a:endParaRPr lang="en-US" altLang="en-US" sz="1400" b="1"/>
+          </a:p>
+          <a:p>
+            <a:endParaRPr lang="en-US" altLang="en-US" sz="1400"/>
+          </a:p>
+          <a:p>
+            <a:r>
+              <a:rPr lang="en-US" altLang="en-US" sz="1400"/>
               <a:t>alg(algorithm)，算法</a:t>
             </a:r>
-            <a:endParaRPr lang="" altLang="en-US" sz="1400"/>
-          </a:p>
-          <a:p>
-            <a:r>
-              <a:rPr lang="" altLang="en-US" sz="1400"/>
+            <a:endParaRPr lang="en-US" altLang="en-US" sz="1400"/>
+          </a:p>
+          <a:p>
+            <a:r>
+              <a:rPr lang="en-US" altLang="en-US" sz="1400"/>
               <a:t>typ(type)，token 类型</a:t>
             </a:r>
-            <a:endParaRPr lang="" altLang="en-US" sz="1400"/>
-          </a:p>
-          <a:p>
-            <a:endParaRPr lang="" altLang="en-US" sz="1400"/>
-          </a:p>
-          <a:p>
-            <a:endParaRPr lang="" altLang="en-US" sz="1400"/>
-          </a:p>
-          <a:p>
-            <a:r>
-              <a:rPr lang="" altLang="en-US" sz="1400" b="1"/>
+            <a:endParaRPr lang="en-US" altLang="en-US" sz="1400"/>
+          </a:p>
+          <a:p>
+            <a:endParaRPr lang="en-US" altLang="en-US" sz="1400"/>
+          </a:p>
+          <a:p>
+            <a:endParaRPr lang="en-US" altLang="en-US" sz="1400"/>
+          </a:p>
+          <a:p>
+            <a:r>
+              <a:rPr lang="en-US" altLang="en-US" sz="1400" b="1"/>
               <a:t>2.Payload 内容（负载）</a:t>
             </a:r>
-            <a:endParaRPr lang="" altLang="en-US" sz="1400" b="1"/>
-          </a:p>
-          <a:p>
-            <a:endParaRPr lang="" altLang="en-US" sz="1400"/>
-          </a:p>
-          <a:p>
-            <a:r>
-              <a:rPr lang="" altLang="en-US" sz="1400"/>
+            <a:endParaRPr lang="en-US" altLang="en-US" sz="1400" b="1"/>
+          </a:p>
+          <a:p>
+            <a:endParaRPr lang="en-US" altLang="en-US" sz="1400"/>
+          </a:p>
+          <a:p>
+            <a:r>
+              <a:rPr lang="en-US" altLang="en-US" sz="1400"/>
               <a:t>(可用，非敏感信息)</a:t>
             </a:r>
-            <a:endParaRPr lang="" altLang="en-US" sz="1400"/>
-          </a:p>
-          <a:p>
-            <a:r>
-              <a:rPr lang="" altLang="en-US" sz="1400"/>
+            <a:endParaRPr lang="en-US" altLang="en-US" sz="1400"/>
+          </a:p>
+          <a:p>
+            <a:r>
+              <a:rPr lang="en-US" altLang="en-US" sz="1400"/>
               <a:t>例如：</a:t>
             </a:r>
-            <a:endParaRPr lang="" altLang="en-US" sz="1400"/>
-          </a:p>
-          <a:p>
-            <a:r>
-              <a:rPr lang="" altLang="en-US" sz="1400"/>
+            <a:endParaRPr lang="en-US" altLang="en-US" sz="1400"/>
+          </a:p>
+          <a:p>
+            <a:r>
+              <a:rPr lang="en-US" altLang="en-US" sz="1400"/>
               <a:t>用户ID、颁发时间、实效时间...</a:t>
             </a:r>
-            <a:endParaRPr lang="" altLang="en-US" sz="1400"/>
-          </a:p>
-          <a:p>
-            <a:endParaRPr lang="" altLang="en-US" sz="1400"/>
-          </a:p>
-          <a:p>
-            <a:endParaRPr lang="" altLang="en-US" sz="1400"/>
-          </a:p>
-          <a:p>
-            <a:r>
-              <a:rPr lang="" altLang="en-US" sz="1400" b="1"/>
+            <a:endParaRPr lang="en-US" altLang="en-US" sz="1400"/>
+          </a:p>
+          <a:p>
+            <a:endParaRPr lang="en-US" altLang="en-US" sz="1400"/>
+          </a:p>
+          <a:p>
+            <a:endParaRPr lang="en-US" altLang="en-US" sz="1400"/>
+          </a:p>
+          <a:p>
+            <a:r>
+              <a:rPr lang="en-US" altLang="en-US" sz="1400" b="1"/>
               <a:t>3.Signature（签名）</a:t>
             </a:r>
-            <a:endParaRPr lang="" altLang="en-US" sz="1400" b="1"/>
-          </a:p>
-          <a:p>
-            <a:endParaRPr lang="" altLang="en-US" sz="1400"/>
-          </a:p>
-          <a:p>
-            <a:r>
-              <a:rPr lang="" altLang="en-US" sz="1400"/>
+            <a:endParaRPr lang="en-US" altLang="en-US" sz="1400" b="1"/>
+          </a:p>
+          <a:p>
+            <a:endParaRPr lang="en-US" altLang="en-US" sz="1400"/>
+          </a:p>
+          <a:p>
+            <a:r>
+              <a:rPr lang="en-US" altLang="en-US" sz="1400"/>
               <a:t>使用私钥对Header 和 Payload 签名</a:t>
             </a:r>
-            <a:endParaRPr lang="" altLang="en-US" sz="1400"/>
+            <a:endParaRPr lang="en-US" altLang="en-US" sz="1400"/>
           </a:p>
         </p:txBody>
       </p:sp>
@@ -3336,7 +3338,7 @@
               <a:buChar char="•"/>
             </a:pPr>
             <a:r>
-              <a:rPr lang="" altLang="en-US" sz="1600"/>
+              <a:rPr lang="en-US" altLang="en-US" sz="1600"/>
               <a:t>自验证，客户端（资源服务器）通过所持有的公钥，即可验证该 Token 有效（</a:t>
             </a:r>
             <a:r>
@@ -3346,17 +3348,17 @@
               <a:t>无需认证系统验证</a:t>
             </a:r>
             <a:r>
-              <a:rPr lang="" altLang="en-US" sz="1600"/>
+              <a:rPr lang="en-US" altLang="en-US" sz="1600"/>
               <a:t>）。</a:t>
             </a:r>
-            <a:endParaRPr lang="" altLang="en-US" sz="1600"/>
+            <a:endParaRPr lang="en-US" altLang="en-US" sz="1600"/>
           </a:p>
           <a:p>
             <a:pPr marL="285750" indent="-285750">
               <a:buFont typeface="Arial" panose="02080604020202020204" pitchFamily="34" charset="0"/>
               <a:buChar char="•"/>
             </a:pPr>
-            <a:endParaRPr lang="" altLang="en-US" sz="1600"/>
+            <a:endParaRPr lang="en-US" altLang="en-US" sz="1600"/>
           </a:p>
           <a:p>
             <a:pPr marL="285750" indent="-285750">
@@ -3364,17 +3366,17 @@
               <a:buChar char="•"/>
             </a:pPr>
             <a:r>
-              <a:rPr lang="" altLang="en-US" sz="1600"/>
+              <a:rPr lang="en-US" altLang="en-US" sz="1600"/>
               <a:t>解码方式</a:t>
             </a:r>
-            <a:endParaRPr lang="" altLang="en-US" sz="1600"/>
+            <a:endParaRPr lang="en-US" altLang="en-US" sz="1600"/>
           </a:p>
           <a:p>
             <a:pPr marL="285750" indent="-285750">
               <a:buFont typeface="Arial" panose="02080604020202020204" pitchFamily="34" charset="0"/>
               <a:buChar char="•"/>
             </a:pPr>
-            <a:endParaRPr lang="" altLang="en-US" sz="1600"/>
+            <a:endParaRPr lang="en-US" altLang="en-US" sz="1600"/>
           </a:p>
           <a:p>
             <a:pPr marL="285750" indent="-285750">
@@ -3382,10 +3384,10 @@
               <a:buChar char="•"/>
             </a:pPr>
             <a:r>
-              <a:rPr lang="" altLang="en-US" sz="1600"/>
+              <a:rPr lang="en-US" altLang="en-US" sz="1600"/>
               <a:t>固定结构，三段式。</a:t>
             </a:r>
-            <a:endParaRPr lang="" altLang="en-US" sz="1600"/>
+            <a:endParaRPr lang="en-US" altLang="en-US" sz="1600"/>
           </a:p>
         </p:txBody>
       </p:sp>
@@ -3411,12 +3413,8 @@
           </a:bodyPr>
           <a:p>
             <a:r>
-              <a:rPr lang="" altLang="en-US" b="1"/>
-              <a:t>Other</a:t>
-            </a:r>
-            <a:r>
               <a:rPr lang="en-US" altLang="en-US" b="1"/>
-              <a:t> Token</a:t>
+              <a:t>Other Token</a:t>
             </a:r>
             <a:endParaRPr lang="en-US" altLang="en-US" b="1"/>
           </a:p>
@@ -3444,7 +3442,7 @@
           </a:bodyPr>
           <a:p>
             <a:r>
-              <a:rPr lang="" altLang="en-US" sz="1600"/>
+              <a:rPr lang="en-US" altLang="en-US" sz="1600"/>
               <a:t>常见的 Token 通过加密的方式</a:t>
             </a:r>
             <a:endParaRPr lang="en-US" altLang="en-US" sz="1600"/>
@@ -3533,12 +3531,8 @@
           </a:bodyPr>
           <a:p>
             <a:r>
-              <a:rPr lang="" altLang="en-US" b="1"/>
-              <a:t>Username Password</a:t>
-            </a:r>
-            <a:r>
               <a:rPr lang="en-US" altLang="en-US" b="1"/>
-              <a:t> Authentication</a:t>
+              <a:t>Username Password Authentication</a:t>
             </a:r>
             <a:endParaRPr lang="en-US" altLang="en-US" b="1"/>
           </a:p>
@@ -3679,12 +3673,8 @@
           </a:bodyPr>
           <a:p>
             <a:r>
-              <a:rPr lang="" altLang="en-US" b="1"/>
-              <a:t>BO</a:t>
-            </a:r>
-            <a:r>
               <a:rPr lang="en-US" altLang="en-US" b="1"/>
-              <a:t> Authentication</a:t>
+              <a:t>BO Authentication</a:t>
             </a:r>
             <a:endParaRPr lang="en-US" altLang="en-US" b="1"/>
           </a:p>
@@ -3692,7 +3682,7 @@
       </p:sp>
       <p:pic>
         <p:nvPicPr>
-          <p:cNvPr id="3" name="Picture 2" descr="BO Authentication"/>
+          <p:cNvPr id="2" name="Picture 1" descr="BO Authentication"/>
           <p:cNvPicPr>
             <a:picLocks noChangeAspect="1"/>
           </p:cNvPicPr>
@@ -3706,8 +3696,8 @@
         </p:blipFill>
         <p:spPr>
           <a:xfrm>
-            <a:off x="1842135" y="1221740"/>
-            <a:ext cx="8168640" cy="5085715"/>
+            <a:off x="3512820" y="1110615"/>
+            <a:ext cx="8507730" cy="5291455"/>
           </a:xfrm>
           <a:prstGeom prst="rect">
             <a:avLst/>
@@ -3754,24 +3744,16 @@
           </a:bodyPr>
           <a:p>
             <a:r>
-              <a:rPr lang="" altLang="en-US" b="1"/>
-              <a:t>BO</a:t>
-            </a:r>
-            <a:r>
               <a:rPr lang="en-US" altLang="en-US" b="1"/>
-              <a:t> Authentication </a:t>
-            </a:r>
-            <a:r>
-              <a:rPr lang="" altLang="en-US" b="1"/>
-              <a:t>+ JWT</a:t>
-            </a:r>
-            <a:endParaRPr lang="" altLang="en-US" b="1"/>
+              <a:t>BO Authentication + JWT</a:t>
+            </a:r>
+            <a:endParaRPr lang="en-US" altLang="en-US" b="1"/>
           </a:p>
         </p:txBody>
       </p:sp>
       <p:pic>
         <p:nvPicPr>
-          <p:cNvPr id="4" name="Picture 3" descr="BO Authentication + JWT"/>
+          <p:cNvPr id="2" name="Picture 1" descr="BO Authentication + JWT"/>
           <p:cNvPicPr>
             <a:picLocks noChangeAspect="1"/>
           </p:cNvPicPr>
@@ -3785,8 +3767,8 @@
         </p:blipFill>
         <p:spPr>
           <a:xfrm>
-            <a:off x="4236085" y="1518285"/>
-            <a:ext cx="7879715" cy="5022215"/>
+            <a:off x="5413375" y="1786890"/>
+            <a:ext cx="6218555" cy="3841115"/>
           </a:xfrm>
           <a:prstGeom prst="rect">
             <a:avLst/>
@@ -3813,7 +3795,7 @@
       <p:grpSpPr/>
       <p:sp>
         <p:nvSpPr>
-          <p:cNvPr id="4" name="Text Box 3"/>
+          <p:cNvPr id="5" name="Text Box 4"/>
           <p:cNvSpPr txBox="1"/>
           <p:nvPr/>
         </p:nvSpPr>
@@ -3833,66 +3815,41 @@
           </a:bodyPr>
           <a:p>
             <a:r>
+              <a:rPr lang="" altLang="en-US" b="1"/>
+              <a:t>Unified Authentication</a:t>
+            </a:r>
+            <a:r>
               <a:rPr lang="en-US" altLang="en-US" b="1"/>
-              <a:t>Spring Security</a:t>
+              <a:t> + JWT</a:t>
             </a:r>
             <a:endParaRPr lang="en-US" altLang="en-US" b="1"/>
           </a:p>
         </p:txBody>
       </p:sp>
-      <p:sp>
-        <p:nvSpPr>
-          <p:cNvPr id="5" name="Text Box 4"/>
-          <p:cNvSpPr txBox="1"/>
+      <p:pic>
+        <p:nvPicPr>
+          <p:cNvPr id="4" name="Picture 3" descr="Unified Authentication Server"/>
+          <p:cNvPicPr>
+            <a:picLocks noChangeAspect="1"/>
+          </p:cNvPicPr>
           <p:nvPr/>
-        </p:nvSpPr>
-        <p:spPr>
-          <a:xfrm>
-            <a:off x="2019300" y="2806065"/>
-            <a:ext cx="8401050" cy="521970"/>
+        </p:nvPicPr>
+        <p:blipFill>
+          <a:blip r:embed="rId1"/>
+          <a:stretch>
+            <a:fillRect/>
+          </a:stretch>
+        </p:blipFill>
+        <p:spPr>
+          <a:xfrm>
+            <a:off x="5142865" y="1110615"/>
+            <a:ext cx="6847840" cy="5617210"/>
           </a:xfrm>
           <a:prstGeom prst="rect">
             <a:avLst/>
           </a:prstGeom>
-          <a:noFill/>
-        </p:spPr>
-        <p:txBody>
-          <a:bodyPr wrap="square" rtlCol="0">
-            <a:spAutoFit/>
-          </a:bodyPr>
-          <a:p>
-            <a:pPr indent="0">
-              <a:buFont typeface="Arial" panose="02080604020202020204" pitchFamily="34" charset="0"/>
-              <a:buNone/>
-            </a:pPr>
-            <a:r>
-              <a:rPr lang="" altLang="en-US" sz="2800"/>
-              <a:t>Authorization</a:t>
-            </a:r>
-            <a:r>
-              <a:rPr lang="en-US" altLang="en-US" sz="2800"/>
-              <a:t>，解决“</a:t>
-            </a:r>
-            <a:r>
-              <a:rPr lang="en-US" altLang="en-US" sz="2800">
-                <a:sym typeface="+mn-ea"/>
-              </a:rPr>
-              <a:t>我</a:t>
-            </a:r>
-            <a:r>
-              <a:rPr lang="" altLang="en-US" sz="2800">
-                <a:sym typeface="+mn-ea"/>
-              </a:rPr>
-              <a:t>能干点啥</a:t>
-            </a:r>
-            <a:r>
-              <a:rPr lang="en-US" altLang="en-US" sz="2800"/>
-              <a:t>”的问题</a:t>
-            </a:r>
-            <a:endParaRPr lang="en-US" altLang="en-US" sz="2800"/>
-          </a:p>
-        </p:txBody>
-      </p:sp>
+        </p:spPr>
+      </p:pic>
     </p:spTree>
   </p:cSld>
   <p:clrMapOvr>
@@ -3966,24 +3923,67 @@
               <a:buNone/>
             </a:pPr>
             <a:r>
-              <a:rPr lang="" altLang="en-US" sz="2800"/>
-              <a:t>Security</a:t>
-            </a:r>
-            <a:r>
               <a:rPr lang="en-US" altLang="en-US" sz="2800"/>
-              <a:t>，解决“</a:t>
-            </a:r>
-            <a:r>
-              <a:rPr lang="" altLang="en-US" sz="2800">
+              <a:t>Authorization，解决“</a:t>
+            </a:r>
+            <a:r>
+              <a:rPr lang="en-US" altLang="en-US" sz="2800">
                 <a:sym typeface="+mn-ea"/>
               </a:rPr>
-              <a:t>访问安全</a:t>
+              <a:t>我能干点啥</a:t>
             </a:r>
             <a:r>
               <a:rPr lang="en-US" altLang="en-US" sz="2800"/>
               <a:t>”的问题</a:t>
             </a:r>
             <a:endParaRPr lang="en-US" altLang="en-US" sz="2800"/>
+          </a:p>
+        </p:txBody>
+      </p:sp>
+    </p:spTree>
+  </p:cSld>
+  <p:clrMapOvr>
+    <a:masterClrMapping/>
+  </p:clrMapOvr>
+</p:sld>
+</file>
+
+<file path=ppt/slides/slide19.xml><?xml version="1.0" encoding="utf-8"?>
+<p:sld xmlns:a="http://schemas.openxmlformats.org/drawingml/2006/main" xmlns:r="http://schemas.openxmlformats.org/officeDocument/2006/relationships" xmlns:p="http://schemas.openxmlformats.org/presentationml/2006/main">
+  <p:cSld>
+    <p:spTree>
+      <p:nvGrpSpPr>
+        <p:cNvPr id="1" name=""/>
+        <p:cNvGrpSpPr/>
+        <p:nvPr/>
+      </p:nvGrpSpPr>
+      <p:grpSpPr/>
+      <p:sp>
+        <p:nvSpPr>
+          <p:cNvPr id="4" name="Text Box 3"/>
+          <p:cNvSpPr txBox="1"/>
+          <p:nvPr/>
+        </p:nvSpPr>
+        <p:spPr>
+          <a:xfrm>
+            <a:off x="1220470" y="742315"/>
+            <a:ext cx="5119370" cy="368300"/>
+          </a:xfrm>
+          <a:prstGeom prst="rect">
+            <a:avLst/>
+          </a:prstGeom>
+          <a:noFill/>
+        </p:spPr>
+        <p:txBody>
+          <a:bodyPr wrap="square" rtlCol="0">
+            <a:spAutoFit/>
+          </a:bodyPr>
+          <a:p>
+            <a:r>
+              <a:rPr lang="en-US" altLang="en-US" b="1"/>
+              <a:t>Spring Security</a:t>
+            </a:r>
+            <a:endParaRPr lang="en-US" altLang="en-US" b="1"/>
           </a:p>
         </p:txBody>
       </p:sp>
@@ -4060,7 +4060,7 @@
               <a:buNone/>
             </a:pPr>
             <a:r>
-              <a:rPr lang="" altLang="en-US" sz="2800"/>
+              <a:rPr lang="en-US" altLang="en-US" sz="2800"/>
               <a:t>Authentication，解决“</a:t>
             </a:r>
             <a:r>
@@ -4070,10 +4070,100 @@
               <a:t>我是谁</a:t>
             </a:r>
             <a:r>
-              <a:rPr lang="" altLang="en-US" sz="2800"/>
+              <a:rPr lang="en-US" altLang="en-US" sz="2800"/>
               <a:t>”的问题</a:t>
             </a:r>
-            <a:endParaRPr lang="" altLang="en-US" sz="2800"/>
+            <a:endParaRPr lang="en-US" altLang="en-US" sz="2800"/>
+          </a:p>
+        </p:txBody>
+      </p:sp>
+    </p:spTree>
+  </p:cSld>
+  <p:clrMapOvr>
+    <a:masterClrMapping/>
+  </p:clrMapOvr>
+</p:sld>
+</file>
+
+<file path=ppt/slides/slide20.xml><?xml version="1.0" encoding="utf-8"?>
+<p:sld xmlns:a="http://schemas.openxmlformats.org/drawingml/2006/main" xmlns:r="http://schemas.openxmlformats.org/officeDocument/2006/relationships" xmlns:p="http://schemas.openxmlformats.org/presentationml/2006/main">
+  <p:cSld>
+    <p:spTree>
+      <p:nvGrpSpPr>
+        <p:cNvPr id="1" name=""/>
+        <p:cNvGrpSpPr/>
+        <p:nvPr/>
+      </p:nvGrpSpPr>
+      <p:grpSpPr/>
+      <p:sp>
+        <p:nvSpPr>
+          <p:cNvPr id="4" name="Text Box 3"/>
+          <p:cNvSpPr txBox="1"/>
+          <p:nvPr/>
+        </p:nvSpPr>
+        <p:spPr>
+          <a:xfrm>
+            <a:off x="1220470" y="742315"/>
+            <a:ext cx="5119370" cy="368300"/>
+          </a:xfrm>
+          <a:prstGeom prst="rect">
+            <a:avLst/>
+          </a:prstGeom>
+          <a:noFill/>
+        </p:spPr>
+        <p:txBody>
+          <a:bodyPr wrap="square" rtlCol="0">
+            <a:spAutoFit/>
+          </a:bodyPr>
+          <a:p>
+            <a:r>
+              <a:rPr lang="en-US" altLang="en-US" b="1"/>
+              <a:t>Spring Security</a:t>
+            </a:r>
+            <a:endParaRPr lang="en-US" altLang="en-US" b="1"/>
+          </a:p>
+        </p:txBody>
+      </p:sp>
+      <p:sp>
+        <p:nvSpPr>
+          <p:cNvPr id="5" name="Text Box 4"/>
+          <p:cNvSpPr txBox="1"/>
+          <p:nvPr/>
+        </p:nvSpPr>
+        <p:spPr>
+          <a:xfrm>
+            <a:off x="2019300" y="2806065"/>
+            <a:ext cx="8401050" cy="521970"/>
+          </a:xfrm>
+          <a:prstGeom prst="rect">
+            <a:avLst/>
+          </a:prstGeom>
+          <a:noFill/>
+        </p:spPr>
+        <p:txBody>
+          <a:bodyPr wrap="square" rtlCol="0">
+            <a:spAutoFit/>
+          </a:bodyPr>
+          <a:p>
+            <a:pPr indent="0">
+              <a:buFont typeface="Arial" panose="02080604020202020204" pitchFamily="34" charset="0"/>
+              <a:buNone/>
+            </a:pPr>
+            <a:r>
+              <a:rPr lang="en-US" altLang="en-US" sz="2800"/>
+              <a:t>Security，解决“</a:t>
+            </a:r>
+            <a:r>
+              <a:rPr lang="en-US" altLang="en-US" sz="2800">
+                <a:sym typeface="+mn-ea"/>
+              </a:rPr>
+              <a:t>访问安全</a:t>
+            </a:r>
+            <a:r>
+              <a:rPr lang="en-US" altLang="en-US" sz="2800"/>
+              <a:t>”的问题</a:t>
+            </a:r>
+            <a:endParaRPr lang="en-US" altLang="en-US" sz="2800"/>
           </a:p>
         </p:txBody>
       </p:sp>

--- a/2020-7-13-----Spring Security Report/Spring Security.pptx
+++ b/2020-7-13-----Spring Security Report/Spring Security.pptx
@@ -5,26 +5,29 @@
     <p:sldMasterId id="2147483648" r:id="rId1"/>
   </p:sldMasterIdLst>
   <p:sldIdLst>
-    <p:sldId id="256" r:id="rId3"/>
-    <p:sldId id="273" r:id="rId4"/>
-    <p:sldId id="257" r:id="rId5"/>
+    <p:sldId id="302" r:id="rId3"/>
+    <p:sldId id="303" r:id="rId4"/>
+    <p:sldId id="304" r:id="rId5"/>
     <p:sldId id="258" r:id="rId6"/>
     <p:sldId id="259" r:id="rId7"/>
     <p:sldId id="260" r:id="rId8"/>
     <p:sldId id="267" r:id="rId9"/>
     <p:sldId id="268" r:id="rId10"/>
-    <p:sldId id="262" r:id="rId11"/>
-    <p:sldId id="277" r:id="rId12"/>
-    <p:sldId id="263" r:id="rId13"/>
-    <p:sldId id="276" r:id="rId14"/>
-    <p:sldId id="265" r:id="rId15"/>
-    <p:sldId id="278" r:id="rId16"/>
-    <p:sldId id="279" r:id="rId17"/>
-    <p:sldId id="266" r:id="rId18"/>
-    <p:sldId id="290" r:id="rId19"/>
-    <p:sldId id="274" r:id="rId20"/>
-    <p:sldId id="291" r:id="rId21"/>
+    <p:sldId id="277" r:id="rId11"/>
+    <p:sldId id="263" r:id="rId12"/>
+    <p:sldId id="276" r:id="rId13"/>
+    <p:sldId id="265" r:id="rId14"/>
+    <p:sldId id="278" r:id="rId15"/>
+    <p:sldId id="279" r:id="rId16"/>
+    <p:sldId id="266" r:id="rId17"/>
+    <p:sldId id="290" r:id="rId18"/>
+    <p:sldId id="274" r:id="rId19"/>
+    <p:sldId id="291" r:id="rId20"/>
+    <p:sldId id="297" r:id="rId21"/>
     <p:sldId id="275" r:id="rId22"/>
+    <p:sldId id="295" r:id="rId23"/>
+    <p:sldId id="294" r:id="rId24"/>
+    <p:sldId id="296" r:id="rId25"/>
   </p:sldIdLst>
   <p:sldSz cx="12192000" cy="6858000"/>
   <p:notesSz cx="7103745" cy="10234295"/>
@@ -2895,7 +2898,7 @@
           <a:p>
             <a:r>
               <a:rPr lang="en-US" altLang="en-US" b="1"/>
-              <a:t>Digest Authentication</a:t>
+              <a:t>JWT Token</a:t>
             </a:r>
             <a:endParaRPr lang="en-US" altLang="en-US" b="1"/>
           </a:p>
@@ -2903,7 +2906,7 @@
       </p:sp>
       <p:pic>
         <p:nvPicPr>
-          <p:cNvPr id="3" name="Picture 2"/>
+          <p:cNvPr id="2" name="Picture 1"/>
           <p:cNvPicPr>
             <a:picLocks noChangeAspect="1"/>
           </p:cNvPicPr>
@@ -2917,8 +2920,8 @@
         </p:blipFill>
         <p:spPr>
           <a:xfrm>
-            <a:off x="1461770" y="1250315"/>
-            <a:ext cx="5091430" cy="4947920"/>
+            <a:off x="4029075" y="1598295"/>
+            <a:ext cx="7952740" cy="3660775"/>
           </a:xfrm>
           <a:prstGeom prst="rect">
             <a:avLst/>
@@ -2933,8 +2936,8 @@
         </p:nvSpPr>
         <p:spPr>
           <a:xfrm>
-            <a:off x="6876415" y="1170305"/>
-            <a:ext cx="5118100" cy="5107940"/>
+            <a:off x="433070" y="1808480"/>
+            <a:ext cx="5118100" cy="3538220"/>
           </a:xfrm>
           <a:prstGeom prst="rect">
             <a:avLst/>
@@ -2947,28 +2950,38 @@
           </a:bodyPr>
           <a:p>
             <a:r>
+              <a:rPr lang="en-US" altLang="en-US" sz="1400" b="1"/>
+              <a:t>1.Header 头信息</a:t>
+            </a:r>
+            <a:endParaRPr lang="en-US" altLang="en-US" sz="1400" b="1"/>
+          </a:p>
+          <a:p>
+            <a:endParaRPr lang="en-US" altLang="en-US" sz="1400"/>
+          </a:p>
+          <a:p>
+            <a:r>
               <a:rPr lang="en-US" altLang="en-US" sz="1400"/>
-              <a:t>左侧是一次 HTTPS 握手的过程，可以视作 Digest 认证过程。</a:t>
+              <a:t>alg(algorithm)，算法</a:t>
             </a:r>
             <a:endParaRPr lang="en-US" altLang="en-US" sz="1400"/>
           </a:p>
           <a:p>
             <a:r>
               <a:rPr lang="en-US" altLang="en-US" sz="1400"/>
-              <a:t>其中比较关键的几个步骤如下：</a:t>
-            </a:r>
-            <a:endParaRPr lang="en-US" altLang="en-US" sz="1400"/>
-          </a:p>
-          <a:p>
-            <a:endParaRPr lang="en-US" altLang="en-US" sz="1600"/>
-          </a:p>
-          <a:p>
-            <a:endParaRPr lang="en-US" altLang="en-US" sz="1600"/>
+              <a:t>typ(type)，token 类型</a:t>
+            </a:r>
+            <a:endParaRPr lang="en-US" altLang="en-US" sz="1400"/>
+          </a:p>
+          <a:p>
+            <a:endParaRPr lang="en-US" altLang="en-US" sz="1400"/>
+          </a:p>
+          <a:p>
+            <a:endParaRPr lang="en-US" altLang="en-US" sz="1400"/>
           </a:p>
           <a:p>
             <a:r>
               <a:rPr lang="en-US" altLang="en-US" sz="1400" b="1"/>
-              <a:t>（Asymmetric Algorithm）</a:t>
+              <a:t>2.Payload 内容（负载）</a:t>
             </a:r>
             <a:endParaRPr lang="en-US" altLang="en-US" sz="1400" b="1"/>
           </a:p>
@@ -2978,101 +2991,44 @@
           <a:p>
             <a:r>
               <a:rPr lang="en-US" altLang="en-US" sz="1400"/>
-              <a:t>Step3: </a:t>
+              <a:t>(可用，非敏感信息)</a:t>
             </a:r>
             <a:endParaRPr lang="en-US" altLang="en-US" sz="1400"/>
           </a:p>
           <a:p>
             <a:r>
               <a:rPr lang="en-US" altLang="en-US" sz="1400"/>
-              <a:t>A.客户端接受服务器返回证书和公钥，并验证</a:t>
-            </a:r>
-            <a:endParaRPr lang="en-US" altLang="en-US" sz="1400"/>
-          </a:p>
-          <a:p>
+              <a:t>例如：</a:t>
+            </a:r>
             <a:endParaRPr lang="en-US" altLang="en-US" sz="1400"/>
           </a:p>
           <a:p>
             <a:r>
               <a:rPr lang="en-US" altLang="en-US" sz="1400"/>
-              <a:t>Step5: </a:t>
-            </a:r>
+              <a:t>用户ID、颁发时间、实效时间...</a:t>
+            </a:r>
+            <a:endParaRPr lang="en-US" altLang="en-US" sz="1400"/>
+          </a:p>
+          <a:p>
+            <a:endParaRPr lang="en-US" altLang="en-US" sz="1400"/>
+          </a:p>
+          <a:p>
+            <a:endParaRPr lang="en-US" altLang="en-US" sz="1400"/>
+          </a:p>
+          <a:p>
+            <a:r>
+              <a:rPr lang="en-US" altLang="en-US" sz="1400" b="1"/>
+              <a:t>3.Signature（签名）</a:t>
+            </a:r>
+            <a:endParaRPr lang="en-US" altLang="en-US" sz="1400" b="1"/>
+          </a:p>
+          <a:p>
             <a:endParaRPr lang="en-US" altLang="en-US" sz="1400"/>
           </a:p>
           <a:p>
             <a:r>
               <a:rPr lang="en-US" altLang="en-US" sz="1400"/>
-              <a:t>A.客户端生成一个临时对称加密的 key</a:t>
-            </a:r>
-            <a:endParaRPr lang="en-US" altLang="en-US" sz="1400"/>
-          </a:p>
-          <a:p>
-            <a:r>
-              <a:rPr lang="en-US" altLang="en-US" sz="1400"/>
-              <a:t>B.用服务端公钥加密</a:t>
-            </a:r>
-            <a:endParaRPr lang="en-US" altLang="en-US" sz="1400"/>
-          </a:p>
-          <a:p>
-            <a:r>
-              <a:rPr lang="en-US" altLang="en-US" sz="1400"/>
-              <a:t>C.将加密后的摘要信息发送给服务端</a:t>
-            </a:r>
-            <a:endParaRPr lang="en-US" altLang="en-US" sz="1400"/>
-          </a:p>
-          <a:p>
-            <a:endParaRPr lang="en-US" altLang="en-US" sz="1400"/>
-          </a:p>
-          <a:p>
-            <a:r>
-              <a:rPr lang="en-US" altLang="en-US" sz="1400"/>
-              <a:t>Step6:</a:t>
-            </a:r>
-            <a:endParaRPr lang="en-US" altLang="en-US" sz="1400"/>
-          </a:p>
-          <a:p>
-            <a:r>
-              <a:rPr lang="en-US" altLang="en-US" sz="1400"/>
-              <a:t>A.服务端使用私钥解密摘要信息</a:t>
-            </a:r>
-            <a:endParaRPr lang="en-US" altLang="en-US" sz="1400"/>
-          </a:p>
-          <a:p>
-            <a:r>
-              <a:rPr lang="en-US" altLang="en-US" sz="1400"/>
-              <a:t>B.此时，客户端和服务端均获得对称加密的 key</a:t>
-            </a:r>
-            <a:endParaRPr lang="en-US" altLang="en-US" sz="1400"/>
-          </a:p>
-          <a:p>
-            <a:endParaRPr lang="en-US" altLang="en-US" sz="1400"/>
-          </a:p>
-          <a:p>
-            <a:endParaRPr lang="en-US" altLang="en-US" sz="1400"/>
-          </a:p>
-          <a:p>
-            <a:r>
-              <a:rPr lang="en-US" altLang="en-US" sz="1400" b="1">
-                <a:sym typeface="+mn-ea"/>
-              </a:rPr>
-              <a:t>（Symmetric Algorithm）</a:t>
-            </a:r>
-            <a:endParaRPr lang="en-US" altLang="en-US" sz="1400" b="1"/>
-          </a:p>
-          <a:p>
-            <a:endParaRPr lang="en-US" altLang="en-US" sz="1400"/>
-          </a:p>
-          <a:p>
-            <a:r>
-              <a:rPr lang="en-US" altLang="en-US" sz="1400"/>
-              <a:t>Step7 - 8</a:t>
-            </a:r>
-            <a:endParaRPr lang="en-US" altLang="en-US" sz="1400"/>
-          </a:p>
-          <a:p>
-            <a:r>
-              <a:rPr lang="en-US" altLang="en-US" sz="1400"/>
-              <a:t>A.后续双方通信过程，均采用对称加密的方式加密解密</a:t>
+              <a:t>使用私钥对Header 和 Payload 签名</a:t>
             </a:r>
             <a:endParaRPr lang="en-US" altLang="en-US" sz="1400"/>
           </a:p>
@@ -3125,40 +3081,16 @@
           </a:p>
         </p:txBody>
       </p:sp>
-      <p:pic>
-        <p:nvPicPr>
-          <p:cNvPr id="2" name="Picture 1"/>
-          <p:cNvPicPr>
-            <a:picLocks noChangeAspect="1"/>
-          </p:cNvPicPr>
-          <p:nvPr/>
-        </p:nvPicPr>
-        <p:blipFill>
-          <a:blip r:embed="rId1"/>
-          <a:stretch>
-            <a:fillRect/>
-          </a:stretch>
-        </p:blipFill>
-        <p:spPr>
-          <a:xfrm>
-            <a:off x="4029075" y="1598295"/>
-            <a:ext cx="7952740" cy="3660775"/>
-          </a:xfrm>
-          <a:prstGeom prst="rect">
-            <a:avLst/>
-          </a:prstGeom>
-        </p:spPr>
-      </p:pic>
-      <p:sp>
-        <p:nvSpPr>
-          <p:cNvPr id="4" name="Text Box 3"/>
+      <p:sp>
+        <p:nvSpPr>
+          <p:cNvPr id="3" name="Text Box 2"/>
           <p:cNvSpPr txBox="1"/>
           <p:nvPr/>
         </p:nvSpPr>
         <p:spPr>
           <a:xfrm>
-            <a:off x="433070" y="1808480"/>
-            <a:ext cx="5118100" cy="3538220"/>
+            <a:off x="751840" y="1515745"/>
+            <a:ext cx="10419080" cy="2061210"/>
           </a:xfrm>
           <a:prstGeom prst="rect">
             <a:avLst/>
@@ -3171,87 +3103,170 @@
           </a:bodyPr>
           <a:p>
             <a:r>
-              <a:rPr lang="en-US" altLang="en-US" sz="1400" b="1"/>
-              <a:t>1.Header 头信息</a:t>
-            </a:r>
-            <a:endParaRPr lang="en-US" altLang="en-US" sz="1400" b="1"/>
-          </a:p>
-          <a:p>
-            <a:endParaRPr lang="en-US" altLang="en-US" sz="1400"/>
-          </a:p>
-          <a:p>
-            <a:r>
-              <a:rPr lang="en-US" altLang="en-US" sz="1400"/>
-              <a:t>alg(algorithm)，算法</a:t>
-            </a:r>
-            <a:endParaRPr lang="en-US" altLang="en-US" sz="1400"/>
-          </a:p>
-          <a:p>
-            <a:r>
-              <a:rPr lang="en-US" altLang="en-US" sz="1400"/>
-              <a:t>typ(type)，token 类型</a:t>
-            </a:r>
-            <a:endParaRPr lang="en-US" altLang="en-US" sz="1400"/>
-          </a:p>
-          <a:p>
-            <a:endParaRPr lang="en-US" altLang="en-US" sz="1400"/>
-          </a:p>
-          <a:p>
-            <a:endParaRPr lang="en-US" altLang="en-US" sz="1400"/>
-          </a:p>
-          <a:p>
-            <a:r>
-              <a:rPr lang="en-US" altLang="en-US" sz="1400" b="1"/>
-              <a:t>2.Payload 内容（负载）</a:t>
-            </a:r>
-            <a:endParaRPr lang="en-US" altLang="en-US" sz="1400" b="1"/>
-          </a:p>
-          <a:p>
-            <a:endParaRPr lang="en-US" altLang="en-US" sz="1400"/>
-          </a:p>
-          <a:p>
-            <a:r>
-              <a:rPr lang="en-US" altLang="en-US" sz="1400"/>
-              <a:t>(可用，非敏感信息)</a:t>
-            </a:r>
-            <a:endParaRPr lang="en-US" altLang="en-US" sz="1400"/>
-          </a:p>
-          <a:p>
-            <a:r>
-              <a:rPr lang="en-US" altLang="en-US" sz="1400"/>
-              <a:t>例如：</a:t>
-            </a:r>
-            <a:endParaRPr lang="en-US" altLang="en-US" sz="1400"/>
-          </a:p>
-          <a:p>
-            <a:r>
-              <a:rPr lang="en-US" altLang="en-US" sz="1400"/>
-              <a:t>用户ID、颁发时间、实效时间...</a:t>
-            </a:r>
-            <a:endParaRPr lang="en-US" altLang="en-US" sz="1400"/>
-          </a:p>
-          <a:p>
-            <a:endParaRPr lang="en-US" altLang="en-US" sz="1400"/>
-          </a:p>
-          <a:p>
-            <a:endParaRPr lang="en-US" altLang="en-US" sz="1400"/>
-          </a:p>
-          <a:p>
-            <a:r>
-              <a:rPr lang="en-US" altLang="en-US" sz="1400" b="1"/>
-              <a:t>3.Signature（签名）</a:t>
-            </a:r>
-            <a:endParaRPr lang="en-US" altLang="en-US" sz="1400" b="1"/>
-          </a:p>
-          <a:p>
-            <a:endParaRPr lang="en-US" altLang="en-US" sz="1400"/>
-          </a:p>
-          <a:p>
-            <a:r>
-              <a:rPr lang="en-US" altLang="en-US" sz="1400"/>
-              <a:t>使用私钥对Header 和 Payload 签名</a:t>
-            </a:r>
-            <a:endParaRPr lang="en-US" altLang="en-US" sz="1400"/>
+              <a:rPr lang="en-US" altLang="en-US" sz="1600"/>
+              <a:t>Jwt Token，是一种使用比较广泛的 Token 格式。由三段式构成，其中 Header 和 Payload 都通过 Base64URL 进行编码。而最后一段签名，一般通过 SHA256 (RSA 非对称加密)的私钥进行签名。</a:t>
+            </a:r>
+            <a:endParaRPr lang="en-US" altLang="en-US" sz="1600"/>
+          </a:p>
+          <a:p>
+            <a:endParaRPr lang="en-US" altLang="en-US" sz="1600"/>
+          </a:p>
+          <a:p>
+            <a:pPr marL="285750" indent="-285750">
+              <a:buFont typeface="Arial" panose="02080604020202020204" pitchFamily="34" charset="0"/>
+              <a:buChar char="•"/>
+            </a:pPr>
+            <a:r>
+              <a:rPr lang="en-US" altLang="en-US" sz="1600"/>
+              <a:t>自验证，客户端（资源服务器）通过所持有的公钥，即可验证该 Token 有效（</a:t>
+            </a:r>
+            <a:r>
+              <a:rPr lang="en-US" altLang="en-US" sz="1600">
+                <a:sym typeface="+mn-ea"/>
+              </a:rPr>
+              <a:t>无需认证系统验证</a:t>
+            </a:r>
+            <a:r>
+              <a:rPr lang="en-US" altLang="en-US" sz="1600"/>
+              <a:t>）。</a:t>
+            </a:r>
+            <a:endParaRPr lang="en-US" altLang="en-US" sz="1600"/>
+          </a:p>
+          <a:p>
+            <a:pPr marL="285750" indent="-285750">
+              <a:buFont typeface="Arial" panose="02080604020202020204" pitchFamily="34" charset="0"/>
+              <a:buChar char="•"/>
+            </a:pPr>
+            <a:endParaRPr lang="en-US" altLang="en-US" sz="1600"/>
+          </a:p>
+          <a:p>
+            <a:pPr marL="285750" indent="-285750">
+              <a:buFont typeface="Arial" panose="02080604020202020204" pitchFamily="34" charset="0"/>
+              <a:buChar char="•"/>
+            </a:pPr>
+            <a:r>
+              <a:rPr lang="en-US" altLang="en-US" sz="1600"/>
+              <a:t>解码方式</a:t>
+            </a:r>
+            <a:endParaRPr lang="en-US" altLang="en-US" sz="1600"/>
+          </a:p>
+          <a:p>
+            <a:pPr marL="285750" indent="-285750">
+              <a:buFont typeface="Arial" panose="02080604020202020204" pitchFamily="34" charset="0"/>
+              <a:buChar char="•"/>
+            </a:pPr>
+            <a:endParaRPr lang="en-US" altLang="en-US" sz="1600"/>
+          </a:p>
+          <a:p>
+            <a:pPr marL="285750" indent="-285750">
+              <a:buFont typeface="Arial" panose="02080604020202020204" pitchFamily="34" charset="0"/>
+              <a:buChar char="•"/>
+            </a:pPr>
+            <a:r>
+              <a:rPr lang="en-US" altLang="en-US" sz="1600"/>
+              <a:t>固定结构，三段式。</a:t>
+            </a:r>
+            <a:endParaRPr lang="en-US" altLang="en-US" sz="1600"/>
+          </a:p>
+        </p:txBody>
+      </p:sp>
+      <p:sp>
+        <p:nvSpPr>
+          <p:cNvPr id="6" name="Text Box 5"/>
+          <p:cNvSpPr txBox="1"/>
+          <p:nvPr/>
+        </p:nvSpPr>
+        <p:spPr>
+          <a:xfrm>
+            <a:off x="1220470" y="4006850"/>
+            <a:ext cx="5119370" cy="368300"/>
+          </a:xfrm>
+          <a:prstGeom prst="rect">
+            <a:avLst/>
+          </a:prstGeom>
+          <a:noFill/>
+        </p:spPr>
+        <p:txBody>
+          <a:bodyPr wrap="square" rtlCol="0">
+            <a:spAutoFit/>
+          </a:bodyPr>
+          <a:p>
+            <a:r>
+              <a:rPr lang="en-US" altLang="en-US" b="1"/>
+              <a:t>Other Token</a:t>
+            </a:r>
+            <a:endParaRPr lang="en-US" altLang="en-US" b="1"/>
+          </a:p>
+        </p:txBody>
+      </p:sp>
+      <p:sp>
+        <p:nvSpPr>
+          <p:cNvPr id="8" name="Text Box 7"/>
+          <p:cNvSpPr txBox="1"/>
+          <p:nvPr/>
+        </p:nvSpPr>
+        <p:spPr>
+          <a:xfrm>
+            <a:off x="886460" y="4593590"/>
+            <a:ext cx="10419080" cy="1322070"/>
+          </a:xfrm>
+          <a:prstGeom prst="rect">
+            <a:avLst/>
+          </a:prstGeom>
+          <a:noFill/>
+        </p:spPr>
+        <p:txBody>
+          <a:bodyPr wrap="square" rtlCol="0">
+            <a:spAutoFit/>
+          </a:bodyPr>
+          <a:p>
+            <a:r>
+              <a:rPr lang="en-US" altLang="en-US" sz="1600"/>
+              <a:t>常见的 Token 通过加密的方式</a:t>
+            </a:r>
+            <a:endParaRPr lang="en-US" altLang="en-US" sz="1600"/>
+          </a:p>
+          <a:p>
+            <a:endParaRPr lang="en-US" altLang="en-US" sz="1600"/>
+          </a:p>
+          <a:p>
+            <a:pPr marL="285750" indent="-285750">
+              <a:buFont typeface="Arial" panose="02080604020202020204" pitchFamily="34" charset="0"/>
+              <a:buChar char="•"/>
+            </a:pPr>
+            <a:r>
+              <a:rPr lang="en-US" altLang="en-US" sz="1600"/>
+              <a:t>自验证，客户端（资源服务器）通过所持有的公钥，即可验证该 Token 有效（</a:t>
+            </a:r>
+            <a:r>
+              <a:rPr lang="en-US" altLang="en-US" sz="1600">
+                <a:sym typeface="+mn-ea"/>
+              </a:rPr>
+              <a:t>无需认证系统验证</a:t>
+            </a:r>
+            <a:r>
+              <a:rPr lang="en-US" altLang="en-US" sz="1600"/>
+              <a:t>）。</a:t>
+            </a:r>
+            <a:endParaRPr lang="en-US" altLang="en-US" sz="1600"/>
+          </a:p>
+          <a:p>
+            <a:pPr marL="285750" indent="-285750">
+              <a:buFont typeface="Arial" panose="02080604020202020204" pitchFamily="34" charset="0"/>
+              <a:buChar char="•"/>
+            </a:pPr>
+            <a:endParaRPr lang="en-US" altLang="en-US" sz="1600"/>
+          </a:p>
+          <a:p>
+            <a:pPr marL="285750" indent="-285750">
+              <a:buFont typeface="Arial" panose="02080604020202020204" pitchFamily="34" charset="0"/>
+              <a:buChar char="•"/>
+            </a:pPr>
+            <a:r>
+              <a:rPr lang="en-US" altLang="en-US" sz="1600"/>
+              <a:t>固定结构，三段式。</a:t>
+            </a:r>
+            <a:endParaRPr lang="en-US" altLang="en-US" sz="1600"/>
           </a:p>
         </p:txBody>
       </p:sp>
@@ -3296,201 +3311,36 @@
           <a:p>
             <a:r>
               <a:rPr lang="en-US" altLang="en-US" b="1"/>
-              <a:t>JWT Token</a:t>
+              <a:t>Username Password Authentication</a:t>
             </a:r>
             <a:endParaRPr lang="en-US" altLang="en-US" b="1"/>
           </a:p>
         </p:txBody>
       </p:sp>
-      <p:sp>
-        <p:nvSpPr>
-          <p:cNvPr id="3" name="Text Box 2"/>
-          <p:cNvSpPr txBox="1"/>
+      <p:pic>
+        <p:nvPicPr>
+          <p:cNvPr id="2" name="Picture 1" descr="Normal Authentication"/>
+          <p:cNvPicPr>
+            <a:picLocks noChangeAspect="1"/>
+          </p:cNvPicPr>
           <p:nvPr/>
-        </p:nvSpPr>
-        <p:spPr>
-          <a:xfrm>
-            <a:off x="751840" y="1515745"/>
-            <a:ext cx="10419080" cy="2061210"/>
-          </a:xfrm>
-          <a:prstGeom prst="rect">
-            <a:avLst/>
-          </a:prstGeom>
-          <a:noFill/>
-        </p:spPr>
-        <p:txBody>
-          <a:bodyPr wrap="square" rtlCol="0">
-            <a:spAutoFit/>
-          </a:bodyPr>
-          <a:p>
-            <a:r>
-              <a:rPr lang="en-US" altLang="en-US" sz="1600"/>
-              <a:t>Jwt Token，是一种使用比较广泛的 Token 格式。由三段式构成，其中 Header 和 Payload 都通过 Base64URL 进行编码。而最后一段签名，一般通过 SHA256 (RSA 非对称加密)的私钥进行签名。</a:t>
-            </a:r>
-            <a:endParaRPr lang="en-US" altLang="en-US" sz="1600"/>
-          </a:p>
-          <a:p>
-            <a:endParaRPr lang="en-US" altLang="en-US" sz="1600"/>
-          </a:p>
-          <a:p>
-            <a:pPr marL="285750" indent="-285750">
-              <a:buFont typeface="Arial" panose="02080604020202020204" pitchFamily="34" charset="0"/>
-              <a:buChar char="•"/>
-            </a:pPr>
-            <a:r>
-              <a:rPr lang="en-US" altLang="en-US" sz="1600"/>
-              <a:t>自验证，客户端（资源服务器）通过所持有的公钥，即可验证该 Token 有效（</a:t>
-            </a:r>
-            <a:r>
-              <a:rPr lang="en-US" altLang="en-US" sz="1600">
-                <a:sym typeface="+mn-ea"/>
-              </a:rPr>
-              <a:t>无需认证系统验证</a:t>
-            </a:r>
-            <a:r>
-              <a:rPr lang="en-US" altLang="en-US" sz="1600"/>
-              <a:t>）。</a:t>
-            </a:r>
-            <a:endParaRPr lang="en-US" altLang="en-US" sz="1600"/>
-          </a:p>
-          <a:p>
-            <a:pPr marL="285750" indent="-285750">
-              <a:buFont typeface="Arial" panose="02080604020202020204" pitchFamily="34" charset="0"/>
-              <a:buChar char="•"/>
-            </a:pPr>
-            <a:endParaRPr lang="en-US" altLang="en-US" sz="1600"/>
-          </a:p>
-          <a:p>
-            <a:pPr marL="285750" indent="-285750">
-              <a:buFont typeface="Arial" panose="02080604020202020204" pitchFamily="34" charset="0"/>
-              <a:buChar char="•"/>
-            </a:pPr>
-            <a:r>
-              <a:rPr lang="en-US" altLang="en-US" sz="1600"/>
-              <a:t>解码方式</a:t>
-            </a:r>
-            <a:endParaRPr lang="en-US" altLang="en-US" sz="1600"/>
-          </a:p>
-          <a:p>
-            <a:pPr marL="285750" indent="-285750">
-              <a:buFont typeface="Arial" panose="02080604020202020204" pitchFamily="34" charset="0"/>
-              <a:buChar char="•"/>
-            </a:pPr>
-            <a:endParaRPr lang="en-US" altLang="en-US" sz="1600"/>
-          </a:p>
-          <a:p>
-            <a:pPr marL="285750" indent="-285750">
-              <a:buFont typeface="Arial" panose="02080604020202020204" pitchFamily="34" charset="0"/>
-              <a:buChar char="•"/>
-            </a:pPr>
-            <a:r>
-              <a:rPr lang="en-US" altLang="en-US" sz="1600"/>
-              <a:t>固定结构，三段式。</a:t>
-            </a:r>
-            <a:endParaRPr lang="en-US" altLang="en-US" sz="1600"/>
-          </a:p>
-        </p:txBody>
-      </p:sp>
-      <p:sp>
-        <p:nvSpPr>
-          <p:cNvPr id="6" name="Text Box 5"/>
-          <p:cNvSpPr txBox="1"/>
-          <p:nvPr/>
-        </p:nvSpPr>
-        <p:spPr>
-          <a:xfrm>
-            <a:off x="1220470" y="4006850"/>
-            <a:ext cx="5119370" cy="368300"/>
-          </a:xfrm>
-          <a:prstGeom prst="rect">
-            <a:avLst/>
-          </a:prstGeom>
-          <a:noFill/>
-        </p:spPr>
-        <p:txBody>
-          <a:bodyPr wrap="square" rtlCol="0">
-            <a:spAutoFit/>
-          </a:bodyPr>
-          <a:p>
-            <a:r>
-              <a:rPr lang="en-US" altLang="en-US" b="1"/>
-              <a:t>Other Token</a:t>
-            </a:r>
-            <a:endParaRPr lang="en-US" altLang="en-US" b="1"/>
-          </a:p>
-        </p:txBody>
-      </p:sp>
-      <p:sp>
-        <p:nvSpPr>
-          <p:cNvPr id="8" name="Text Box 7"/>
-          <p:cNvSpPr txBox="1"/>
-          <p:nvPr/>
-        </p:nvSpPr>
-        <p:spPr>
-          <a:xfrm>
-            <a:off x="886460" y="4593590"/>
-            <a:ext cx="10419080" cy="1322070"/>
-          </a:xfrm>
-          <a:prstGeom prst="rect">
-            <a:avLst/>
-          </a:prstGeom>
-          <a:noFill/>
-        </p:spPr>
-        <p:txBody>
-          <a:bodyPr wrap="square" rtlCol="0">
-            <a:spAutoFit/>
-          </a:bodyPr>
-          <a:p>
-            <a:r>
-              <a:rPr lang="en-US" altLang="en-US" sz="1600"/>
-              <a:t>常见的 Token 通过加密的方式</a:t>
-            </a:r>
-            <a:endParaRPr lang="en-US" altLang="en-US" sz="1600"/>
-          </a:p>
-          <a:p>
-            <a:endParaRPr lang="en-US" altLang="en-US" sz="1600"/>
-          </a:p>
-          <a:p>
-            <a:pPr marL="285750" indent="-285750">
-              <a:buFont typeface="Arial" panose="02080604020202020204" pitchFamily="34" charset="0"/>
-              <a:buChar char="•"/>
-            </a:pPr>
-            <a:r>
-              <a:rPr lang="en-US" altLang="en-US" sz="1600"/>
-              <a:t>自验证，客户端（资源服务器）通过所持有的公钥，即可验证该 Token 有效（</a:t>
-            </a:r>
-            <a:r>
-              <a:rPr lang="en-US" altLang="en-US" sz="1600">
-                <a:sym typeface="+mn-ea"/>
-              </a:rPr>
-              <a:t>无需认证系统验证</a:t>
-            </a:r>
-            <a:r>
-              <a:rPr lang="en-US" altLang="en-US" sz="1600"/>
-              <a:t>）。</a:t>
-            </a:r>
-            <a:endParaRPr lang="en-US" altLang="en-US" sz="1600"/>
-          </a:p>
-          <a:p>
-            <a:pPr marL="285750" indent="-285750">
-              <a:buFont typeface="Arial" panose="02080604020202020204" pitchFamily="34" charset="0"/>
-              <a:buChar char="•"/>
-            </a:pPr>
-            <a:endParaRPr lang="en-US" altLang="en-US" sz="1600"/>
-          </a:p>
-          <a:p>
-            <a:pPr marL="285750" indent="-285750">
-              <a:buFont typeface="Arial" panose="02080604020202020204" pitchFamily="34" charset="0"/>
-              <a:buChar char="•"/>
-            </a:pPr>
-            <a:r>
-              <a:rPr lang="en-US" altLang="en-US" sz="1600"/>
-              <a:t>固定结构，三段式。</a:t>
-            </a:r>
-            <a:endParaRPr lang="en-US" altLang="en-US" sz="1600"/>
-          </a:p>
-        </p:txBody>
-      </p:sp>
+        </p:nvPicPr>
+        <p:blipFill>
+          <a:blip r:embed="rId1"/>
+          <a:stretch>
+            <a:fillRect/>
+          </a:stretch>
+        </p:blipFill>
+        <p:spPr>
+          <a:xfrm>
+            <a:off x="4732655" y="1489710"/>
+            <a:ext cx="5880735" cy="4782185"/>
+          </a:xfrm>
+          <a:prstGeom prst="rect">
+            <a:avLst/>
+          </a:prstGeom>
+        </p:spPr>
+      </p:pic>
     </p:spTree>
   </p:cSld>
   <p:clrMapOvr>
@@ -3532,7 +3382,7 @@
           <a:p>
             <a:r>
               <a:rPr lang="en-US" altLang="en-US" b="1"/>
-              <a:t>Username Password Authentication</a:t>
+              <a:t>OAuth2 Authentication</a:t>
             </a:r>
             <a:endParaRPr lang="en-US" altLang="en-US" b="1"/>
           </a:p>
@@ -3540,7 +3390,7 @@
       </p:sp>
       <p:pic>
         <p:nvPicPr>
-          <p:cNvPr id="2" name="Picture 1" descr="Normal Authentication"/>
+          <p:cNvPr id="3" name="Picture 2" descr="OAuth2 Authentication"/>
           <p:cNvPicPr>
             <a:picLocks noChangeAspect="1"/>
           </p:cNvPicPr>
@@ -3554,8 +3404,8 @@
         </p:blipFill>
         <p:spPr>
           <a:xfrm>
-            <a:off x="4732655" y="1489710"/>
-            <a:ext cx="5880735" cy="4782185"/>
+            <a:off x="4013835" y="1520190"/>
+            <a:ext cx="7419340" cy="4778375"/>
           </a:xfrm>
           <a:prstGeom prst="rect">
             <a:avLst/>
@@ -3603,7 +3453,7 @@
           <a:p>
             <a:r>
               <a:rPr lang="en-US" altLang="en-US" b="1"/>
-              <a:t>OAuth2 Authentication</a:t>
+              <a:t>BO Authentication</a:t>
             </a:r>
             <a:endParaRPr lang="en-US" altLang="en-US" b="1"/>
           </a:p>
@@ -3611,7 +3461,7 @@
       </p:sp>
       <p:pic>
         <p:nvPicPr>
-          <p:cNvPr id="3" name="Picture 2" descr="OAuth2 Authentication"/>
+          <p:cNvPr id="2" name="Picture 1" descr="BO Authentication"/>
           <p:cNvPicPr>
             <a:picLocks noChangeAspect="1"/>
           </p:cNvPicPr>
@@ -3625,8 +3475,8 @@
         </p:blipFill>
         <p:spPr>
           <a:xfrm>
-            <a:off x="4013835" y="1520190"/>
-            <a:ext cx="7419340" cy="4778375"/>
+            <a:off x="3512820" y="1110615"/>
+            <a:ext cx="8507730" cy="5291455"/>
           </a:xfrm>
           <a:prstGeom prst="rect">
             <a:avLst/>
@@ -3674,7 +3524,7 @@
           <a:p>
             <a:r>
               <a:rPr lang="en-US" altLang="en-US" b="1"/>
-              <a:t>BO Authentication</a:t>
+              <a:t>BO Authentication + JWT</a:t>
             </a:r>
             <a:endParaRPr lang="en-US" altLang="en-US" b="1"/>
           </a:p>
@@ -3682,7 +3532,7 @@
       </p:sp>
       <p:pic>
         <p:nvPicPr>
-          <p:cNvPr id="2" name="Picture 1" descr="BO Authentication"/>
+          <p:cNvPr id="2" name="Picture 1" descr="BO Authentication + JWT"/>
           <p:cNvPicPr>
             <a:picLocks noChangeAspect="1"/>
           </p:cNvPicPr>
@@ -3696,8 +3546,8 @@
         </p:blipFill>
         <p:spPr>
           <a:xfrm>
-            <a:off x="3512820" y="1110615"/>
-            <a:ext cx="8507730" cy="5291455"/>
+            <a:off x="5413375" y="1786890"/>
+            <a:ext cx="6218555" cy="3841115"/>
           </a:xfrm>
           <a:prstGeom prst="rect">
             <a:avLst/>
@@ -3745,7 +3595,7 @@
           <a:p>
             <a:r>
               <a:rPr lang="en-US" altLang="en-US" b="1"/>
-              <a:t>BO Authentication + JWT</a:t>
+              <a:t>Unified Authentication + JWT</a:t>
             </a:r>
             <a:endParaRPr lang="en-US" altLang="en-US" b="1"/>
           </a:p>
@@ -3753,7 +3603,7 @@
       </p:sp>
       <p:pic>
         <p:nvPicPr>
-          <p:cNvPr id="2" name="Picture 1" descr="BO Authentication + JWT"/>
+          <p:cNvPr id="4" name="Picture 3" descr="Unified Authentication Server"/>
           <p:cNvPicPr>
             <a:picLocks noChangeAspect="1"/>
           </p:cNvPicPr>
@@ -3767,8 +3617,8 @@
         </p:blipFill>
         <p:spPr>
           <a:xfrm>
-            <a:off x="5413375" y="1786890"/>
-            <a:ext cx="6218555" cy="3841115"/>
+            <a:off x="5142865" y="1110615"/>
+            <a:ext cx="6847840" cy="5617210"/>
           </a:xfrm>
           <a:prstGeom prst="rect">
             <a:avLst/>
@@ -3795,14 +3645,43 @@
       <p:grpSpPr/>
       <p:sp>
         <p:nvSpPr>
+          <p:cNvPr id="4" name="Text Box 3"/>
+          <p:cNvSpPr txBox="1"/>
+          <p:nvPr/>
+        </p:nvSpPr>
+        <p:spPr>
+          <a:xfrm>
+            <a:off x="1220470" y="742315"/>
+            <a:ext cx="5119370" cy="368300"/>
+          </a:xfrm>
+          <a:prstGeom prst="rect">
+            <a:avLst/>
+          </a:prstGeom>
+          <a:noFill/>
+        </p:spPr>
+        <p:txBody>
+          <a:bodyPr wrap="square" rtlCol="0">
+            <a:spAutoFit/>
+          </a:bodyPr>
+          <a:p>
+            <a:r>
+              <a:rPr lang="en-US" altLang="en-US" b="1"/>
+              <a:t>Spring Security</a:t>
+            </a:r>
+            <a:endParaRPr lang="en-US" altLang="en-US" b="1"/>
+          </a:p>
+        </p:txBody>
+      </p:sp>
+      <p:sp>
+        <p:nvSpPr>
           <p:cNvPr id="5" name="Text Box 4"/>
           <p:cNvSpPr txBox="1"/>
           <p:nvPr/>
         </p:nvSpPr>
         <p:spPr>
           <a:xfrm>
-            <a:off x="1220470" y="742315"/>
-            <a:ext cx="5119370" cy="368300"/>
+            <a:off x="2019300" y="2806065"/>
+            <a:ext cx="8401050" cy="521970"/>
           </a:xfrm>
           <a:prstGeom prst="rect">
             <a:avLst/>
@@ -3814,42 +3693,28 @@
             <a:spAutoFit/>
           </a:bodyPr>
           <a:p>
-            <a:r>
-              <a:rPr lang="" altLang="en-US" b="1"/>
-              <a:t>Unified Authentication</a:t>
-            </a:r>
-            <a:r>
-              <a:rPr lang="en-US" altLang="en-US" b="1"/>
-              <a:t> + JWT</a:t>
-            </a:r>
-            <a:endParaRPr lang="en-US" altLang="en-US" b="1"/>
-          </a:p>
-        </p:txBody>
-      </p:sp>
-      <p:pic>
-        <p:nvPicPr>
-          <p:cNvPr id="4" name="Picture 3" descr="Unified Authentication Server"/>
-          <p:cNvPicPr>
-            <a:picLocks noChangeAspect="1"/>
-          </p:cNvPicPr>
-          <p:nvPr/>
-        </p:nvPicPr>
-        <p:blipFill>
-          <a:blip r:embed="rId1"/>
-          <a:stretch>
-            <a:fillRect/>
-          </a:stretch>
-        </p:blipFill>
-        <p:spPr>
-          <a:xfrm>
-            <a:off x="5142865" y="1110615"/>
-            <a:ext cx="6847840" cy="5617210"/>
-          </a:xfrm>
-          <a:prstGeom prst="rect">
-            <a:avLst/>
-          </a:prstGeom>
-        </p:spPr>
-      </p:pic>
+            <a:pPr indent="0">
+              <a:buFont typeface="Arial" panose="02080604020202020204" pitchFamily="34" charset="0"/>
+              <a:buNone/>
+            </a:pPr>
+            <a:r>
+              <a:rPr lang="en-US" altLang="en-US" sz="2800"/>
+              <a:t>Authorization，解决“</a:t>
+            </a:r>
+            <a:r>
+              <a:rPr lang="en-US" altLang="en-US" sz="2800">
+                <a:sym typeface="+mn-ea"/>
+              </a:rPr>
+              <a:t>我能干点啥</a:t>
+            </a:r>
+            <a:r>
+              <a:rPr lang="en-US" altLang="en-US" sz="2800"/>
+              <a:t>”的问题</a:t>
+            </a:r>
+            <a:endParaRPr lang="en-US" altLang="en-US" sz="2800"/>
+          </a:p>
+        </p:txBody>
+      </p:sp>
     </p:spTree>
   </p:cSld>
   <p:clrMapOvr>
@@ -3905,8 +3770,8 @@
         </p:nvSpPr>
         <p:spPr>
           <a:xfrm>
-            <a:off x="2019300" y="2806065"/>
-            <a:ext cx="8401050" cy="521970"/>
+            <a:off x="1588135" y="1598930"/>
+            <a:ext cx="9015095" cy="368300"/>
           </a:xfrm>
           <a:prstGeom prst="rect">
             <a:avLst/>
@@ -3914,32 +3779,50 @@
           <a:noFill/>
         </p:spPr>
         <p:txBody>
-          <a:bodyPr wrap="square" rtlCol="0">
+          <a:bodyPr wrap="square" rtlCol="0" anchor="t">
             <a:spAutoFit/>
           </a:bodyPr>
           <a:p>
-            <a:pPr indent="0">
-              <a:buFont typeface="Arial" panose="02080604020202020204" pitchFamily="34" charset="0"/>
-              <a:buNone/>
-            </a:pPr>
-            <a:r>
-              <a:rPr lang="en-US" altLang="en-US" sz="2800"/>
-              <a:t>Authorization，解决“</a:t>
-            </a:r>
-            <a:r>
-              <a:rPr lang="en-US" altLang="en-US" sz="2800">
-                <a:sym typeface="+mn-ea"/>
-              </a:rPr>
-              <a:t>我能干点啥</a:t>
-            </a:r>
-            <a:r>
-              <a:rPr lang="en-US" altLang="en-US" sz="2800"/>
-              <a:t>”的问题</a:t>
-            </a:r>
-            <a:endParaRPr lang="en-US" altLang="en-US" sz="2800"/>
-          </a:p>
-        </p:txBody>
-      </p:sp>
+            <a:r>
+              <a:rPr lang="en-US" altLang="en-US"/>
+              <a:t>1</a:t>
+            </a:r>
+            <a:r>
+              <a:rPr lang="en-US"/>
+              <a:t>.</a:t>
+            </a:r>
+            <a:r>
+              <a:rPr lang="en-US" altLang="en-US"/>
+              <a:t>RBAC</a:t>
+            </a:r>
+            <a:endParaRPr lang="en-US" altLang="en-US"/>
+          </a:p>
+        </p:txBody>
+      </p:sp>
+      <p:pic>
+        <p:nvPicPr>
+          <p:cNvPr id="6" name="Picture 5"/>
+          <p:cNvPicPr>
+            <a:picLocks noChangeAspect="1"/>
+          </p:cNvPicPr>
+          <p:nvPr/>
+        </p:nvPicPr>
+        <p:blipFill>
+          <a:blip r:embed="rId1"/>
+          <a:stretch>
+            <a:fillRect/>
+          </a:stretch>
+        </p:blipFill>
+        <p:spPr>
+          <a:xfrm>
+            <a:off x="4241165" y="1598930"/>
+            <a:ext cx="7646670" cy="5098415"/>
+          </a:xfrm>
+          <a:prstGeom prst="rect">
+            <a:avLst/>
+          </a:prstGeom>
+        </p:spPr>
+      </p:pic>
     </p:spTree>
   </p:cSld>
   <p:clrMapOvr>
@@ -3987,6 +3870,75 @@
           </a:p>
         </p:txBody>
       </p:sp>
+      <p:sp>
+        <p:nvSpPr>
+          <p:cNvPr id="2" name="Text Box 1"/>
+          <p:cNvSpPr txBox="1"/>
+          <p:nvPr/>
+        </p:nvSpPr>
+        <p:spPr>
+          <a:xfrm>
+            <a:off x="1404620" y="1725930"/>
+            <a:ext cx="9015095" cy="1476375"/>
+          </a:xfrm>
+          <a:prstGeom prst="rect">
+            <a:avLst/>
+          </a:prstGeom>
+          <a:noFill/>
+        </p:spPr>
+        <p:txBody>
+          <a:bodyPr wrap="square" rtlCol="0" anchor="t">
+            <a:spAutoFit/>
+          </a:bodyPr>
+          <a:p>
+            <a:r>
+              <a:rPr lang="en-US" altLang="en-US"/>
+              <a:t>1</a:t>
+            </a:r>
+            <a:r>
+              <a:rPr lang="en-US"/>
+              <a:t>.</a:t>
+            </a:r>
+            <a:r>
+              <a:rPr lang="en-US" altLang="en-US"/>
+              <a:t>FilterSecurityInterceptor（API级权限控制）</a:t>
+            </a:r>
+            <a:endParaRPr lang="en-US"/>
+          </a:p>
+          <a:p>
+            <a:endParaRPr lang="en-US"/>
+          </a:p>
+          <a:p>
+            <a:r>
+              <a:rPr lang="en-US" altLang="en-US"/>
+              <a:t>2</a:t>
+            </a:r>
+            <a:r>
+              <a:rPr lang="en-US"/>
+              <a:t>.</a:t>
+            </a:r>
+            <a:r>
+              <a:rPr lang="en-US" altLang="en-US"/>
+              <a:t>MethodSecurityInterceptor（函数级权限控制）</a:t>
+            </a:r>
+            <a:endParaRPr lang="en-US"/>
+          </a:p>
+          <a:p>
+            <a:endParaRPr lang="en-US"/>
+          </a:p>
+          <a:p>
+            <a:r>
+              <a:rPr lang="en-US" altLang="en-US"/>
+              <a:t>3</a:t>
+            </a:r>
+            <a:r>
+              <a:rPr lang="en-US"/>
+              <a:t>.Access Control List （数据权限控制）</a:t>
+            </a:r>
+            <a:endParaRPr lang="en-US"/>
+          </a:p>
+        </p:txBody>
+      </p:sp>
     </p:spTree>
   </p:cSld>
   <p:clrMapOvr>
@@ -4151,7 +4103,7 @@
             </a:pPr>
             <a:r>
               <a:rPr lang="en-US" altLang="en-US" sz="2800"/>
-              <a:t>Security，解决“</a:t>
+              <a:t>Protection，解决“</a:t>
             </a:r>
             <a:r>
               <a:rPr lang="en-US" altLang="en-US" sz="2800">
@@ -4164,6 +4116,281 @@
               <a:t>”的问题</a:t>
             </a:r>
             <a:endParaRPr lang="en-US" altLang="en-US" sz="2800"/>
+          </a:p>
+        </p:txBody>
+      </p:sp>
+    </p:spTree>
+  </p:cSld>
+  <p:clrMapOvr>
+    <a:masterClrMapping/>
+  </p:clrMapOvr>
+</p:sld>
+</file>
+
+<file path=ppt/slides/slide21.xml><?xml version="1.0" encoding="utf-8"?>
+<p:sld xmlns:a="http://schemas.openxmlformats.org/drawingml/2006/main" xmlns:r="http://schemas.openxmlformats.org/officeDocument/2006/relationships" xmlns:p="http://schemas.openxmlformats.org/presentationml/2006/main">
+  <p:cSld>
+    <p:spTree>
+      <p:nvGrpSpPr>
+        <p:cNvPr id="1" name=""/>
+        <p:cNvGrpSpPr/>
+        <p:nvPr/>
+      </p:nvGrpSpPr>
+      <p:grpSpPr/>
+      <p:sp>
+        <p:nvSpPr>
+          <p:cNvPr id="4" name="Text Box 3"/>
+          <p:cNvSpPr txBox="1"/>
+          <p:nvPr/>
+        </p:nvSpPr>
+        <p:spPr>
+          <a:xfrm>
+            <a:off x="1220470" y="742315"/>
+            <a:ext cx="5119370" cy="368300"/>
+          </a:xfrm>
+          <a:prstGeom prst="rect">
+            <a:avLst/>
+          </a:prstGeom>
+          <a:noFill/>
+        </p:spPr>
+        <p:txBody>
+          <a:bodyPr wrap="square" rtlCol="0">
+            <a:spAutoFit/>
+          </a:bodyPr>
+          <a:p>
+            <a:r>
+              <a:rPr lang="en-US" altLang="en-US" b="1"/>
+              <a:t>Spring Security - CSRF</a:t>
+            </a:r>
+            <a:endParaRPr lang="en-US" altLang="en-US" b="1"/>
+          </a:p>
+        </p:txBody>
+      </p:sp>
+      <p:pic>
+        <p:nvPicPr>
+          <p:cNvPr id="3" name="Picture 2"/>
+          <p:cNvPicPr>
+            <a:picLocks noChangeAspect="1"/>
+          </p:cNvPicPr>
+          <p:nvPr/>
+        </p:nvPicPr>
+        <p:blipFill>
+          <a:blip r:embed="rId1"/>
+          <a:stretch>
+            <a:fillRect/>
+          </a:stretch>
+        </p:blipFill>
+        <p:spPr>
+          <a:xfrm>
+            <a:off x="4654550" y="1309370"/>
+            <a:ext cx="7025005" cy="5267960"/>
+          </a:xfrm>
+          <a:prstGeom prst="rect">
+            <a:avLst/>
+          </a:prstGeom>
+        </p:spPr>
+      </p:pic>
+    </p:spTree>
+  </p:cSld>
+  <p:clrMapOvr>
+    <a:masterClrMapping/>
+  </p:clrMapOvr>
+</p:sld>
+</file>
+
+<file path=ppt/slides/slide22.xml><?xml version="1.0" encoding="utf-8"?>
+<p:sld xmlns:a="http://schemas.openxmlformats.org/drawingml/2006/main" xmlns:r="http://schemas.openxmlformats.org/officeDocument/2006/relationships" xmlns:p="http://schemas.openxmlformats.org/presentationml/2006/main">
+  <p:cSld>
+    <p:spTree>
+      <p:nvGrpSpPr>
+        <p:cNvPr id="1" name=""/>
+        <p:cNvGrpSpPr/>
+        <p:nvPr/>
+      </p:nvGrpSpPr>
+      <p:grpSpPr/>
+      <p:sp>
+        <p:nvSpPr>
+          <p:cNvPr id="4" name="Text Box 3"/>
+          <p:cNvSpPr txBox="1"/>
+          <p:nvPr/>
+        </p:nvSpPr>
+        <p:spPr>
+          <a:xfrm>
+            <a:off x="1220470" y="742315"/>
+            <a:ext cx="5119370" cy="368300"/>
+          </a:xfrm>
+          <a:prstGeom prst="rect">
+            <a:avLst/>
+          </a:prstGeom>
+          <a:noFill/>
+        </p:spPr>
+        <p:txBody>
+          <a:bodyPr wrap="square" rtlCol="0">
+            <a:spAutoFit/>
+          </a:bodyPr>
+          <a:p>
+            <a:r>
+              <a:rPr lang="en-US" altLang="en-US" b="1"/>
+              <a:t>Spring Security - XSS</a:t>
+            </a:r>
+            <a:endParaRPr lang="en-US" altLang="en-US" b="1"/>
+          </a:p>
+        </p:txBody>
+      </p:sp>
+      <p:pic>
+        <p:nvPicPr>
+          <p:cNvPr id="2" name="Picture 1"/>
+          <p:cNvPicPr>
+            <a:picLocks noChangeAspect="1"/>
+          </p:cNvPicPr>
+          <p:nvPr/>
+        </p:nvPicPr>
+        <p:blipFill>
+          <a:blip r:embed="rId1"/>
+          <a:stretch>
+            <a:fillRect/>
+          </a:stretch>
+        </p:blipFill>
+        <p:spPr>
+          <a:xfrm>
+            <a:off x="4992370" y="2122805"/>
+            <a:ext cx="6264275" cy="3879215"/>
+          </a:xfrm>
+          <a:prstGeom prst="rect">
+            <a:avLst/>
+          </a:prstGeom>
+        </p:spPr>
+      </p:pic>
+    </p:spTree>
+  </p:cSld>
+  <p:clrMapOvr>
+    <a:masterClrMapping/>
+  </p:clrMapOvr>
+</p:sld>
+</file>
+
+<file path=ppt/slides/slide23.xml><?xml version="1.0" encoding="utf-8"?>
+<p:sld xmlns:a="http://schemas.openxmlformats.org/drawingml/2006/main" xmlns:r="http://schemas.openxmlformats.org/officeDocument/2006/relationships" xmlns:p="http://schemas.openxmlformats.org/presentationml/2006/main">
+  <p:cSld>
+    <p:spTree>
+      <p:nvGrpSpPr>
+        <p:cNvPr id="1" name=""/>
+        <p:cNvGrpSpPr/>
+        <p:nvPr/>
+      </p:nvGrpSpPr>
+      <p:grpSpPr/>
+      <p:sp>
+        <p:nvSpPr>
+          <p:cNvPr id="4" name="Text Box 3"/>
+          <p:cNvSpPr txBox="1"/>
+          <p:nvPr/>
+        </p:nvSpPr>
+        <p:spPr>
+          <a:xfrm>
+            <a:off x="1220470" y="742315"/>
+            <a:ext cx="5119370" cy="368300"/>
+          </a:xfrm>
+          <a:prstGeom prst="rect">
+            <a:avLst/>
+          </a:prstGeom>
+          <a:noFill/>
+        </p:spPr>
+        <p:txBody>
+          <a:bodyPr wrap="square" rtlCol="0">
+            <a:spAutoFit/>
+          </a:bodyPr>
+          <a:p>
+            <a:r>
+              <a:rPr lang="en-US" altLang="en-US" b="1"/>
+              <a:t>Spring Security - Headers</a:t>
+            </a:r>
+            <a:endParaRPr lang="en-US" altLang="en-US" b="1"/>
+          </a:p>
+        </p:txBody>
+      </p:sp>
+      <p:sp>
+        <p:nvSpPr>
+          <p:cNvPr id="2" name="Text Box 1"/>
+          <p:cNvSpPr txBox="1"/>
+          <p:nvPr/>
+        </p:nvSpPr>
+        <p:spPr>
+          <a:xfrm>
+            <a:off x="1497965" y="1616075"/>
+            <a:ext cx="5615940" cy="2306955"/>
+          </a:xfrm>
+          <a:prstGeom prst="rect">
+            <a:avLst/>
+          </a:prstGeom>
+          <a:noFill/>
+        </p:spPr>
+        <p:txBody>
+          <a:bodyPr wrap="square" rtlCol="0" anchor="t">
+            <a:spAutoFit/>
+          </a:bodyPr>
+          <a:p>
+            <a:r>
+              <a:rPr lang="en-US" altLang="en-US"/>
+              <a:t>1</a:t>
+            </a:r>
+            <a:r>
+              <a:rPr lang="en-US"/>
+              <a:t>.Cache-Control</a:t>
+            </a:r>
+            <a:endParaRPr lang="en-US"/>
+          </a:p>
+          <a:p>
+            <a:endParaRPr lang="en-US"/>
+          </a:p>
+          <a:p>
+            <a:r>
+              <a:rPr lang="en-US" altLang="en-US"/>
+              <a:t>2</a:t>
+            </a:r>
+            <a:r>
+              <a:rPr lang="en-US"/>
+              <a:t>.Content-type Options</a:t>
+            </a:r>
+            <a:endParaRPr lang="en-US"/>
+          </a:p>
+          <a:p>
+            <a:endParaRPr lang="en-US"/>
+          </a:p>
+          <a:p>
+            <a:r>
+              <a:rPr lang="en-US" altLang="en-US"/>
+              <a:t>3</a:t>
+            </a:r>
+            <a:r>
+              <a:rPr lang="en-US"/>
+              <a:t>.HTTP Strict Transport Security </a:t>
+            </a:r>
+            <a:endParaRPr lang="en-US"/>
+          </a:p>
+          <a:p>
+            <a:r>
+              <a:rPr lang="en-US"/>
+              <a:t>	HTTPs 中间人攻击</a:t>
+            </a:r>
+            <a:endParaRPr lang="en-US"/>
+          </a:p>
+          <a:p>
+            <a:r>
+              <a:rPr lang="en-US"/>
+              <a:t>	</a:t>
+            </a:r>
+            <a:endParaRPr lang="en-US"/>
+          </a:p>
+          <a:p>
+            <a:r>
+              <a:rPr lang="en-US" altLang="en-US"/>
+              <a:t>4</a:t>
+            </a:r>
+            <a:r>
+              <a:rPr lang="en-US"/>
+              <a:t>.X-frame-optiont</a:t>
+            </a:r>
+            <a:endParaRPr lang="en-US"/>
           </a:p>
         </p:txBody>
       </p:sp>
@@ -5539,7 +5766,7 @@
       </p:sp>
       <p:pic>
         <p:nvPicPr>
-          <p:cNvPr id="2" name="Picture 1"/>
+          <p:cNvPr id="3" name="Picture 2"/>
           <p:cNvPicPr>
             <a:picLocks noChangeAspect="1"/>
           </p:cNvPicPr>
@@ -5553,14 +5780,167 @@
         </p:blipFill>
         <p:spPr>
           <a:xfrm>
-            <a:off x="2439670" y="1396365"/>
-            <a:ext cx="7676515" cy="5026025"/>
+            <a:off x="1461770" y="1250315"/>
+            <a:ext cx="5091430" cy="4947920"/>
           </a:xfrm>
           <a:prstGeom prst="rect">
             <a:avLst/>
           </a:prstGeom>
         </p:spPr>
       </p:pic>
+      <p:sp>
+        <p:nvSpPr>
+          <p:cNvPr id="4" name="Text Box 3"/>
+          <p:cNvSpPr txBox="1"/>
+          <p:nvPr/>
+        </p:nvSpPr>
+        <p:spPr>
+          <a:xfrm>
+            <a:off x="6876415" y="1170305"/>
+            <a:ext cx="5118100" cy="5107940"/>
+          </a:xfrm>
+          <a:prstGeom prst="rect">
+            <a:avLst/>
+          </a:prstGeom>
+          <a:noFill/>
+        </p:spPr>
+        <p:txBody>
+          <a:bodyPr wrap="square" rtlCol="0">
+            <a:spAutoFit/>
+          </a:bodyPr>
+          <a:p>
+            <a:r>
+              <a:rPr lang="en-US" altLang="en-US" sz="1400"/>
+              <a:t>左侧是一次 HTTPS 握手的过程，可以视作 Digest 认证过程。</a:t>
+            </a:r>
+            <a:endParaRPr lang="en-US" altLang="en-US" sz="1400"/>
+          </a:p>
+          <a:p>
+            <a:r>
+              <a:rPr lang="en-US" altLang="en-US" sz="1400"/>
+              <a:t>其中比较关键的几个步骤如下：</a:t>
+            </a:r>
+            <a:endParaRPr lang="en-US" altLang="en-US" sz="1400"/>
+          </a:p>
+          <a:p>
+            <a:endParaRPr lang="en-US" altLang="en-US" sz="1600"/>
+          </a:p>
+          <a:p>
+            <a:endParaRPr lang="en-US" altLang="en-US" sz="1600"/>
+          </a:p>
+          <a:p>
+            <a:r>
+              <a:rPr lang="en-US" altLang="en-US" sz="1400" b="1"/>
+              <a:t>（Asymmetric Algorithm）</a:t>
+            </a:r>
+            <a:endParaRPr lang="en-US" altLang="en-US" sz="1400" b="1"/>
+          </a:p>
+          <a:p>
+            <a:endParaRPr lang="en-US" altLang="en-US" sz="1400"/>
+          </a:p>
+          <a:p>
+            <a:r>
+              <a:rPr lang="en-US" altLang="en-US" sz="1400"/>
+              <a:t>Step3: </a:t>
+            </a:r>
+            <a:endParaRPr lang="en-US" altLang="en-US" sz="1400"/>
+          </a:p>
+          <a:p>
+            <a:r>
+              <a:rPr lang="en-US" altLang="en-US" sz="1400"/>
+              <a:t>A.客户端接受服务器返回证书和公钥，并验证</a:t>
+            </a:r>
+            <a:endParaRPr lang="en-US" altLang="en-US" sz="1400"/>
+          </a:p>
+          <a:p>
+            <a:endParaRPr lang="en-US" altLang="en-US" sz="1400"/>
+          </a:p>
+          <a:p>
+            <a:r>
+              <a:rPr lang="en-US" altLang="en-US" sz="1400"/>
+              <a:t>Step5: </a:t>
+            </a:r>
+            <a:endParaRPr lang="en-US" altLang="en-US" sz="1400"/>
+          </a:p>
+          <a:p>
+            <a:r>
+              <a:rPr lang="en-US" altLang="en-US" sz="1400"/>
+              <a:t>A.客户端生成一个临时对称加密的 key</a:t>
+            </a:r>
+            <a:endParaRPr lang="en-US" altLang="en-US" sz="1400"/>
+          </a:p>
+          <a:p>
+            <a:r>
+              <a:rPr lang="en-US" altLang="en-US" sz="1400"/>
+              <a:t>B.用服务端公钥加密</a:t>
+            </a:r>
+            <a:endParaRPr lang="en-US" altLang="en-US" sz="1400"/>
+          </a:p>
+          <a:p>
+            <a:r>
+              <a:rPr lang="en-US" altLang="en-US" sz="1400"/>
+              <a:t>C.将加密后的摘要信息发送给服务端</a:t>
+            </a:r>
+            <a:endParaRPr lang="en-US" altLang="en-US" sz="1400"/>
+          </a:p>
+          <a:p>
+            <a:endParaRPr lang="en-US" altLang="en-US" sz="1400"/>
+          </a:p>
+          <a:p>
+            <a:r>
+              <a:rPr lang="en-US" altLang="en-US" sz="1400"/>
+              <a:t>Step6:</a:t>
+            </a:r>
+            <a:endParaRPr lang="en-US" altLang="en-US" sz="1400"/>
+          </a:p>
+          <a:p>
+            <a:r>
+              <a:rPr lang="en-US" altLang="en-US" sz="1400"/>
+              <a:t>A.服务端使用私钥解密摘要信息</a:t>
+            </a:r>
+            <a:endParaRPr lang="en-US" altLang="en-US" sz="1400"/>
+          </a:p>
+          <a:p>
+            <a:r>
+              <a:rPr lang="en-US" altLang="en-US" sz="1400"/>
+              <a:t>B.此时，客户端和服务端均获得对称加密的 key</a:t>
+            </a:r>
+            <a:endParaRPr lang="en-US" altLang="en-US" sz="1400"/>
+          </a:p>
+          <a:p>
+            <a:endParaRPr lang="en-US" altLang="en-US" sz="1400"/>
+          </a:p>
+          <a:p>
+            <a:endParaRPr lang="en-US" altLang="en-US" sz="1400"/>
+          </a:p>
+          <a:p>
+            <a:r>
+              <a:rPr lang="en-US" altLang="en-US" sz="1400" b="1">
+                <a:sym typeface="+mn-ea"/>
+              </a:rPr>
+              <a:t>（Symmetric Algorithm）</a:t>
+            </a:r>
+            <a:endParaRPr lang="en-US" altLang="en-US" sz="1400" b="1"/>
+          </a:p>
+          <a:p>
+            <a:endParaRPr lang="en-US" altLang="en-US" sz="1400"/>
+          </a:p>
+          <a:p>
+            <a:r>
+              <a:rPr lang="en-US" altLang="en-US" sz="1400"/>
+              <a:t>Step7 - 8</a:t>
+            </a:r>
+            <a:endParaRPr lang="en-US" altLang="en-US" sz="1400"/>
+          </a:p>
+          <a:p>
+            <a:r>
+              <a:rPr lang="en-US" altLang="en-US" sz="1400"/>
+              <a:t>A.后续双方通信过程，均采用对称加密的方式加密解密</a:t>
+            </a:r>
+            <a:endParaRPr lang="en-US" altLang="en-US" sz="1400"/>
+          </a:p>
+        </p:txBody>
+      </p:sp>
     </p:spTree>
   </p:cSld>
   <p:clrMapOvr>

--- a/2020-7-13-----Spring Security Report/Spring Security.pptx
+++ b/2020-7-13-----Spring Security Report/Spring Security.pptx
@@ -4,6 +4,9 @@
   <p:sldMasterIdLst>
     <p:sldMasterId id="2147483648" r:id="rId1"/>
   </p:sldMasterIdLst>
+  <p:notesMasterIdLst>
+    <p:notesMasterId r:id="rId15"/>
+  </p:notesMasterIdLst>
   <p:sldIdLst>
     <p:sldId id="302" r:id="rId3"/>
     <p:sldId id="303" r:id="rId4"/>
@@ -15,9 +18,8 @@
     <p:sldId id="268" r:id="rId10"/>
     <p:sldId id="277" r:id="rId11"/>
     <p:sldId id="263" r:id="rId12"/>
-    <p:sldId id="276" r:id="rId13"/>
-    <p:sldId id="265" r:id="rId14"/>
-    <p:sldId id="278" r:id="rId15"/>
+    <p:sldId id="265" r:id="rId13"/>
+    <p:sldId id="278" r:id="rId14"/>
     <p:sldId id="279" r:id="rId16"/>
     <p:sldId id="266" r:id="rId17"/>
     <p:sldId id="290" r:id="rId18"/>
@@ -127,6 +129,441 @@
     </a:lvl9pPr>
   </p:defaultTextStyle>
 </p:presentation>
+</file>
+
+<file path=ppt/notesMasters/notesMaster1.xml><?xml version="1.0" encoding="utf-8"?>
+<p:notesMaster xmlns:a="http://schemas.openxmlformats.org/drawingml/2006/main" xmlns:r="http://schemas.openxmlformats.org/officeDocument/2006/relationships" xmlns:p="http://schemas.openxmlformats.org/presentationml/2006/main">
+  <p:cSld>
+    <p:bg>
+      <p:bgRef idx="1001">
+        <a:schemeClr val="bg1"/>
+      </p:bgRef>
+    </p:bg>
+    <p:spTree>
+      <p:nvGrpSpPr>
+        <p:cNvPr id="1" name=""/>
+        <p:cNvGrpSpPr/>
+        <p:nvPr/>
+      </p:nvGrpSpPr>
+      <p:grpSpPr>
+        <a:xfrm>
+          <a:off x="0" y="0"/>
+          <a:ext cx="0" cy="0"/>
+          <a:chOff x="0" y="0"/>
+          <a:chExt cx="0" cy="0"/>
+        </a:xfrm>
+      </p:grpSpPr>
+      <p:sp>
+        <p:nvSpPr>
+          <p:cNvPr id="2" name="Header Placeholder 1"/>
+          <p:cNvSpPr>
+            <a:spLocks noGrp="1"/>
+          </p:cNvSpPr>
+          <p:nvPr>
+            <p:ph type="hdr" sz="quarter"/>
+          </p:nvPr>
+        </p:nvSpPr>
+        <p:spPr>
+          <a:xfrm>
+            <a:off x="0" y="0"/>
+            <a:ext cx="3078290" cy="513492"/>
+          </a:xfrm>
+          <a:prstGeom prst="rect">
+            <a:avLst/>
+          </a:prstGeom>
+        </p:spPr>
+        <p:txBody>
+          <a:bodyPr vert="horz" lIns="91440" tIns="45720" rIns="91440" bIns="45720" rtlCol="0"/>
+          <a:lstStyle>
+            <a:lvl1pPr algn="l">
+              <a:defRPr sz="1200"/>
+            </a:lvl1pPr>
+          </a:lstStyle>
+          <a:p>
+            <a:endParaRPr lang="en-US"/>
+          </a:p>
+        </p:txBody>
+      </p:sp>
+      <p:sp>
+        <p:nvSpPr>
+          <p:cNvPr id="3" name="Date Placeholder 2"/>
+          <p:cNvSpPr>
+            <a:spLocks noGrp="1"/>
+          </p:cNvSpPr>
+          <p:nvPr>
+            <p:ph type="dt" idx="1"/>
+          </p:nvPr>
+        </p:nvSpPr>
+        <p:spPr>
+          <a:xfrm>
+            <a:off x="4023812" y="0"/>
+            <a:ext cx="3078290" cy="513492"/>
+          </a:xfrm>
+          <a:prstGeom prst="rect">
+            <a:avLst/>
+          </a:prstGeom>
+        </p:spPr>
+        <p:txBody>
+          <a:bodyPr vert="horz" lIns="91440" tIns="45720" rIns="91440" bIns="45720" rtlCol="0"/>
+          <a:lstStyle>
+            <a:lvl1pPr algn="r">
+              <a:defRPr sz="1200"/>
+            </a:lvl1pPr>
+          </a:lstStyle>
+          <a:p>
+            <a:fld id="{3EFD42F7-718C-4B98-AAEC-167E6DDD60A7}" type="datetimeFigureOut">
+              <a:rPr lang="en-US" smtClean="0"/>
+            </a:fld>
+            <a:endParaRPr lang="en-US"/>
+          </a:p>
+        </p:txBody>
+      </p:sp>
+      <p:sp>
+        <p:nvSpPr>
+          <p:cNvPr id="4" name="Slide Image Placeholder 3"/>
+          <p:cNvSpPr>
+            <a:spLocks noGrp="1" noRot="1" noChangeAspect="1"/>
+          </p:cNvSpPr>
+          <p:nvPr>
+            <p:ph type="sldImg" idx="2"/>
+          </p:nvPr>
+        </p:nvSpPr>
+        <p:spPr>
+          <a:xfrm>
+            <a:off x="481584" y="1279287"/>
+            <a:ext cx="6140577" cy="3454075"/>
+          </a:xfrm>
+          <a:prstGeom prst="rect">
+            <a:avLst/>
+          </a:prstGeom>
+          <a:noFill/>
+          <a:ln w="12700">
+            <a:solidFill>
+              <a:prstClr val="black"/>
+            </a:solidFill>
+          </a:ln>
+        </p:spPr>
+        <p:txBody>
+          <a:bodyPr vert="horz" lIns="91440" tIns="45720" rIns="91440" bIns="45720" rtlCol="0" anchor="ctr"/>
+          <a:lstStyle/>
+          <a:p>
+            <a:endParaRPr lang="en-US"/>
+          </a:p>
+        </p:txBody>
+      </p:sp>
+      <p:sp>
+        <p:nvSpPr>
+          <p:cNvPr id="5" name="Notes Placeholder 4"/>
+          <p:cNvSpPr>
+            <a:spLocks noGrp="1"/>
+          </p:cNvSpPr>
+          <p:nvPr>
+            <p:ph type="body" sz="quarter" idx="3"/>
+          </p:nvPr>
+        </p:nvSpPr>
+        <p:spPr>
+          <a:xfrm>
+            <a:off x="710375" y="4925254"/>
+            <a:ext cx="5682996" cy="4029754"/>
+          </a:xfrm>
+          <a:prstGeom prst="rect">
+            <a:avLst/>
+          </a:prstGeom>
+        </p:spPr>
+        <p:txBody>
+          <a:bodyPr vert="horz" lIns="91440" tIns="45720" rIns="91440" bIns="45720" rtlCol="0"/>
+          <a:lstStyle/>
+          <a:p>
+            <a:pPr lvl="0"/>
+            <a:r>
+              <a:rPr lang="en-US" smtClean="0"/>
+              <a:t>Click to edit Master text styles</a:t>
+            </a:r>
+            <a:endParaRPr lang="en-US" smtClean="0"/>
+          </a:p>
+          <a:p>
+            <a:pPr lvl="1"/>
+            <a:r>
+              <a:rPr lang="en-US" smtClean="0"/>
+              <a:t>Second level</a:t>
+            </a:r>
+            <a:endParaRPr lang="en-US" smtClean="0"/>
+          </a:p>
+          <a:p>
+            <a:pPr lvl="2"/>
+            <a:r>
+              <a:rPr lang="en-US" smtClean="0"/>
+              <a:t>Third level</a:t>
+            </a:r>
+            <a:endParaRPr lang="en-US" smtClean="0"/>
+          </a:p>
+          <a:p>
+            <a:pPr lvl="3"/>
+            <a:r>
+              <a:rPr lang="en-US" smtClean="0"/>
+              <a:t>Fourth level</a:t>
+            </a:r>
+            <a:endParaRPr lang="en-US" smtClean="0"/>
+          </a:p>
+          <a:p>
+            <a:pPr lvl="4"/>
+            <a:r>
+              <a:rPr lang="en-US" smtClean="0"/>
+              <a:t>Fifth level</a:t>
+            </a:r>
+            <a:endParaRPr lang="en-US"/>
+          </a:p>
+        </p:txBody>
+      </p:sp>
+      <p:sp>
+        <p:nvSpPr>
+          <p:cNvPr id="6" name="Footer Placeholder 5"/>
+          <p:cNvSpPr>
+            <a:spLocks noGrp="1"/>
+          </p:cNvSpPr>
+          <p:nvPr>
+            <p:ph type="ftr" sz="quarter" idx="4"/>
+          </p:nvPr>
+        </p:nvSpPr>
+        <p:spPr>
+          <a:xfrm>
+            <a:off x="0" y="9720804"/>
+            <a:ext cx="3078290" cy="513491"/>
+          </a:xfrm>
+          <a:prstGeom prst="rect">
+            <a:avLst/>
+          </a:prstGeom>
+        </p:spPr>
+        <p:txBody>
+          <a:bodyPr vert="horz" lIns="91440" tIns="45720" rIns="91440" bIns="45720" rtlCol="0" anchor="b"/>
+          <a:lstStyle>
+            <a:lvl1pPr algn="l">
+              <a:defRPr sz="1200"/>
+            </a:lvl1pPr>
+          </a:lstStyle>
+          <a:p>
+            <a:endParaRPr lang="en-US"/>
+          </a:p>
+        </p:txBody>
+      </p:sp>
+      <p:sp>
+        <p:nvSpPr>
+          <p:cNvPr id="7" name="Slide Number Placeholder 6"/>
+          <p:cNvSpPr>
+            <a:spLocks noGrp="1"/>
+          </p:cNvSpPr>
+          <p:nvPr>
+            <p:ph type="sldNum" sz="quarter" idx="5"/>
+          </p:nvPr>
+        </p:nvSpPr>
+        <p:spPr>
+          <a:xfrm>
+            <a:off x="4023812" y="9720804"/>
+            <a:ext cx="3078290" cy="513491"/>
+          </a:xfrm>
+          <a:prstGeom prst="rect">
+            <a:avLst/>
+          </a:prstGeom>
+        </p:spPr>
+        <p:txBody>
+          <a:bodyPr vert="horz" lIns="91440" tIns="45720" rIns="91440" bIns="45720" rtlCol="0" anchor="b"/>
+          <a:lstStyle>
+            <a:lvl1pPr algn="r">
+              <a:defRPr sz="1200"/>
+            </a:lvl1pPr>
+          </a:lstStyle>
+          <a:p>
+            <a:fld id="{21B2AA4F-B828-4D7C-AFD3-893933DAFCB4}" type="slidenum">
+              <a:rPr lang="en-US" smtClean="0"/>
+            </a:fld>
+            <a:endParaRPr lang="en-US"/>
+          </a:p>
+        </p:txBody>
+      </p:sp>
+    </p:spTree>
+  </p:cSld>
+  <p:clrMap bg1="lt1" tx1="dk1" bg2="lt2" tx2="dk2" accent1="accent1" accent2="accent2" accent3="accent3" accent4="accent4" accent5="accent5" accent6="accent6" hlink="hlink" folHlink="folHlink"/>
+  <p:notesStyle>
+    <a:lvl1pPr marL="0" algn="l" defTabSz="914400" rtl="0" eaLnBrk="1" latinLnBrk="0" hangingPunct="1">
+      <a:defRPr sz="1200" kern="1200">
+        <a:solidFill>
+          <a:schemeClr val="tx1"/>
+        </a:solidFill>
+        <a:latin typeface="+mn-lt"/>
+        <a:ea typeface="+mn-ea"/>
+        <a:cs typeface="+mn-cs"/>
+      </a:defRPr>
+    </a:lvl1pPr>
+    <a:lvl2pPr marL="457200" algn="l" defTabSz="914400" rtl="0" eaLnBrk="1" latinLnBrk="0" hangingPunct="1">
+      <a:defRPr sz="1200" kern="1200">
+        <a:solidFill>
+          <a:schemeClr val="tx1"/>
+        </a:solidFill>
+        <a:latin typeface="+mn-lt"/>
+        <a:ea typeface="+mn-ea"/>
+        <a:cs typeface="+mn-cs"/>
+      </a:defRPr>
+    </a:lvl2pPr>
+    <a:lvl3pPr marL="914400" algn="l" defTabSz="914400" rtl="0" eaLnBrk="1" latinLnBrk="0" hangingPunct="1">
+      <a:defRPr sz="1200" kern="1200">
+        <a:solidFill>
+          <a:schemeClr val="tx1"/>
+        </a:solidFill>
+        <a:latin typeface="+mn-lt"/>
+        <a:ea typeface="+mn-ea"/>
+        <a:cs typeface="+mn-cs"/>
+      </a:defRPr>
+    </a:lvl3pPr>
+    <a:lvl4pPr marL="1371600" algn="l" defTabSz="914400" rtl="0" eaLnBrk="1" latinLnBrk="0" hangingPunct="1">
+      <a:defRPr sz="1200" kern="1200">
+        <a:solidFill>
+          <a:schemeClr val="tx1"/>
+        </a:solidFill>
+        <a:latin typeface="+mn-lt"/>
+        <a:ea typeface="+mn-ea"/>
+        <a:cs typeface="+mn-cs"/>
+      </a:defRPr>
+    </a:lvl4pPr>
+    <a:lvl5pPr marL="1828800" algn="l" defTabSz="914400" rtl="0" eaLnBrk="1" latinLnBrk="0" hangingPunct="1">
+      <a:defRPr sz="1200" kern="1200">
+        <a:solidFill>
+          <a:schemeClr val="tx1"/>
+        </a:solidFill>
+        <a:latin typeface="+mn-lt"/>
+        <a:ea typeface="+mn-ea"/>
+        <a:cs typeface="+mn-cs"/>
+      </a:defRPr>
+    </a:lvl5pPr>
+    <a:lvl6pPr marL="2286000" algn="l" defTabSz="914400" rtl="0" eaLnBrk="1" latinLnBrk="0" hangingPunct="1">
+      <a:defRPr sz="1200" kern="1200">
+        <a:solidFill>
+          <a:schemeClr val="tx1"/>
+        </a:solidFill>
+        <a:latin typeface="+mn-lt"/>
+        <a:ea typeface="+mn-ea"/>
+        <a:cs typeface="+mn-cs"/>
+      </a:defRPr>
+    </a:lvl6pPr>
+    <a:lvl7pPr marL="2743200" algn="l" defTabSz="914400" rtl="0" eaLnBrk="1" latinLnBrk="0" hangingPunct="1">
+      <a:defRPr sz="1200" kern="1200">
+        <a:solidFill>
+          <a:schemeClr val="tx1"/>
+        </a:solidFill>
+        <a:latin typeface="+mn-lt"/>
+        <a:ea typeface="+mn-ea"/>
+        <a:cs typeface="+mn-cs"/>
+      </a:defRPr>
+    </a:lvl7pPr>
+    <a:lvl8pPr marL="3200400" algn="l" defTabSz="914400" rtl="0" eaLnBrk="1" latinLnBrk="0" hangingPunct="1">
+      <a:defRPr sz="1200" kern="1200">
+        <a:solidFill>
+          <a:schemeClr val="tx1"/>
+        </a:solidFill>
+        <a:latin typeface="+mn-lt"/>
+        <a:ea typeface="+mn-ea"/>
+        <a:cs typeface="+mn-cs"/>
+      </a:defRPr>
+    </a:lvl8pPr>
+    <a:lvl9pPr marL="3657600" algn="l" defTabSz="914400" rtl="0" eaLnBrk="1" latinLnBrk="0" hangingPunct="1">
+      <a:defRPr sz="1200" kern="1200">
+        <a:solidFill>
+          <a:schemeClr val="tx1"/>
+        </a:solidFill>
+        <a:latin typeface="+mn-lt"/>
+        <a:ea typeface="+mn-ea"/>
+        <a:cs typeface="+mn-cs"/>
+      </a:defRPr>
+    </a:lvl9pPr>
+  </p:notesStyle>
+</p:notesMaster>
+</file>
+
+<file path=ppt/notesSlides/notesSlide1.xml><?xml version="1.0" encoding="utf-8"?>
+<p:notes xmlns:a="http://schemas.openxmlformats.org/drawingml/2006/main" xmlns:r="http://schemas.openxmlformats.org/officeDocument/2006/relationships" xmlns:p="http://schemas.openxmlformats.org/presentationml/2006/main">
+  <p:cSld>
+    <p:spTree>
+      <p:nvGrpSpPr>
+        <p:cNvPr id="1" name=""/>
+        <p:cNvGrpSpPr/>
+        <p:nvPr/>
+      </p:nvGrpSpPr>
+      <p:grpSpPr/>
+      <p:sp>
+        <p:nvSpPr>
+          <p:cNvPr id="2" name="Slide Image Placeholder 1"/>
+          <p:cNvSpPr/>
+          <p:nvPr>
+            <p:ph type="sldImg" idx="2"/>
+          </p:nvPr>
+        </p:nvSpPr>
+        <p:spPr/>
+      </p:sp>
+      <p:sp>
+        <p:nvSpPr>
+          <p:cNvPr id="3" name="Text Placeholder 2"/>
+          <p:cNvSpPr/>
+          <p:nvPr>
+            <p:ph type="body" idx="3"/>
+          </p:nvPr>
+        </p:nvSpPr>
+        <p:spPr/>
+        <p:txBody>
+          <a:bodyPr/>
+          <a:p>
+            <a:endParaRPr lang="en-US"/>
+          </a:p>
+        </p:txBody>
+      </p:sp>
+    </p:spTree>
+  </p:cSld>
+  <p:clrMapOvr>
+    <a:masterClrMapping/>
+  </p:clrMapOvr>
+</p:notes>
+</file>
+
+<file path=ppt/notesSlides/notesSlide2.xml><?xml version="1.0" encoding="utf-8"?>
+<p:notes xmlns:a="http://schemas.openxmlformats.org/drawingml/2006/main" xmlns:r="http://schemas.openxmlformats.org/officeDocument/2006/relationships" xmlns:p="http://schemas.openxmlformats.org/presentationml/2006/main">
+  <p:cSld>
+    <p:spTree>
+      <p:nvGrpSpPr>
+        <p:cNvPr id="1" name=""/>
+        <p:cNvGrpSpPr/>
+        <p:nvPr/>
+      </p:nvGrpSpPr>
+      <p:grpSpPr/>
+      <p:sp>
+        <p:nvSpPr>
+          <p:cNvPr id="2" name="Slide Image Placeholder 1"/>
+          <p:cNvSpPr/>
+          <p:nvPr>
+            <p:ph type="sldImg" idx="2"/>
+          </p:nvPr>
+        </p:nvSpPr>
+        <p:spPr/>
+      </p:sp>
+      <p:sp>
+        <p:nvSpPr>
+          <p:cNvPr id="3" name="Text Placeholder 2"/>
+          <p:cNvSpPr/>
+          <p:nvPr>
+            <p:ph type="body" idx="3"/>
+          </p:nvPr>
+        </p:nvSpPr>
+        <p:spPr/>
+        <p:txBody>
+          <a:bodyPr/>
+          <a:p>
+            <a:endParaRPr lang="en-US"/>
+          </a:p>
+        </p:txBody>
+      </p:sp>
+    </p:spTree>
+  </p:cSld>
+  <p:clrMapOvr>
+    <a:masterClrMapping/>
+  </p:clrMapOvr>
+</p:notes>
 </file>
 
 <file path=ppt/slideLayouts/slideLayout1.xml><?xml version="1.0" encoding="utf-8"?>
@@ -2686,8 +3123,8 @@
         </p:nvSpPr>
         <p:spPr>
           <a:xfrm>
-            <a:off x="1422400" y="1483360"/>
-            <a:ext cx="6576060" cy="4707890"/>
+            <a:off x="1422400" y="1855470"/>
+            <a:ext cx="6576060" cy="2676525"/>
           </a:xfrm>
           <a:prstGeom prst="rect">
             <a:avLst/>
@@ -2704,83 +3141,49 @@
               <a:buChar char="•"/>
             </a:pPr>
             <a:r>
-              <a:rPr lang="en-US" altLang="en-US" sz="2000" b="1"/>
-              <a:t>Authentication</a:t>
-            </a:r>
-            <a:endParaRPr lang="en-US" altLang="en-US" sz="2000"/>
+              <a:rPr lang="en-US" altLang="en-US" sz="2400" b="1"/>
+              <a:t>Authentication (鉴权)</a:t>
+            </a:r>
+            <a:endParaRPr lang="en-US" altLang="en-US" sz="2400"/>
           </a:p>
           <a:p>
             <a:pPr marL="742950" lvl="1" indent="-285750">
               <a:buFont typeface="Arial" panose="02080604020202020204" pitchFamily="34" charset="0"/>
               <a:buChar char="•"/>
             </a:pPr>
-            <a:r>
-              <a:rPr lang="en-US" altLang="en-US" sz="2000"/>
-              <a:t>Basic Authentication</a:t>
-            </a:r>
-            <a:endParaRPr lang="en-US" altLang="en-US" sz="2000"/>
+            <a:endParaRPr lang="en-US" altLang="en-US" sz="2400"/>
           </a:p>
           <a:p>
             <a:pPr marL="742950" lvl="1" indent="-285750">
               <a:buFont typeface="Arial" panose="02080604020202020204" pitchFamily="34" charset="0"/>
               <a:buChar char="•"/>
             </a:pPr>
-            <a:r>
-              <a:rPr lang="en-US" altLang="en-US" sz="2000"/>
-              <a:t>Digest Authentication</a:t>
-            </a:r>
-            <a:endParaRPr lang="en-US" altLang="en-US" sz="2000"/>
+            <a:endParaRPr lang="en-US" altLang="en-US" sz="2400"/>
+          </a:p>
+          <a:p>
+            <a:pPr marL="285750" indent="-285750">
+              <a:buFont typeface="Arial" panose="02080604020202020204" pitchFamily="34" charset="0"/>
+              <a:buChar char="•"/>
+            </a:pPr>
+            <a:r>
+              <a:rPr lang="en-US" altLang="en-US" sz="2400" b="1"/>
+              <a:t>Authroization (授权)</a:t>
+            </a:r>
+            <a:endParaRPr lang="en-US" altLang="en-US" sz="2400"/>
           </a:p>
           <a:p>
             <a:pPr marL="742950" lvl="1" indent="-285750">
               <a:buFont typeface="Arial" panose="02080604020202020204" pitchFamily="34" charset="0"/>
               <a:buChar char="•"/>
             </a:pPr>
-            <a:r>
-              <a:rPr lang="en-US" altLang="en-US" sz="2000"/>
-              <a:t>Token: Jwt Token</a:t>
-            </a:r>
-            <a:endParaRPr lang="en-US" altLang="en-US" sz="2000"/>
+            <a:endParaRPr lang="en-US" altLang="en-US" sz="2400"/>
           </a:p>
           <a:p>
             <a:pPr marL="742950" lvl="1" indent="-285750">
               <a:buFont typeface="Arial" panose="02080604020202020204" pitchFamily="34" charset="0"/>
               <a:buChar char="•"/>
             </a:pPr>
-            <a:r>
-              <a:rPr lang="en-US" altLang="en-US" sz="2000"/>
-              <a:t>OAuth2 And Jwt Token</a:t>
-            </a:r>
-            <a:endParaRPr lang="en-US" altLang="en-US" sz="2000"/>
-          </a:p>
-          <a:p>
-            <a:pPr marL="742950" lvl="1" indent="-285750">
-              <a:buFont typeface="Arial" panose="02080604020202020204" pitchFamily="34" charset="0"/>
-              <a:buChar char="•"/>
-            </a:pPr>
-            <a:r>
-              <a:rPr lang="en-US" altLang="en-US" sz="2000"/>
-              <a:t>UsernamePassword Authentication (BO)</a:t>
-            </a:r>
-            <a:endParaRPr lang="en-US" altLang="en-US" sz="2000"/>
-          </a:p>
-          <a:p>
-            <a:pPr marL="742950" lvl="1" indent="-285750">
-              <a:buFont typeface="Arial" panose="02080604020202020204" pitchFamily="34" charset="0"/>
-              <a:buChar char="•"/>
-            </a:pPr>
-            <a:r>
-              <a:rPr lang="en-US" altLang="en-US" sz="2000"/>
-              <a:t>Spring Security Architecture</a:t>
-            </a:r>
-            <a:endParaRPr lang="en-US" altLang="en-US" sz="2000"/>
-          </a:p>
-          <a:p>
-            <a:pPr marL="742950" lvl="1" indent="-285750">
-              <a:buFont typeface="Arial" panose="02080604020202020204" pitchFamily="34" charset="0"/>
-              <a:buChar char="•"/>
-            </a:pPr>
-            <a:endParaRPr lang="en-US" altLang="en-US" sz="2000"/>
+            <a:endParaRPr lang="en-US" altLang="en-US" sz="2400"/>
           </a:p>
           <a:p>
             <a:pPr marL="285750" indent="-285750">
@@ -2788,72 +3191,10 @@
               <a:buChar char="•"/>
             </a:pPr>
             <a:r>
-              <a:rPr lang="en-US" altLang="en-US" sz="2000" b="1"/>
-              <a:t>Authroization</a:t>
-            </a:r>
-            <a:endParaRPr lang="en-US" altLang="en-US" sz="2000"/>
-          </a:p>
-          <a:p>
-            <a:pPr marL="742950" lvl="1" indent="-285750">
-              <a:buFont typeface="Arial" panose="02080604020202020204" pitchFamily="34" charset="0"/>
-              <a:buChar char="•"/>
-            </a:pPr>
-            <a:r>
-              <a:rPr lang="en-US" altLang="en-US" sz="2000"/>
-              <a:t>Access Control List</a:t>
-            </a:r>
-            <a:endParaRPr lang="en-US" altLang="en-US" sz="2000"/>
-          </a:p>
-          <a:p>
-            <a:pPr marL="742950" lvl="1" indent="-285750">
-              <a:buFont typeface="Arial" panose="02080604020202020204" pitchFamily="34" charset="0"/>
-              <a:buChar char="•"/>
-            </a:pPr>
-            <a:endParaRPr lang="en-US" altLang="en-US" sz="2000"/>
-          </a:p>
-          <a:p>
-            <a:pPr marL="285750" indent="-285750">
-              <a:buFont typeface="Arial" panose="02080604020202020204" pitchFamily="34" charset="0"/>
-              <a:buChar char="•"/>
-            </a:pPr>
-            <a:r>
-              <a:rPr lang="en-US" altLang="en-US" sz="2000" b="1"/>
-              <a:t>Security</a:t>
-            </a:r>
-            <a:endParaRPr lang="en-US" altLang="en-US" sz="2000"/>
-          </a:p>
-          <a:p>
-            <a:pPr marL="742950" lvl="1" indent="-285750">
-              <a:buFont typeface="Arial" panose="02080604020202020204" pitchFamily="34" charset="0"/>
-              <a:buChar char="•"/>
-            </a:pPr>
-            <a:r>
-              <a:rPr lang="en-US" altLang="en-US" sz="2000"/>
-              <a:t>CRLF</a:t>
-            </a:r>
-            <a:endParaRPr lang="en-US" altLang="en-US" sz="2000"/>
-          </a:p>
-          <a:p>
-            <a:pPr marL="742950" lvl="1" indent="-285750">
-              <a:buFont typeface="Arial" panose="02080604020202020204" pitchFamily="34" charset="0"/>
-              <a:buChar char="•"/>
-            </a:pPr>
-            <a:r>
-              <a:rPr lang="en-US" altLang="en-US" sz="2000"/>
-              <a:t>XSS</a:t>
-            </a:r>
-            <a:endParaRPr lang="en-US" altLang="en-US" sz="2000"/>
-          </a:p>
-          <a:p>
-            <a:pPr marL="742950" lvl="1" indent="-285750">
-              <a:buFont typeface="Arial" panose="02080604020202020204" pitchFamily="34" charset="0"/>
-              <a:buChar char="•"/>
-            </a:pPr>
-            <a:r>
-              <a:rPr lang="en-US" altLang="en-US" sz="2000"/>
-              <a:t>XSRF</a:t>
-            </a:r>
-            <a:endParaRPr lang="en-US" altLang="en-US" sz="2000"/>
+              <a:rPr lang="en-US" altLang="en-US" sz="2400" b="1"/>
+              <a:t>Protection (防护)</a:t>
+            </a:r>
+            <a:endParaRPr lang="en-US" altLang="en-US" sz="2400" b="1"/>
           </a:p>
         </p:txBody>
       </p:sp>
@@ -2936,7 +3277,7 @@
         </p:nvSpPr>
         <p:spPr>
           <a:xfrm>
-            <a:off x="433070" y="1808480"/>
+            <a:off x="433070" y="1774825"/>
             <a:ext cx="5118100" cy="3538220"/>
           </a:xfrm>
           <a:prstGeom prst="rect">
@@ -3029,6 +3370,52 @@
             <a:r>
               <a:rPr lang="en-US" altLang="en-US" sz="1400"/>
               <a:t>使用私钥对Header 和 Payload 签名</a:t>
+            </a:r>
+            <a:endParaRPr lang="en-US" altLang="en-US" sz="1400"/>
+          </a:p>
+        </p:txBody>
+      </p:sp>
+      <p:sp>
+        <p:nvSpPr>
+          <p:cNvPr id="3" name="Text Box 2"/>
+          <p:cNvSpPr txBox="1"/>
+          <p:nvPr/>
+        </p:nvSpPr>
+        <p:spPr>
+          <a:xfrm>
+            <a:off x="558165" y="5795010"/>
+            <a:ext cx="9658985" cy="953135"/>
+          </a:xfrm>
+          <a:prstGeom prst="rect">
+            <a:avLst/>
+          </a:prstGeom>
+          <a:noFill/>
+        </p:spPr>
+        <p:txBody>
+          <a:bodyPr wrap="square" rtlCol="0">
+            <a:spAutoFit/>
+          </a:bodyPr>
+          <a:p>
+            <a:r>
+              <a:rPr lang="en-US" altLang="en-US" sz="1400" b="1"/>
+              <a:t>JWT Token，主要利用了非对称加密的签名机制，利用私钥进行签名，而非对整个内容进行加密。</a:t>
+            </a:r>
+            <a:endParaRPr lang="en-US" altLang="en-US" sz="1400" b="1"/>
+          </a:p>
+          <a:p>
+            <a:r>
+              <a:rPr lang="en-US" altLang="en-US" sz="1400" b="1"/>
+              <a:t>只要，你拥有对应的公钥，你就可以验证 JWT Token 是否合法（由私钥拥有者签发）。</a:t>
+            </a:r>
+            <a:endParaRPr lang="en-US" altLang="en-US" sz="1400" b="1"/>
+          </a:p>
+          <a:p>
+            <a:endParaRPr lang="en-US" altLang="en-US" sz="1400" b="1"/>
+          </a:p>
+          <a:p>
+            <a:r>
+              <a:rPr lang="en-US" altLang="en-US" sz="1400"/>
+              <a:t>而且持有公钥的系统只能验证 Token 有效，但是没有办法创建新的 Token，也防止了被滥用的可能。</a:t>
             </a:r>
             <a:endParaRPr lang="en-US" altLang="en-US" sz="1400"/>
           </a:p>
@@ -3075,22 +3462,46 @@
           <a:p>
             <a:r>
               <a:rPr lang="en-US" altLang="en-US" b="1"/>
-              <a:t>JWT Token</a:t>
+              <a:t>Username Password Authentication</a:t>
             </a:r>
             <a:endParaRPr lang="en-US" altLang="en-US" b="1"/>
           </a:p>
         </p:txBody>
       </p:sp>
-      <p:sp>
-        <p:nvSpPr>
-          <p:cNvPr id="3" name="Text Box 2"/>
+      <p:pic>
+        <p:nvPicPr>
+          <p:cNvPr id="2" name="Picture 1" descr="Normal Authentication"/>
+          <p:cNvPicPr>
+            <a:picLocks noChangeAspect="1"/>
+          </p:cNvPicPr>
+          <p:nvPr/>
+        </p:nvPicPr>
+        <p:blipFill>
+          <a:blip r:embed="rId1"/>
+          <a:stretch>
+            <a:fillRect/>
+          </a:stretch>
+        </p:blipFill>
+        <p:spPr>
+          <a:xfrm>
+            <a:off x="6162040" y="1667510"/>
+            <a:ext cx="5880735" cy="4782185"/>
+          </a:xfrm>
+          <a:prstGeom prst="rect">
+            <a:avLst/>
+          </a:prstGeom>
+        </p:spPr>
+      </p:pic>
+      <p:sp>
+        <p:nvSpPr>
+          <p:cNvPr id="4" name="Text Box 3"/>
           <p:cNvSpPr txBox="1"/>
           <p:nvPr/>
         </p:nvSpPr>
         <p:spPr>
           <a:xfrm>
-            <a:off x="751840" y="1515745"/>
-            <a:ext cx="10419080" cy="2061210"/>
+            <a:off x="433070" y="1774825"/>
+            <a:ext cx="5457190" cy="3969385"/>
           </a:xfrm>
           <a:prstGeom prst="rect">
             <a:avLst/>
@@ -3103,13 +3514,16 @@
           </a:bodyPr>
           <a:p>
             <a:r>
-              <a:rPr lang="en-US" altLang="en-US" sz="1600"/>
-              <a:t>Jwt Token，是一种使用比较广泛的 Token 格式。由三段式构成，其中 Header 和 Payload 都通过 Base64URL 进行编码。而最后一段签名，一般通过 SHA256 (RSA 非对称加密)的私钥进行签名。</a:t>
-            </a:r>
-            <a:endParaRPr lang="en-US" altLang="en-US" sz="1600"/>
-          </a:p>
-          <a:p>
-            <a:endParaRPr lang="en-US" altLang="en-US" sz="1600"/>
+              <a:rPr lang="en-US" altLang="en-US" sz="1400" b="1"/>
+              <a:t>传统的用户名密码认证</a:t>
+            </a:r>
+            <a:endParaRPr lang="en-US" altLang="en-US" sz="1400" b="1"/>
+          </a:p>
+          <a:p>
+            <a:endParaRPr lang="en-US" altLang="en-US" sz="1400"/>
+          </a:p>
+          <a:p>
+            <a:endParaRPr lang="en-US" altLang="en-US" sz="1400"/>
           </a:p>
           <a:p>
             <a:pPr marL="285750" indent="-285750">
@@ -3117,69 +3531,148 @@
               <a:buChar char="•"/>
             </a:pPr>
             <a:r>
-              <a:rPr lang="en-US" altLang="en-US" sz="1600"/>
-              <a:t>自验证，客户端（资源服务器）通过所持有的公钥，即可验证该 Token 有效（</a:t>
-            </a:r>
-            <a:r>
-              <a:rPr lang="en-US" altLang="en-US" sz="1600">
+              <a:rPr lang="" altLang="en-US" sz="1400"/>
+              <a:t>保存密码的过程</a:t>
+            </a:r>
+            <a:endParaRPr lang="en-US" altLang="en-US" sz="1400"/>
+          </a:p>
+          <a:p>
+            <a:pPr marL="285750" indent="-285750">
+              <a:buFont typeface="Arial" panose="02080604020202020204" pitchFamily="34" charset="0"/>
+              <a:buChar char="•"/>
+            </a:pPr>
+            <a:endParaRPr lang="en-US" altLang="en-US" sz="1400"/>
+          </a:p>
+          <a:p>
+            <a:pPr marL="742950" lvl="1" indent="-285750">
+              <a:buFont typeface="Arial" panose="02080604020202020204" pitchFamily="34" charset="0"/>
+              <a:buChar char="•"/>
+            </a:pPr>
+            <a:r>
+              <a:rPr lang="en-US" altLang="en-US" sz="1400"/>
+              <a:t>原始密码，加盐 (Salt / nouce)，随机数（字符）</a:t>
+            </a:r>
+            <a:r>
+              <a:rPr lang="" altLang="en-US" sz="1400"/>
+              <a:t>，生成带处理文本</a:t>
+            </a:r>
+            <a:endParaRPr lang="en-US" altLang="en-US" sz="1400"/>
+          </a:p>
+          <a:p>
+            <a:pPr marL="285750" indent="-285750">
+              <a:buFont typeface="Arial" panose="02080604020202020204" pitchFamily="34" charset="0"/>
+              <a:buChar char="•"/>
+            </a:pPr>
+            <a:endParaRPr lang="en-US" altLang="en-US" sz="1400"/>
+          </a:p>
+          <a:p>
+            <a:pPr marL="742950" lvl="1" indent="-285750">
+              <a:buFont typeface="Arial" panose="02080604020202020204" pitchFamily="34" charset="0"/>
+              <a:buChar char="•"/>
+            </a:pPr>
+            <a:r>
+              <a:rPr lang="en-US" altLang="en-US" sz="1400">
                 <a:sym typeface="+mn-ea"/>
               </a:rPr>
-              <a:t>无需认证系统验证</a:t>
-            </a:r>
-            <a:r>
-              <a:rPr lang="en-US" altLang="en-US" sz="1600"/>
-              <a:t>）。</a:t>
-            </a:r>
-            <a:endParaRPr lang="en-US" altLang="en-US" sz="1600"/>
+              <a:t>使用编码、对称或非对称加密的方式</a:t>
+            </a:r>
+            <a:r>
+              <a:rPr lang="" altLang="en-US" sz="1400">
+                <a:sym typeface="+mn-ea"/>
+              </a:rPr>
+              <a:t>加密</a:t>
+            </a:r>
+            <a:r>
+              <a:rPr lang="" altLang="en-US" sz="1400">
+                <a:sym typeface="+mn-ea"/>
+              </a:rPr>
+              <a:t>，一般会生成不可逆的密钥串</a:t>
+            </a:r>
+            <a:endParaRPr lang="" altLang="en-US" sz="1400">
+              <a:sym typeface="+mn-ea"/>
+            </a:endParaRPr>
+          </a:p>
+          <a:p>
+            <a:pPr marL="742950" lvl="1" indent="-285750">
+              <a:buFont typeface="Arial" panose="02080604020202020204" pitchFamily="34" charset="0"/>
+              <a:buChar char="•"/>
+            </a:pPr>
+            <a:endParaRPr lang="" altLang="en-US" sz="1400">
+              <a:sym typeface="+mn-ea"/>
+            </a:endParaRPr>
+          </a:p>
+          <a:p>
+            <a:pPr marL="742950" lvl="1" indent="-285750">
+              <a:buFont typeface="Arial" panose="02080604020202020204" pitchFamily="34" charset="0"/>
+              <a:buChar char="•"/>
+            </a:pPr>
+            <a:endParaRPr lang="" altLang="en-US" sz="1400">
+              <a:sym typeface="+mn-ea"/>
+            </a:endParaRPr>
+          </a:p>
+          <a:p>
+            <a:pPr marL="742950" lvl="1" indent="-285750">
+              <a:buFont typeface="Arial" panose="02080604020202020204" pitchFamily="34" charset="0"/>
+              <a:buChar char="•"/>
+            </a:pPr>
+            <a:endParaRPr lang="" altLang="en-US" sz="1400">
+              <a:sym typeface="+mn-ea"/>
+            </a:endParaRPr>
+          </a:p>
+          <a:p>
+            <a:pPr marL="285750" lvl="0" indent="-285750">
+              <a:buFont typeface="Arial" panose="02080604020202020204" pitchFamily="34" charset="0"/>
+              <a:buChar char="•"/>
+            </a:pPr>
+            <a:r>
+              <a:rPr lang="" altLang="en-US" sz="1400">
+                <a:sym typeface="+mn-ea"/>
+              </a:rPr>
+              <a:t>认证过程</a:t>
+            </a:r>
+            <a:endParaRPr lang="" altLang="en-US" sz="1400">
+              <a:sym typeface="+mn-ea"/>
+            </a:endParaRPr>
+          </a:p>
+          <a:p>
+            <a:pPr marL="285750" lvl="0" indent="-285750">
+              <a:buFont typeface="Arial" panose="02080604020202020204" pitchFamily="34" charset="0"/>
+              <a:buChar char="•"/>
+            </a:pPr>
+            <a:endParaRPr lang="" altLang="en-US" sz="1400">
+              <a:sym typeface="+mn-ea"/>
+            </a:endParaRPr>
+          </a:p>
+          <a:p>
+            <a:pPr marL="742950" lvl="1" indent="-285750">
+              <a:buFont typeface="Arial" panose="02080604020202020204" pitchFamily="34" charset="0"/>
+              <a:buChar char="•"/>
+            </a:pPr>
+            <a:r>
+              <a:rPr lang="" altLang="en-US" sz="1400"/>
+              <a:t>从请求中获取用户密码，重复上述过程，验证结果一致，即通过认证.</a:t>
+            </a:r>
+            <a:endParaRPr lang="en-US" altLang="en-US" sz="1400"/>
           </a:p>
           <a:p>
             <a:pPr marL="285750" indent="-285750">
               <a:buFont typeface="Arial" panose="02080604020202020204" pitchFamily="34" charset="0"/>
               <a:buChar char="•"/>
             </a:pPr>
-            <a:endParaRPr lang="en-US" altLang="en-US" sz="1600"/>
-          </a:p>
-          <a:p>
-            <a:pPr marL="285750" indent="-285750">
-              <a:buFont typeface="Arial" panose="02080604020202020204" pitchFamily="34" charset="0"/>
-              <a:buChar char="•"/>
-            </a:pPr>
-            <a:r>
-              <a:rPr lang="en-US" altLang="en-US" sz="1600"/>
-              <a:t>解码方式</a:t>
-            </a:r>
-            <a:endParaRPr lang="en-US" altLang="en-US" sz="1600"/>
-          </a:p>
-          <a:p>
-            <a:pPr marL="285750" indent="-285750">
-              <a:buFont typeface="Arial" panose="02080604020202020204" pitchFamily="34" charset="0"/>
-              <a:buChar char="•"/>
-            </a:pPr>
-            <a:endParaRPr lang="en-US" altLang="en-US" sz="1600"/>
-          </a:p>
-          <a:p>
-            <a:pPr marL="285750" indent="-285750">
-              <a:buFont typeface="Arial" panose="02080604020202020204" pitchFamily="34" charset="0"/>
-              <a:buChar char="•"/>
-            </a:pPr>
-            <a:r>
-              <a:rPr lang="en-US" altLang="en-US" sz="1600"/>
-              <a:t>固定结构，三段式。</a:t>
-            </a:r>
-            <a:endParaRPr lang="en-US" altLang="en-US" sz="1600"/>
-          </a:p>
-        </p:txBody>
-      </p:sp>
-      <p:sp>
-        <p:nvSpPr>
-          <p:cNvPr id="6" name="Text Box 5"/>
+            <a:endParaRPr lang="en-US" altLang="en-US" sz="1400"/>
+          </a:p>
+        </p:txBody>
+      </p:sp>
+      <p:sp>
+        <p:nvSpPr>
+          <p:cNvPr id="18" name="Text Box 17"/>
           <p:cNvSpPr txBox="1"/>
           <p:nvPr/>
         </p:nvSpPr>
         <p:spPr>
           <a:xfrm>
-            <a:off x="1220470" y="4006850"/>
-            <a:ext cx="5119370" cy="368300"/>
+            <a:off x="362585" y="5961380"/>
+            <a:ext cx="8422640" cy="306705"/>
           </a:xfrm>
           <a:prstGeom prst="rect">
             <a:avLst/>
@@ -3192,81 +3685,14 @@
           </a:bodyPr>
           <a:p>
             <a:r>
-              <a:rPr lang="en-US" altLang="en-US" b="1"/>
-              <a:t>Other Token</a:t>
-            </a:r>
-            <a:endParaRPr lang="en-US" altLang="en-US" b="1"/>
-          </a:p>
-        </p:txBody>
-      </p:sp>
-      <p:sp>
-        <p:nvSpPr>
-          <p:cNvPr id="8" name="Text Box 7"/>
-          <p:cNvSpPr txBox="1"/>
-          <p:nvPr/>
-        </p:nvSpPr>
-        <p:spPr>
-          <a:xfrm>
-            <a:off x="886460" y="4593590"/>
-            <a:ext cx="10419080" cy="1322070"/>
-          </a:xfrm>
-          <a:prstGeom prst="rect">
-            <a:avLst/>
-          </a:prstGeom>
-          <a:noFill/>
-        </p:spPr>
-        <p:txBody>
-          <a:bodyPr wrap="square" rtlCol="0">
-            <a:spAutoFit/>
-          </a:bodyPr>
-          <a:p>
-            <a:r>
-              <a:rPr lang="en-US" altLang="en-US" sz="1600"/>
-              <a:t>常见的 Token 通过加密的方式</a:t>
-            </a:r>
-            <a:endParaRPr lang="en-US" altLang="en-US" sz="1600"/>
-          </a:p>
-          <a:p>
-            <a:endParaRPr lang="en-US" altLang="en-US" sz="1600"/>
-          </a:p>
-          <a:p>
-            <a:pPr marL="285750" indent="-285750">
-              <a:buFont typeface="Arial" panose="02080604020202020204" pitchFamily="34" charset="0"/>
-              <a:buChar char="•"/>
-            </a:pPr>
-            <a:r>
-              <a:rPr lang="en-US" altLang="en-US" sz="1600"/>
-              <a:t>自验证，客户端（资源服务器）通过所持有的公钥，即可验证该 Token 有效（</a:t>
-            </a:r>
-            <a:r>
-              <a:rPr lang="en-US" altLang="en-US" sz="1600">
-                <a:sym typeface="+mn-ea"/>
-              </a:rPr>
-              <a:t>无需认证系统验证</a:t>
-            </a:r>
-            <a:r>
-              <a:rPr lang="en-US" altLang="en-US" sz="1600"/>
-              <a:t>）。</a:t>
-            </a:r>
-            <a:endParaRPr lang="en-US" altLang="en-US" sz="1600"/>
-          </a:p>
-          <a:p>
-            <a:pPr marL="285750" indent="-285750">
-              <a:buFont typeface="Arial" panose="02080604020202020204" pitchFamily="34" charset="0"/>
-              <a:buChar char="•"/>
-            </a:pPr>
-            <a:endParaRPr lang="en-US" altLang="en-US" sz="1600"/>
-          </a:p>
-          <a:p>
-            <a:pPr marL="285750" indent="-285750">
-              <a:buFont typeface="Arial" panose="02080604020202020204" pitchFamily="34" charset="0"/>
-              <a:buChar char="•"/>
-            </a:pPr>
-            <a:r>
-              <a:rPr lang="en-US" altLang="en-US" sz="1600"/>
-              <a:t>固定结构，三段式。</a:t>
-            </a:r>
-            <a:endParaRPr lang="en-US" altLang="en-US" sz="1600"/>
+              <a:rPr lang="en-US" altLang="en-US" sz="1400" b="1"/>
+              <a:t>Spring Security Entrypoint</a:t>
+            </a:r>
+            <a:r>
+              <a:rPr lang="en-US" altLang="en-US" sz="1400"/>
+              <a:t>: SimpleUrlAuthenticationEntryPoint</a:t>
+            </a:r>
+            <a:endParaRPr lang="en-US" altLang="en-US" sz="1400"/>
           </a:p>
         </p:txBody>
       </p:sp>
@@ -3311,7 +3737,7 @@
           <a:p>
             <a:r>
               <a:rPr lang="en-US" altLang="en-US" b="1"/>
-              <a:t>Username Password Authentication</a:t>
+              <a:t>OAuth2 Authentication</a:t>
             </a:r>
             <a:endParaRPr lang="en-US" altLang="en-US" b="1"/>
           </a:p>
@@ -3319,7 +3745,7 @@
       </p:sp>
       <p:pic>
         <p:nvPicPr>
-          <p:cNvPr id="2" name="Picture 1" descr="Normal Authentication"/>
+          <p:cNvPr id="2" name="Picture 1"/>
           <p:cNvPicPr>
             <a:picLocks noChangeAspect="1"/>
           </p:cNvPicPr>
@@ -3333,14 +3759,266 @@
         </p:blipFill>
         <p:spPr>
           <a:xfrm>
-            <a:off x="4732655" y="1489710"/>
-            <a:ext cx="5880735" cy="4782185"/>
+            <a:off x="5498465" y="1568450"/>
+            <a:ext cx="6619240" cy="4954905"/>
           </a:xfrm>
           <a:prstGeom prst="rect">
             <a:avLst/>
           </a:prstGeom>
         </p:spPr>
       </p:pic>
+      <p:sp>
+        <p:nvSpPr>
+          <p:cNvPr id="4" name="Text Box 3"/>
+          <p:cNvSpPr txBox="1"/>
+          <p:nvPr/>
+        </p:nvSpPr>
+        <p:spPr>
+          <a:xfrm>
+            <a:off x="433070" y="1774825"/>
+            <a:ext cx="5457190" cy="5262245"/>
+          </a:xfrm>
+          <a:prstGeom prst="rect">
+            <a:avLst/>
+          </a:prstGeom>
+          <a:noFill/>
+        </p:spPr>
+        <p:txBody>
+          <a:bodyPr wrap="square" rtlCol="0">
+            <a:spAutoFit/>
+          </a:bodyPr>
+          <a:p>
+            <a:r>
+              <a:rPr lang="" altLang="en-US" sz="1400" b="1"/>
+              <a:t>OAuth2 </a:t>
+            </a:r>
+            <a:r>
+              <a:rPr lang="en-US" altLang="en-US" sz="1400" b="1"/>
+              <a:t>认证</a:t>
+            </a:r>
+            <a:endParaRPr lang="en-US" altLang="en-US" sz="1400" b="1"/>
+          </a:p>
+          <a:p>
+            <a:endParaRPr lang="en-US" altLang="en-US" sz="1400"/>
+          </a:p>
+          <a:p>
+            <a:pPr marL="285750" indent="-285750">
+              <a:buFont typeface="Arial" panose="02080604020202020204" pitchFamily="34" charset="0"/>
+              <a:buChar char="•"/>
+            </a:pPr>
+            <a:r>
+              <a:rPr lang="" altLang="en-US" sz="1400"/>
+              <a:t>OAuth2 由四种认证模式，和我们目前比较贴近的是密码认证</a:t>
+            </a:r>
+            <a:endParaRPr lang="" altLang="en-US" sz="1400"/>
+          </a:p>
+          <a:p>
+            <a:pPr marL="285750" indent="-285750">
+              <a:buFont typeface="Arial" panose="02080604020202020204" pitchFamily="34" charset="0"/>
+              <a:buChar char="•"/>
+            </a:pPr>
+            <a:endParaRPr lang="" altLang="en-US" sz="1400"/>
+          </a:p>
+          <a:p>
+            <a:pPr marL="285750" indent="-285750">
+              <a:buFont typeface="Arial" panose="02080604020202020204" pitchFamily="34" charset="0"/>
+              <a:buChar char="•"/>
+            </a:pPr>
+            <a:r>
+              <a:rPr lang="" altLang="en-US" sz="1400"/>
+              <a:t>认证过程：</a:t>
+            </a:r>
+            <a:endParaRPr lang="" altLang="en-US" sz="1400"/>
+          </a:p>
+          <a:p>
+            <a:pPr marL="285750" indent="-285750">
+              <a:buFont typeface="Arial" panose="02080604020202020204" pitchFamily="34" charset="0"/>
+              <a:buChar char="•"/>
+            </a:pPr>
+            <a:endParaRPr lang="" altLang="en-US" sz="1400"/>
+          </a:p>
+          <a:p>
+            <a:pPr marL="742950" lvl="1" indent="-285750">
+              <a:buFont typeface="Arial" panose="02080604020202020204" pitchFamily="34" charset="0"/>
+              <a:buChar char="•"/>
+            </a:pPr>
+            <a:r>
+              <a:rPr lang="" altLang="en-US" sz="1400"/>
+              <a:t>1.使用 Client（浏览器、App）访问资源服务器</a:t>
+            </a:r>
+            <a:endParaRPr lang="" altLang="en-US" sz="1400"/>
+          </a:p>
+          <a:p>
+            <a:pPr marL="742950" lvl="1" indent="-285750">
+              <a:buFont typeface="Arial" panose="02080604020202020204" pitchFamily="34" charset="0"/>
+              <a:buChar char="•"/>
+            </a:pPr>
+            <a:r>
+              <a:rPr lang="" altLang="en-US" sz="1400"/>
+              <a:t>2.需要授权，转发至认证服务器</a:t>
+            </a:r>
+            <a:endParaRPr lang="" altLang="en-US" sz="1400"/>
+          </a:p>
+          <a:p>
+            <a:pPr marL="742950" lvl="1" indent="-285750">
+              <a:buFont typeface="Arial" panose="02080604020202020204" pitchFamily="34" charset="0"/>
+              <a:buChar char="•"/>
+            </a:pPr>
+            <a:r>
+              <a:rPr lang="" altLang="en-US" sz="1400"/>
+              <a:t>3.认证过程</a:t>
+            </a:r>
+            <a:r>
+              <a:rPr lang="" altLang="en-US" sz="1400">
+                <a:sym typeface="+mn-ea"/>
+              </a:rPr>
+              <a:t>需要（</a:t>
+            </a:r>
+            <a:r>
+              <a:rPr lang="en-US" altLang="en-US" sz="1400">
+                <a:sym typeface="+mn-ea"/>
+              </a:rPr>
+              <a:t>用户名、密码、客户端ID、客户端密码、范围等</a:t>
+            </a:r>
+            <a:r>
+              <a:rPr lang="" altLang="en-US" sz="1400">
+                <a:sym typeface="+mn-ea"/>
+              </a:rPr>
+              <a:t>）</a:t>
+            </a:r>
+            <a:r>
+              <a:rPr lang="" altLang="en-US" sz="1400"/>
+              <a:t>，生成 Access Token、Refresh Token</a:t>
+            </a:r>
+            <a:endParaRPr lang="" altLang="en-US" sz="1400"/>
+          </a:p>
+          <a:p>
+            <a:pPr marL="742950" lvl="1" indent="-285750">
+              <a:buFont typeface="Arial" panose="02080604020202020204" pitchFamily="34" charset="0"/>
+              <a:buChar char="•"/>
+            </a:pPr>
+            <a:r>
+              <a:rPr lang="" altLang="en-US" sz="1400"/>
+              <a:t>4.携带 Token 重定向，成功访问资源</a:t>
+            </a:r>
+            <a:endParaRPr lang="" altLang="en-US" sz="1400"/>
+          </a:p>
+          <a:p>
+            <a:pPr marL="742950" lvl="1" indent="-285750">
+              <a:buFont typeface="Arial" panose="02080604020202020204" pitchFamily="34" charset="0"/>
+              <a:buChar char="•"/>
+            </a:pPr>
+            <a:endParaRPr lang="" altLang="en-US" sz="1400"/>
+          </a:p>
+          <a:p>
+            <a:pPr marL="285750" lvl="0" indent="-285750">
+              <a:buFont typeface="Arial" panose="02080604020202020204" pitchFamily="34" charset="0"/>
+              <a:buChar char="•"/>
+            </a:pPr>
+            <a:r>
+              <a:rPr lang="" altLang="en-US" sz="1400"/>
+              <a:t>区别于用户名密码认证：</a:t>
+            </a:r>
+            <a:endParaRPr lang="" altLang="en-US" sz="1400"/>
+          </a:p>
+          <a:p>
+            <a:pPr marL="285750" lvl="0" indent="-285750">
+              <a:buFont typeface="Arial" panose="02080604020202020204" pitchFamily="34" charset="0"/>
+              <a:buChar char="•"/>
+            </a:pPr>
+            <a:endParaRPr lang="" altLang="en-US" sz="1400"/>
+          </a:p>
+          <a:p>
+            <a:pPr marL="742950" lvl="1" indent="-285750">
+              <a:buFont typeface="Arial" panose="02080604020202020204" pitchFamily="34" charset="0"/>
+              <a:buChar char="•"/>
+            </a:pPr>
+            <a:r>
+              <a:rPr lang="" altLang="en-US" sz="1400"/>
+              <a:t>独立的认证服务</a:t>
+            </a:r>
+            <a:endParaRPr lang="" altLang="en-US" sz="1400"/>
+          </a:p>
+          <a:p>
+            <a:pPr marL="742950" lvl="1" indent="-285750">
+              <a:buFont typeface="Arial" panose="02080604020202020204" pitchFamily="34" charset="0"/>
+              <a:buChar char="•"/>
+            </a:pPr>
+            <a:endParaRPr lang="" altLang="en-US" sz="1400"/>
+          </a:p>
+          <a:p>
+            <a:pPr marL="742950" lvl="1" indent="-285750">
+              <a:buFont typeface="Arial" panose="02080604020202020204" pitchFamily="34" charset="0"/>
+              <a:buChar char="•"/>
+            </a:pPr>
+            <a:r>
+              <a:rPr lang="" altLang="en-US" sz="1400"/>
+              <a:t>认证信息需要客户端认证和用户认证两层，一般前者 Request Header (</a:t>
+            </a:r>
+            <a:r>
+              <a:rPr lang="en-US" altLang="en-US" sz="1400">
+                <a:sym typeface="+mn-ea"/>
+              </a:rPr>
+              <a:t>Basic Auth</a:t>
+            </a:r>
+            <a:r>
+              <a:rPr lang="" altLang="en-US" sz="1400"/>
+              <a:t>)，后者 Request Body</a:t>
+            </a:r>
+            <a:endParaRPr lang="" altLang="en-US" sz="1400"/>
+          </a:p>
+          <a:p>
+            <a:pPr marL="742950" lvl="1" indent="-285750">
+              <a:buFont typeface="Arial" panose="02080604020202020204" pitchFamily="34" charset="0"/>
+              <a:buChar char="•"/>
+            </a:pPr>
+            <a:endParaRPr lang="" altLang="en-US" sz="1400"/>
+          </a:p>
+          <a:p>
+            <a:pPr marL="742950" lvl="1" indent="-285750">
+              <a:buFont typeface="Arial" panose="02080604020202020204" pitchFamily="34" charset="0"/>
+              <a:buChar char="•"/>
+            </a:pPr>
+            <a:r>
+              <a:rPr lang="" altLang="en-US" sz="1400"/>
+              <a:t>每个 Resource Server 拥有独立身份（Resource Info）</a:t>
+            </a:r>
+            <a:endParaRPr lang="" altLang="en-US" sz="1400"/>
+          </a:p>
+          <a:p>
+            <a:pPr lvl="1" indent="0">
+              <a:buFont typeface="Arial" panose="02080604020202020204" pitchFamily="34" charset="0"/>
+              <a:buNone/>
+            </a:pPr>
+            <a:r>
+              <a:rPr lang="" altLang="en-US" sz="1400"/>
+              <a:t>     ，跨系统访问需要额外授权</a:t>
+            </a:r>
+            <a:endParaRPr lang="" altLang="en-US" sz="1400"/>
+          </a:p>
+          <a:p>
+            <a:pPr marL="742950" lvl="1" indent="-285750">
+              <a:buFont typeface="Arial" panose="02080604020202020204" pitchFamily="34" charset="0"/>
+              <a:buChar char="•"/>
+            </a:pPr>
+            <a:endParaRPr lang="" altLang="en-US" sz="1400"/>
+          </a:p>
+          <a:p>
+            <a:pPr marL="742950" lvl="1" indent="-285750">
+              <a:buFont typeface="Arial" panose="02080604020202020204" pitchFamily="34" charset="0"/>
+              <a:buChar char="•"/>
+            </a:pPr>
+            <a:endParaRPr lang="en-US" altLang="en-US" sz="1400"/>
+          </a:p>
+          <a:p>
+            <a:pPr marL="285750" indent="-285750">
+              <a:buFont typeface="Arial" panose="02080604020202020204" pitchFamily="34" charset="0"/>
+              <a:buChar char="•"/>
+            </a:pPr>
+            <a:endParaRPr lang="en-US" altLang="en-US" sz="1400"/>
+          </a:p>
+        </p:txBody>
+      </p:sp>
     </p:spTree>
   </p:cSld>
   <p:clrMapOvr>
@@ -3359,38 +4037,9 @@
         <p:nvPr/>
       </p:nvGrpSpPr>
       <p:grpSpPr/>
-      <p:sp>
-        <p:nvSpPr>
-          <p:cNvPr id="5" name="Text Box 4"/>
-          <p:cNvSpPr txBox="1"/>
-          <p:nvPr/>
-        </p:nvSpPr>
-        <p:spPr>
-          <a:xfrm>
-            <a:off x="1220470" y="742315"/>
-            <a:ext cx="5119370" cy="368300"/>
-          </a:xfrm>
-          <a:prstGeom prst="rect">
-            <a:avLst/>
-          </a:prstGeom>
-          <a:noFill/>
-        </p:spPr>
-        <p:txBody>
-          <a:bodyPr wrap="square" rtlCol="0">
-            <a:spAutoFit/>
-          </a:bodyPr>
-          <a:p>
-            <a:r>
-              <a:rPr lang="en-US" altLang="en-US" b="1"/>
-              <a:t>OAuth2 Authentication</a:t>
-            </a:r>
-            <a:endParaRPr lang="en-US" altLang="en-US" b="1"/>
-          </a:p>
-        </p:txBody>
-      </p:sp>
       <p:pic>
         <p:nvPicPr>
-          <p:cNvPr id="3" name="Picture 2" descr="OAuth2 Authentication"/>
+          <p:cNvPr id="2" name="Picture 1" descr="BO Authentication"/>
           <p:cNvPicPr>
             <a:picLocks noChangeAspect="1"/>
           </p:cNvPicPr>
@@ -3404,14 +4053,107 @@
         </p:blipFill>
         <p:spPr>
           <a:xfrm>
-            <a:off x="4013835" y="1520190"/>
-            <a:ext cx="7419340" cy="4778375"/>
+            <a:off x="1101090" y="50800"/>
+            <a:ext cx="10848975" cy="6748145"/>
           </a:xfrm>
           <a:prstGeom prst="rect">
             <a:avLst/>
           </a:prstGeom>
         </p:spPr>
       </p:pic>
+      <p:sp>
+        <p:nvSpPr>
+          <p:cNvPr id="5" name="Text Box 4"/>
+          <p:cNvSpPr txBox="1"/>
+          <p:nvPr/>
+        </p:nvSpPr>
+        <p:spPr>
+          <a:xfrm>
+            <a:off x="1220470" y="742315"/>
+            <a:ext cx="5119370" cy="368300"/>
+          </a:xfrm>
+          <a:prstGeom prst="rect">
+            <a:avLst/>
+          </a:prstGeom>
+          <a:noFill/>
+        </p:spPr>
+        <p:txBody>
+          <a:bodyPr wrap="square" rtlCol="0">
+            <a:spAutoFit/>
+          </a:bodyPr>
+          <a:p>
+            <a:r>
+              <a:rPr lang="en-US" altLang="en-US" b="1"/>
+              <a:t>BO Authentication</a:t>
+            </a:r>
+            <a:endParaRPr lang="en-US" altLang="en-US" b="1"/>
+          </a:p>
+        </p:txBody>
+      </p:sp>
+      <p:sp>
+        <p:nvSpPr>
+          <p:cNvPr id="3" name="Text Box 2"/>
+          <p:cNvSpPr txBox="1"/>
+          <p:nvPr/>
+        </p:nvSpPr>
+        <p:spPr>
+          <a:xfrm>
+            <a:off x="857250" y="1266825"/>
+            <a:ext cx="5681345" cy="1168400"/>
+          </a:xfrm>
+          <a:prstGeom prst="rect">
+            <a:avLst/>
+          </a:prstGeom>
+          <a:noFill/>
+        </p:spPr>
+        <p:txBody>
+          <a:bodyPr wrap="square" rtlCol="0">
+            <a:spAutoFit/>
+          </a:bodyPr>
+          <a:p>
+            <a:endParaRPr lang="" altLang="en-US" sz="1400"/>
+          </a:p>
+          <a:p>
+            <a:pPr marL="285750" indent="-285750">
+              <a:buFont typeface="Arial" panose="02080604020202020204" pitchFamily="34" charset="0"/>
+              <a:buChar char="•"/>
+            </a:pPr>
+            <a:r>
+              <a:rPr lang="" altLang="en-US" sz="1400"/>
+              <a:t>Gateway，连接 Nacos，负责鉴权以及</a:t>
+            </a:r>
+            <a:r>
+              <a:rPr lang="en-US" altLang="en-US" sz="1400">
+                <a:sym typeface="+mn-ea"/>
+              </a:rPr>
+              <a:t>转发（创建）</a:t>
+            </a:r>
+            <a:r>
+              <a:rPr lang="" altLang="en-US" sz="1400"/>
+              <a:t>请求到具体服务实例</a:t>
+            </a:r>
+            <a:endParaRPr lang="" altLang="en-US" sz="1400"/>
+          </a:p>
+          <a:p>
+            <a:pPr marL="285750" indent="-285750">
+              <a:buFont typeface="Arial" panose="02080604020202020204" pitchFamily="34" charset="0"/>
+              <a:buChar char="•"/>
+            </a:pPr>
+            <a:endParaRPr lang="" altLang="en-US" sz="1400"/>
+          </a:p>
+          <a:p>
+            <a:pPr marL="285750" indent="-285750">
+              <a:buFont typeface="Arial" panose="02080604020202020204" pitchFamily="34" charset="0"/>
+              <a:buChar char="•"/>
+            </a:pPr>
+            <a:r>
+              <a:rPr lang="" altLang="en-US" sz="1400"/>
+              <a:t>Identity Server，实际的鉴权以及 Token 颁发的服务</a:t>
+            </a:r>
+            <a:endParaRPr lang="" altLang="en-US" sz="1400"/>
+          </a:p>
+        </p:txBody>
+      </p:sp>
     </p:spTree>
   </p:cSld>
   <p:clrMapOvr>
@@ -3453,7 +4195,7 @@
           <a:p>
             <a:r>
               <a:rPr lang="en-US" altLang="en-US" b="1"/>
-              <a:t>BO Authentication</a:t>
+              <a:t>BO Authentication + JWT</a:t>
             </a:r>
             <a:endParaRPr lang="en-US" altLang="en-US" b="1"/>
           </a:p>
@@ -3461,7 +4203,7 @@
       </p:sp>
       <p:pic>
         <p:nvPicPr>
-          <p:cNvPr id="2" name="Picture 1" descr="BO Authentication"/>
+          <p:cNvPr id="2" name="Picture 1" descr="BO Authentication + JWT"/>
           <p:cNvPicPr>
             <a:picLocks noChangeAspect="1"/>
           </p:cNvPicPr>
@@ -3475,14 +4217,136 @@
         </p:blipFill>
         <p:spPr>
           <a:xfrm>
-            <a:off x="3512820" y="1110615"/>
-            <a:ext cx="8507730" cy="5291455"/>
+            <a:off x="3244215" y="1110615"/>
+            <a:ext cx="8531225" cy="5269865"/>
           </a:xfrm>
           <a:prstGeom prst="rect">
             <a:avLst/>
           </a:prstGeom>
         </p:spPr>
       </p:pic>
+      <p:sp>
+        <p:nvSpPr>
+          <p:cNvPr id="3" name="Text Box 2"/>
+          <p:cNvSpPr txBox="1"/>
+          <p:nvPr/>
+        </p:nvSpPr>
+        <p:spPr>
+          <a:xfrm>
+            <a:off x="382905" y="3837940"/>
+            <a:ext cx="6819900" cy="2707005"/>
+          </a:xfrm>
+          <a:prstGeom prst="rect">
+            <a:avLst/>
+          </a:prstGeom>
+          <a:noFill/>
+        </p:spPr>
+        <p:txBody>
+          <a:bodyPr wrap="square" rtlCol="0">
+            <a:spAutoFit/>
+          </a:bodyPr>
+          <a:p>
+            <a:r>
+              <a:rPr lang="" altLang="en-US" sz="1600" b="1"/>
+              <a:t>BO 认证过程（JWT 改）</a:t>
+            </a:r>
+            <a:endParaRPr lang="" altLang="en-US" sz="1400"/>
+          </a:p>
+          <a:p>
+            <a:endParaRPr lang="" altLang="en-US" sz="1400"/>
+          </a:p>
+          <a:p>
+            <a:pPr marL="285750" indent="-285750">
+              <a:buFont typeface="Arial" panose="02080604020202020204" pitchFamily="34" charset="0"/>
+              <a:buChar char="•"/>
+            </a:pPr>
+            <a:r>
+              <a:rPr lang="" altLang="en-US" sz="1400"/>
+              <a:t>保留原有认证服务（未来有需要，可独立为统一认证）</a:t>
+            </a:r>
+            <a:endParaRPr lang="" altLang="en-US" sz="1400"/>
+          </a:p>
+          <a:p>
+            <a:pPr marL="285750" indent="-285750">
+              <a:buFont typeface="Arial" panose="02080604020202020204" pitchFamily="34" charset="0"/>
+              <a:buChar char="•"/>
+            </a:pPr>
+            <a:endParaRPr lang="" altLang="en-US" sz="1400"/>
+          </a:p>
+          <a:p>
+            <a:pPr marL="285750" indent="-285750">
+              <a:buFont typeface="Arial" panose="02080604020202020204" pitchFamily="34" charset="0"/>
+              <a:buChar char="•"/>
+            </a:pPr>
+            <a:r>
+              <a:rPr lang="" altLang="en-US" sz="1400"/>
+              <a:t>网关集成认证插件：</a:t>
+            </a:r>
+            <a:endParaRPr lang="" altLang="en-US" sz="1400"/>
+          </a:p>
+          <a:p>
+            <a:pPr marL="285750" indent="-285750">
+              <a:buFont typeface="Arial" panose="02080604020202020204" pitchFamily="34" charset="0"/>
+              <a:buChar char="•"/>
+            </a:pPr>
+            <a:endParaRPr lang="" altLang="en-US" sz="1400"/>
+          </a:p>
+          <a:p>
+            <a:pPr marL="742950" lvl="1" indent="-285750">
+              <a:buFont typeface="Arial" panose="02080604020202020204" pitchFamily="34" charset="0"/>
+              <a:buChar char="•"/>
+            </a:pPr>
+            <a:r>
+              <a:rPr lang="" altLang="en-US" sz="1400"/>
+              <a:t>鉴权，使用公钥对称 JWT Token 验证签名</a:t>
+            </a:r>
+            <a:endParaRPr lang="" altLang="en-US" sz="1400"/>
+          </a:p>
+          <a:p>
+            <a:pPr marL="742950" lvl="1" indent="-285750">
+              <a:buFont typeface="Arial" panose="02080604020202020204" pitchFamily="34" charset="0"/>
+              <a:buChar char="•"/>
+            </a:pPr>
+            <a:endParaRPr lang="" altLang="en-US" sz="1400"/>
+          </a:p>
+          <a:p>
+            <a:pPr marL="742950" lvl="1" indent="-285750">
+              <a:buFont typeface="Arial" panose="02080604020202020204" pitchFamily="34" charset="0"/>
+              <a:buChar char="•"/>
+            </a:pPr>
+            <a:r>
+              <a:rPr lang="" altLang="en-US" sz="1400"/>
+              <a:t>资源访问控制，连接缓存（DB）验证访问权限 （Redis Reactive）</a:t>
+            </a:r>
+            <a:endParaRPr lang="" altLang="en-US" sz="1400"/>
+          </a:p>
+          <a:p>
+            <a:pPr marL="742950" lvl="1" indent="-285750">
+              <a:buFont typeface="Arial" panose="02080604020202020204" pitchFamily="34" charset="0"/>
+              <a:buChar char="•"/>
+            </a:pPr>
+            <a:endParaRPr lang="" altLang="en-US" sz="1400"/>
+          </a:p>
+          <a:p>
+            <a:pPr marL="742950" lvl="1" indent="-285750">
+              <a:buFont typeface="Arial" panose="02080604020202020204" pitchFamily="34" charset="0"/>
+              <a:buChar char="•"/>
+            </a:pPr>
+            <a:r>
+              <a:rPr lang="" altLang="en-US" sz="1400"/>
+              <a:t>防护，使用 Spring Security （Webflux） Verify Http Request</a:t>
+            </a:r>
+            <a:endParaRPr lang="" altLang="en-US" sz="1400"/>
+          </a:p>
+          <a:p>
+            <a:pPr marL="285750" indent="-285750">
+              <a:buFont typeface="Arial" panose="02080604020202020204" pitchFamily="34" charset="0"/>
+              <a:buChar char="•"/>
+            </a:pPr>
+            <a:endParaRPr lang="" altLang="en-US" sz="1400"/>
+          </a:p>
+        </p:txBody>
+      </p:sp>
     </p:spTree>
   </p:cSld>
   <p:clrMapOvr>
@@ -3524,7 +4388,7 @@
           <a:p>
             <a:r>
               <a:rPr lang="en-US" altLang="en-US" b="1"/>
-              <a:t>BO Authentication + JWT</a:t>
+              <a:t>Unified Authentication + JWT</a:t>
             </a:r>
             <a:endParaRPr lang="en-US" altLang="en-US" b="1"/>
           </a:p>
@@ -3532,7 +4396,7 @@
       </p:sp>
       <p:pic>
         <p:nvPicPr>
-          <p:cNvPr id="2" name="Picture 1" descr="BO Authentication + JWT"/>
+          <p:cNvPr id="4" name="Picture 3" descr="Unified Authentication Server"/>
           <p:cNvPicPr>
             <a:picLocks noChangeAspect="1"/>
           </p:cNvPicPr>
@@ -3546,14 +4410,225 @@
         </p:blipFill>
         <p:spPr>
           <a:xfrm>
-            <a:off x="5413375" y="1786890"/>
-            <a:ext cx="6218555" cy="3841115"/>
+            <a:off x="5142865" y="1110615"/>
+            <a:ext cx="6847840" cy="5617210"/>
           </a:xfrm>
           <a:prstGeom prst="rect">
             <a:avLst/>
           </a:prstGeom>
         </p:spPr>
       </p:pic>
+      <p:sp>
+        <p:nvSpPr>
+          <p:cNvPr id="3" name="Text Box 2"/>
+          <p:cNvSpPr txBox="1"/>
+          <p:nvPr/>
+        </p:nvSpPr>
+        <p:spPr>
+          <a:xfrm>
+            <a:off x="433705" y="1394460"/>
+            <a:ext cx="4709160" cy="5539105"/>
+          </a:xfrm>
+          <a:prstGeom prst="rect">
+            <a:avLst/>
+          </a:prstGeom>
+          <a:noFill/>
+        </p:spPr>
+        <p:txBody>
+          <a:bodyPr wrap="square" rtlCol="0">
+            <a:spAutoFit/>
+          </a:bodyPr>
+          <a:p>
+            <a:r>
+              <a:rPr lang="" altLang="en-US" sz="1600" b="1"/>
+              <a:t>简单聊聊统一认证</a:t>
+            </a:r>
+            <a:endParaRPr lang="" altLang="en-US" sz="1600" b="1"/>
+          </a:p>
+          <a:p>
+            <a:endParaRPr lang="" altLang="en-US" sz="1600" b="1"/>
+          </a:p>
+          <a:p>
+            <a:r>
+              <a:rPr lang="" altLang="en-US" sz="1400"/>
+              <a:t>支持用户在多系统间访问的认证模式</a:t>
+            </a:r>
+            <a:endParaRPr lang="" altLang="en-US" sz="1400"/>
+          </a:p>
+          <a:p>
+            <a:r>
+              <a:rPr lang="" altLang="en-US" sz="1400"/>
+              <a:t>（BO 整体属于一个系统，因此认证过程不涉及统一认证）</a:t>
+            </a:r>
+            <a:endParaRPr lang="" altLang="en-US" sz="1600" b="1"/>
+          </a:p>
+          <a:p>
+            <a:endParaRPr lang="en-US" altLang="en-US" sz="1400"/>
+          </a:p>
+          <a:p>
+            <a:endParaRPr lang="en-US" altLang="en-US" sz="1400"/>
+          </a:p>
+          <a:p>
+            <a:pPr marL="285750" indent="-285750">
+              <a:buFont typeface="Arial" panose="02080604020202020204" pitchFamily="34" charset="0"/>
+              <a:buChar char="•"/>
+            </a:pPr>
+            <a:r>
+              <a:rPr lang="" altLang="en-US" sz="1400" b="1"/>
+              <a:t>系统身份</a:t>
+            </a:r>
+            <a:endParaRPr lang="" altLang="en-US" sz="1400"/>
+          </a:p>
+          <a:p>
+            <a:pPr indent="0">
+              <a:buFont typeface="Arial" panose="02080604020202020204" pitchFamily="34" charset="0"/>
+              <a:buNone/>
+            </a:pPr>
+            <a:r>
+              <a:rPr lang="" altLang="en-US" sz="1400"/>
+              <a:t>每个系统有独立的身份，对应 OAuth2 的 Resource Server</a:t>
+            </a:r>
+            <a:endParaRPr lang="" altLang="en-US" sz="1400"/>
+          </a:p>
+          <a:p>
+            <a:pPr indent="0">
+              <a:buFont typeface="Arial" panose="02080604020202020204" pitchFamily="34" charset="0"/>
+              <a:buNone/>
+            </a:pPr>
+            <a:endParaRPr lang="" altLang="en-US" sz="1400"/>
+          </a:p>
+          <a:p>
+            <a:pPr marL="285750" indent="-285750">
+              <a:buFont typeface="Arial" panose="02080604020202020204" pitchFamily="34" charset="0"/>
+              <a:buChar char="•"/>
+            </a:pPr>
+            <a:r>
+              <a:rPr lang="" altLang="en-US" sz="1400" b="1"/>
+              <a:t>系统间访问授权</a:t>
+            </a:r>
+            <a:endParaRPr lang="" altLang="en-US" sz="1400"/>
+          </a:p>
+          <a:p>
+            <a:pPr indent="0">
+              <a:buFont typeface="Arial" panose="02080604020202020204" pitchFamily="34" charset="0"/>
+              <a:buNone/>
+            </a:pPr>
+            <a:r>
+              <a:rPr lang="" altLang="en-US" sz="1400"/>
+              <a:t>Resource Server 间互相访问，需要独立的授权</a:t>
+            </a:r>
+            <a:endParaRPr lang="" altLang="en-US" sz="1400"/>
+          </a:p>
+          <a:p>
+            <a:pPr marL="285750" indent="-285750">
+              <a:buFont typeface="Arial" panose="02080604020202020204" pitchFamily="34" charset="0"/>
+              <a:buChar char="•"/>
+            </a:pPr>
+            <a:endParaRPr lang="" altLang="en-US" sz="1400"/>
+          </a:p>
+          <a:p>
+            <a:pPr marL="285750" indent="-285750">
+              <a:buFont typeface="Arial" panose="02080604020202020204" pitchFamily="34" charset="0"/>
+              <a:buChar char="•"/>
+            </a:pPr>
+            <a:r>
+              <a:rPr lang="" altLang="en-US" sz="1400" b="1"/>
+              <a:t>独立认证服务</a:t>
+            </a:r>
+            <a:endParaRPr lang="" altLang="en-US" sz="1400"/>
+          </a:p>
+          <a:p>
+            <a:pPr indent="0">
+              <a:buFont typeface="Arial" panose="02080604020202020204" pitchFamily="34" charset="0"/>
+              <a:buNone/>
+            </a:pPr>
+            <a:r>
+              <a:rPr lang="" altLang="en-US" sz="1400"/>
+              <a:t>认证服务一般是独立的系统，因为缺乏对资源系统的信任，一般会提供带有公钥的鉴权模块给资源系统</a:t>
+            </a:r>
+            <a:endParaRPr lang="" altLang="en-US" sz="1400"/>
+          </a:p>
+          <a:p>
+            <a:pPr marL="285750" indent="-285750">
+              <a:buFont typeface="Arial" panose="02080604020202020204" pitchFamily="34" charset="0"/>
+              <a:buChar char="•"/>
+            </a:pPr>
+            <a:endParaRPr lang="" altLang="en-US" sz="1400"/>
+          </a:p>
+          <a:p>
+            <a:pPr marL="285750" indent="-285750">
+              <a:buFont typeface="Arial" panose="02080604020202020204" pitchFamily="34" charset="0"/>
+              <a:buChar char="•"/>
+            </a:pPr>
+            <a:r>
+              <a:rPr lang="" altLang="en-US" sz="1400" b="1"/>
+              <a:t>用户同步</a:t>
+            </a:r>
+            <a:endParaRPr lang="" altLang="en-US" sz="1400"/>
+          </a:p>
+          <a:p>
+            <a:pPr indent="0">
+              <a:buFont typeface="Arial" panose="02080604020202020204" pitchFamily="34" charset="0"/>
+              <a:buNone/>
+            </a:pPr>
+            <a:r>
+              <a:rPr lang="" altLang="en-US" sz="1400"/>
+              <a:t>用户由认证系统统一维护，定时同步到资源服务</a:t>
+            </a:r>
+            <a:endParaRPr lang="" altLang="en-US" sz="1400"/>
+          </a:p>
+          <a:p>
+            <a:pPr marL="285750" indent="-285750">
+              <a:buFont typeface="Arial" panose="02080604020202020204" pitchFamily="34" charset="0"/>
+              <a:buChar char="•"/>
+            </a:pPr>
+            <a:endParaRPr lang="" altLang="en-US" sz="1400"/>
+          </a:p>
+          <a:p>
+            <a:pPr marL="285750" indent="-285750">
+              <a:buFont typeface="Arial" panose="02080604020202020204" pitchFamily="34" charset="0"/>
+              <a:buChar char="•"/>
+            </a:pPr>
+            <a:r>
+              <a:rPr lang="" altLang="en-US" sz="1400" b="1"/>
+              <a:t>独立授权</a:t>
+            </a:r>
+            <a:endParaRPr lang="" altLang="en-US" sz="1400"/>
+          </a:p>
+          <a:p>
+            <a:pPr indent="0">
+              <a:buFont typeface="Arial" panose="02080604020202020204" pitchFamily="34" charset="0"/>
+              <a:buNone/>
+            </a:pPr>
+            <a:r>
+              <a:rPr lang="" altLang="en-US" sz="1400"/>
+              <a:t>由资源服务独自维护授权信息</a:t>
+            </a:r>
+            <a:endParaRPr lang="en-US" altLang="en-US" sz="1400"/>
+          </a:p>
+          <a:p>
+            <a:pPr marL="285750" indent="-285750">
+              <a:buFont typeface="Arial" panose="02080604020202020204" pitchFamily="34" charset="0"/>
+              <a:buChar char="•"/>
+            </a:pPr>
+            <a:endParaRPr lang="en-US" altLang="en-US" sz="1400"/>
+          </a:p>
+          <a:p>
+            <a:pPr marL="285750" indent="-285750">
+              <a:buFont typeface="Arial" panose="02080604020202020204" pitchFamily="34" charset="0"/>
+              <a:buChar char="•"/>
+            </a:pPr>
+            <a:endParaRPr lang="en-US" altLang="en-US" sz="1400"/>
+          </a:p>
+          <a:p>
+            <a:pPr marL="285750" indent="-285750">
+              <a:buFont typeface="Arial" panose="02080604020202020204" pitchFamily="34" charset="0"/>
+              <a:buChar char="•"/>
+            </a:pPr>
+            <a:endParaRPr lang="en-US" altLang="en-US" sz="1400"/>
+          </a:p>
+        </p:txBody>
+      </p:sp>
     </p:spTree>
   </p:cSld>
   <p:clrMapOvr>
@@ -3574,7 +4649,7 @@
       <p:grpSpPr/>
       <p:sp>
         <p:nvSpPr>
-          <p:cNvPr id="5" name="Text Box 4"/>
+          <p:cNvPr id="4" name="Text Box 3"/>
           <p:cNvSpPr txBox="1"/>
           <p:nvPr/>
         </p:nvSpPr>
@@ -3595,36 +4670,55 @@
           <a:p>
             <a:r>
               <a:rPr lang="en-US" altLang="en-US" b="1"/>
-              <a:t>Unified Authentication + JWT</a:t>
+              <a:t>Spring Security</a:t>
             </a:r>
             <a:endParaRPr lang="en-US" altLang="en-US" b="1"/>
           </a:p>
         </p:txBody>
       </p:sp>
-      <p:pic>
-        <p:nvPicPr>
-          <p:cNvPr id="4" name="Picture 3" descr="Unified Authentication Server"/>
-          <p:cNvPicPr>
-            <a:picLocks noChangeAspect="1"/>
-          </p:cNvPicPr>
+      <p:sp>
+        <p:nvSpPr>
+          <p:cNvPr id="5" name="Text Box 4"/>
+          <p:cNvSpPr txBox="1"/>
           <p:nvPr/>
-        </p:nvPicPr>
-        <p:blipFill>
-          <a:blip r:embed="rId1"/>
-          <a:stretch>
-            <a:fillRect/>
-          </a:stretch>
-        </p:blipFill>
-        <p:spPr>
-          <a:xfrm>
-            <a:off x="5142865" y="1110615"/>
-            <a:ext cx="6847840" cy="5617210"/>
+        </p:nvSpPr>
+        <p:spPr>
+          <a:xfrm>
+            <a:off x="2019300" y="2806065"/>
+            <a:ext cx="8401050" cy="521970"/>
           </a:xfrm>
           <a:prstGeom prst="rect">
             <a:avLst/>
           </a:prstGeom>
-        </p:spPr>
-      </p:pic>
+          <a:noFill/>
+        </p:spPr>
+        <p:txBody>
+          <a:bodyPr wrap="square" rtlCol="0">
+            <a:spAutoFit/>
+          </a:bodyPr>
+          <a:p>
+            <a:pPr indent="0">
+              <a:buFont typeface="Arial" panose="02080604020202020204" pitchFamily="34" charset="0"/>
+              <a:buNone/>
+            </a:pPr>
+            <a:r>
+              <a:rPr lang="en-US" altLang="en-US" sz="2800"/>
+              <a:t>Authorization，解决“</a:t>
+            </a:r>
+            <a:r>
+              <a:rPr lang="en-US" altLang="en-US" sz="2800">
+                <a:sym typeface="+mn-ea"/>
+              </a:rPr>
+              <a:t>我能干点啥</a:t>
+            </a:r>
+            <a:r>
+              <a:rPr lang="en-US" altLang="en-US" sz="2800"/>
+              <a:t>”的问题</a:t>
+            </a:r>
+            <a:endParaRPr lang="en-US" altLang="en-US" sz="2800"/>
+          </a:p>
+        </p:txBody>
+      </p:sp>
     </p:spTree>
   </p:cSld>
   <p:clrMapOvr>
@@ -3680,8 +4774,8 @@
         </p:nvSpPr>
         <p:spPr>
           <a:xfrm>
-            <a:off x="2019300" y="2806065"/>
-            <a:ext cx="8401050" cy="521970"/>
+            <a:off x="956310" y="1684020"/>
+            <a:ext cx="9015095" cy="2584450"/>
           </a:xfrm>
           <a:prstGeom prst="rect">
             <a:avLst/>
@@ -3689,32 +4783,86 @@
           <a:noFill/>
         </p:spPr>
         <p:txBody>
-          <a:bodyPr wrap="square" rtlCol="0">
+          <a:bodyPr wrap="square" rtlCol="0" anchor="t">
             <a:spAutoFit/>
           </a:bodyPr>
           <a:p>
-            <a:pPr indent="0">
-              <a:buFont typeface="Arial" panose="02080604020202020204" pitchFamily="34" charset="0"/>
-              <a:buNone/>
-            </a:pPr>
-            <a:r>
-              <a:rPr lang="en-US" altLang="en-US" sz="2800"/>
-              <a:t>Authorization，解决“</a:t>
-            </a:r>
-            <a:r>
-              <a:rPr lang="en-US" altLang="en-US" sz="2800">
-                <a:sym typeface="+mn-ea"/>
-              </a:rPr>
-              <a:t>我能干点啥</a:t>
-            </a:r>
-            <a:r>
-              <a:rPr lang="en-US" altLang="en-US" sz="2800"/>
-              <a:t>”的问题</a:t>
-            </a:r>
-            <a:endParaRPr lang="en-US" altLang="en-US" sz="2800"/>
-          </a:p>
-        </p:txBody>
-      </p:sp>
+            <a:r>
+              <a:rPr lang="en-US" altLang="en-US"/>
+              <a:t>RBAC </a:t>
+            </a:r>
+            <a:r>
+              <a:rPr lang="" altLang="en-US"/>
+              <a:t>模型</a:t>
+            </a:r>
+            <a:endParaRPr lang="" altLang="en-US"/>
+          </a:p>
+          <a:p>
+            <a:endParaRPr lang="" altLang="en-US"/>
+          </a:p>
+          <a:p>
+            <a:r>
+              <a:rPr lang="" altLang="en-US"/>
+              <a:t>1.用户</a:t>
+            </a:r>
+            <a:endParaRPr lang="" altLang="en-US"/>
+          </a:p>
+          <a:p>
+            <a:endParaRPr lang="" altLang="en-US"/>
+          </a:p>
+          <a:p>
+            <a:r>
+              <a:rPr lang="" altLang="en-US"/>
+              <a:t>2.角色</a:t>
+            </a:r>
+            <a:endParaRPr lang="" altLang="en-US"/>
+          </a:p>
+          <a:p>
+            <a:endParaRPr lang="" altLang="en-US"/>
+          </a:p>
+          <a:p>
+            <a:r>
+              <a:rPr lang="" altLang="en-US"/>
+              <a:t>3.资源</a:t>
+            </a:r>
+            <a:endParaRPr lang="" altLang="en-US"/>
+          </a:p>
+          <a:p>
+            <a:endParaRPr lang="" altLang="en-US"/>
+          </a:p>
+          <a:p>
+            <a:r>
+              <a:rPr lang="" altLang="en-US"/>
+              <a:t>4.授权</a:t>
+            </a:r>
+            <a:endParaRPr lang="" altLang="en-US"/>
+          </a:p>
+        </p:txBody>
+      </p:sp>
+      <p:pic>
+        <p:nvPicPr>
+          <p:cNvPr id="2" name="Picture 1"/>
+          <p:cNvPicPr>
+            <a:picLocks noChangeAspect="1"/>
+          </p:cNvPicPr>
+          <p:nvPr/>
+        </p:nvPicPr>
+        <p:blipFill>
+          <a:blip r:embed="rId1"/>
+          <a:stretch>
+            <a:fillRect/>
+          </a:stretch>
+        </p:blipFill>
+        <p:spPr>
+          <a:xfrm>
+            <a:off x="3370580" y="2125345"/>
+            <a:ext cx="8082915" cy="3063240"/>
+          </a:xfrm>
+          <a:prstGeom prst="rect">
+            <a:avLst/>
+          </a:prstGeom>
+        </p:spPr>
+      </p:pic>
     </p:spTree>
   </p:cSld>
   <p:clrMapOvr>
@@ -3764,14 +4912,14 @@
       </p:sp>
       <p:sp>
         <p:nvSpPr>
-          <p:cNvPr id="5" name="Text Box 4"/>
+          <p:cNvPr id="2" name="Text Box 1"/>
           <p:cNvSpPr txBox="1"/>
           <p:nvPr/>
         </p:nvSpPr>
         <p:spPr>
           <a:xfrm>
-            <a:off x="1588135" y="1598930"/>
-            <a:ext cx="9015095" cy="368300"/>
+            <a:off x="1404620" y="1725930"/>
+            <a:ext cx="9015095" cy="2584450"/>
           </a:xfrm>
           <a:prstGeom prst="rect">
             <a:avLst/>
@@ -3793,36 +4941,92 @@
             </a:r>
             <a:r>
               <a:rPr lang="en-US" altLang="en-US"/>
-              <a:t>RBAC</a:t>
-            </a:r>
-            <a:endParaRPr lang="en-US" altLang="en-US"/>
-          </a:p>
-        </p:txBody>
-      </p:sp>
-      <p:pic>
-        <p:nvPicPr>
-          <p:cNvPr id="6" name="Picture 5"/>
-          <p:cNvPicPr>
-            <a:picLocks noChangeAspect="1"/>
-          </p:cNvPicPr>
-          <p:nvPr/>
-        </p:nvPicPr>
-        <p:blipFill>
-          <a:blip r:embed="rId1"/>
-          <a:stretch>
-            <a:fillRect/>
-          </a:stretch>
-        </p:blipFill>
-        <p:spPr>
-          <a:xfrm>
-            <a:off x="4241165" y="1598930"/>
-            <a:ext cx="7646670" cy="5098415"/>
-          </a:xfrm>
-          <a:prstGeom prst="rect">
-            <a:avLst/>
-          </a:prstGeom>
-        </p:spPr>
-      </p:pic>
+              <a:t>FilterSecurityInterceptor</a:t>
+            </a:r>
+            <a:r>
+              <a:rPr lang="" altLang="en-US"/>
+              <a:t>，</a:t>
+            </a:r>
+            <a:r>
+              <a:rPr lang="en-US" altLang="en-US"/>
+              <a:t>API级权限控制</a:t>
+            </a:r>
+            <a:r>
+              <a:rPr lang="" altLang="en-US"/>
+              <a:t>，网关层</a:t>
+            </a:r>
+            <a:endParaRPr lang="en-US"/>
+          </a:p>
+          <a:p>
+            <a:endParaRPr lang="en-US"/>
+          </a:p>
+          <a:p>
+            <a:endParaRPr lang="en-US"/>
+          </a:p>
+          <a:p>
+            <a:endParaRPr lang="en-US"/>
+          </a:p>
+          <a:p>
+            <a:r>
+              <a:rPr lang="en-US" altLang="en-US"/>
+              <a:t>2</a:t>
+            </a:r>
+            <a:r>
+              <a:rPr lang="en-US"/>
+              <a:t>.</a:t>
+            </a:r>
+            <a:r>
+              <a:rPr lang="en-US" altLang="en-US"/>
+              <a:t>MethodSecurityInterceptor</a:t>
+            </a:r>
+            <a:r>
+              <a:rPr lang="" altLang="en-US"/>
+              <a:t>，方法</a:t>
+            </a:r>
+            <a:r>
+              <a:rPr lang="en-US" altLang="en-US"/>
+              <a:t>级权限控制</a:t>
+            </a:r>
+            <a:r>
+              <a:rPr lang="" altLang="en-US"/>
+              <a:t>，系统函数</a:t>
+            </a:r>
+            <a:endParaRPr lang="en-US"/>
+          </a:p>
+          <a:p>
+            <a:endParaRPr lang="en-US"/>
+          </a:p>
+          <a:p>
+            <a:endParaRPr lang="en-US"/>
+          </a:p>
+          <a:p>
+            <a:endParaRPr lang="en-US"/>
+          </a:p>
+          <a:p>
+            <a:r>
+              <a:rPr lang="en-US" altLang="en-US"/>
+              <a:t>3</a:t>
+            </a:r>
+            <a:r>
+              <a:rPr lang="en-US"/>
+              <a:t>.Access Control List </a:t>
+            </a:r>
+            <a:r>
+              <a:rPr lang="" altLang="en-US"/>
+              <a:t>，</a:t>
+            </a:r>
+            <a:r>
+              <a:rPr lang="en-US"/>
+              <a:t>数据权限控制</a:t>
+            </a:r>
+            <a:r>
+              <a:rPr lang="" altLang="en-US"/>
+              <a:t>，数据层</a:t>
+            </a:r>
+            <a:endParaRPr lang="" altLang="en-US"/>
+          </a:p>
+        </p:txBody>
+      </p:sp>
     </p:spTree>
   </p:cSld>
   <p:clrMapOvr>
@@ -3872,14 +5076,14 @@
       </p:sp>
       <p:sp>
         <p:nvSpPr>
-          <p:cNvPr id="2" name="Text Box 1"/>
+          <p:cNvPr id="5" name="Text Box 4"/>
           <p:cNvSpPr txBox="1"/>
           <p:nvPr/>
         </p:nvSpPr>
         <p:spPr>
           <a:xfrm>
-            <a:off x="1404620" y="1725930"/>
-            <a:ext cx="9015095" cy="1476375"/>
+            <a:off x="2019300" y="2806065"/>
+            <a:ext cx="8401050" cy="521970"/>
           </a:xfrm>
           <a:prstGeom prst="rect">
             <a:avLst/>
@@ -3887,55 +5091,29 @@
           <a:noFill/>
         </p:spPr>
         <p:txBody>
-          <a:bodyPr wrap="square" rtlCol="0" anchor="t">
+          <a:bodyPr wrap="square" rtlCol="0">
             <a:spAutoFit/>
           </a:bodyPr>
           <a:p>
-            <a:r>
-              <a:rPr lang="en-US" altLang="en-US"/>
-              <a:t>1</a:t>
-            </a:r>
-            <a:r>
-              <a:rPr lang="en-US"/>
-              <a:t>.</a:t>
-            </a:r>
-            <a:r>
-              <a:rPr lang="en-US" altLang="en-US"/>
-              <a:t>FilterSecurityInterceptor（API级权限控制）</a:t>
-            </a:r>
-            <a:endParaRPr lang="en-US"/>
-          </a:p>
-          <a:p>
-            <a:endParaRPr lang="en-US"/>
-          </a:p>
-          <a:p>
-            <a:r>
-              <a:rPr lang="en-US" altLang="en-US"/>
-              <a:t>2</a:t>
-            </a:r>
-            <a:r>
-              <a:rPr lang="en-US"/>
-              <a:t>.</a:t>
-            </a:r>
-            <a:r>
-              <a:rPr lang="en-US" altLang="en-US"/>
-              <a:t>MethodSecurityInterceptor（函数级权限控制）</a:t>
-            </a:r>
-            <a:endParaRPr lang="en-US"/>
-          </a:p>
-          <a:p>
-            <a:endParaRPr lang="en-US"/>
-          </a:p>
-          <a:p>
-            <a:r>
-              <a:rPr lang="en-US" altLang="en-US"/>
-              <a:t>3</a:t>
-            </a:r>
-            <a:r>
-              <a:rPr lang="en-US"/>
-              <a:t>.Access Control List （数据权限控制）</a:t>
-            </a:r>
-            <a:endParaRPr lang="en-US"/>
+            <a:pPr indent="0">
+              <a:buFont typeface="Arial" panose="02080604020202020204" pitchFamily="34" charset="0"/>
+              <a:buNone/>
+            </a:pPr>
+            <a:r>
+              <a:rPr lang="en-US" altLang="en-US" sz="2800"/>
+              <a:t>Protection，解决“</a:t>
+            </a:r>
+            <a:r>
+              <a:rPr lang="en-US" altLang="en-US" sz="2800">
+                <a:sym typeface="+mn-ea"/>
+              </a:rPr>
+              <a:t>访问安全</a:t>
+            </a:r>
+            <a:r>
+              <a:rPr lang="en-US" altLang="en-US" sz="2800"/>
+              <a:t>”的问题</a:t>
+            </a:r>
+            <a:endParaRPr lang="en-US" altLang="en-US" sz="2800"/>
           </a:p>
         </p:txBody>
       </p:sp>
@@ -4070,12 +5248,36 @@
           <a:p>
             <a:r>
               <a:rPr lang="en-US" altLang="en-US" b="1"/>
-              <a:t>Spring Security</a:t>
+              <a:t>Spring Security - CSRF</a:t>
             </a:r>
             <a:endParaRPr lang="en-US" altLang="en-US" b="1"/>
           </a:p>
         </p:txBody>
       </p:sp>
+      <p:pic>
+        <p:nvPicPr>
+          <p:cNvPr id="3" name="Picture 2"/>
+          <p:cNvPicPr>
+            <a:picLocks noChangeAspect="1"/>
+          </p:cNvPicPr>
+          <p:nvPr/>
+        </p:nvPicPr>
+        <p:blipFill>
+          <a:blip r:embed="rId1"/>
+          <a:stretch>
+            <a:fillRect/>
+          </a:stretch>
+        </p:blipFill>
+        <p:spPr>
+          <a:xfrm>
+            <a:off x="4654550" y="1309370"/>
+            <a:ext cx="7025005" cy="5267960"/>
+          </a:xfrm>
+          <a:prstGeom prst="rect">
+            <a:avLst/>
+          </a:prstGeom>
+        </p:spPr>
+      </p:pic>
       <p:sp>
         <p:nvSpPr>
           <p:cNvPr id="5" name="Text Box 4"/>
@@ -4084,8 +5286,8 @@
         </p:nvSpPr>
         <p:spPr>
           <a:xfrm>
-            <a:off x="2019300" y="2806065"/>
-            <a:ext cx="8401050" cy="521970"/>
+            <a:off x="537210" y="1794510"/>
+            <a:ext cx="4415155" cy="3538220"/>
           </a:xfrm>
           <a:prstGeom prst="rect">
             <a:avLst/>
@@ -4097,25 +5299,85 @@
             <a:spAutoFit/>
           </a:bodyPr>
           <a:p>
-            <a:pPr indent="0">
-              <a:buFont typeface="Arial" panose="02080604020202020204" pitchFamily="34" charset="0"/>
-              <a:buNone/>
-            </a:pPr>
-            <a:r>
-              <a:rPr lang="en-US" altLang="en-US" sz="2800"/>
-              <a:t>Protection，解决“</a:t>
-            </a:r>
-            <a:r>
-              <a:rPr lang="en-US" altLang="en-US" sz="2800">
-                <a:sym typeface="+mn-ea"/>
-              </a:rPr>
-              <a:t>访问安全</a:t>
-            </a:r>
-            <a:r>
-              <a:rPr lang="en-US" altLang="en-US" sz="2800"/>
-              <a:t>”的问题</a:t>
-            </a:r>
-            <a:endParaRPr lang="en-US" altLang="en-US" sz="2800"/>
+            <a:r>
+              <a:rPr lang="" altLang="en-US" sz="1400" b="1"/>
+              <a:t>现象：</a:t>
+            </a:r>
+            <a:endParaRPr lang="" altLang="en-US" sz="1400"/>
+          </a:p>
+          <a:p>
+            <a:r>
+              <a:rPr lang="" altLang="en-US" sz="1400"/>
+              <a:t>1.受害者同时登陆了银行系统和恶意网站</a:t>
+            </a:r>
+            <a:endParaRPr lang="" altLang="en-US" sz="1400"/>
+          </a:p>
+          <a:p>
+            <a:r>
+              <a:rPr lang="" altLang="en-US" sz="1400"/>
+              <a:t>2.在恶意网站中接受引导，触发了一次恶意请求</a:t>
+            </a:r>
+            <a:endParaRPr lang="" altLang="en-US" sz="1400"/>
+          </a:p>
+          <a:p>
+            <a:r>
+              <a:rPr lang="" altLang="en-US" sz="1400"/>
+              <a:t>3.因为请求携带了银行系统的Cookies，所以可以正常访问银行系统</a:t>
+            </a:r>
+            <a:endParaRPr lang="" altLang="en-US" sz="1400"/>
+          </a:p>
+          <a:p>
+            <a:endParaRPr lang="" altLang="en-US" sz="1400"/>
+          </a:p>
+          <a:p>
+            <a:endParaRPr lang="" altLang="en-US" sz="1400"/>
+          </a:p>
+          <a:p>
+            <a:endParaRPr lang="" altLang="en-US" sz="1400"/>
+          </a:p>
+          <a:p>
+            <a:r>
+              <a:rPr lang="" altLang="en-US" sz="1400" b="1"/>
+              <a:t>对策：</a:t>
+            </a:r>
+            <a:endParaRPr lang="" altLang="en-US" sz="1400" b="1"/>
+          </a:p>
+          <a:p>
+            <a:r>
+              <a:rPr lang="" altLang="en-US" sz="1400"/>
+              <a:t>1.客户端随机数，提交请求时放入消息体。</a:t>
+            </a:r>
+            <a:endParaRPr lang="" altLang="en-US" sz="1400"/>
+          </a:p>
+          <a:p>
+            <a:r>
+              <a:rPr lang="" altLang="en-US" sz="1400"/>
+              <a:t>2.服务端为每次请求产生唯一 Token</a:t>
+            </a:r>
+            <a:endParaRPr lang="" altLang="en-US" sz="1400"/>
+          </a:p>
+          <a:p>
+            <a:endParaRPr lang="" altLang="en-US" sz="1400"/>
+          </a:p>
+          <a:p>
+            <a:endParaRPr lang="" altLang="en-US" sz="1400"/>
+          </a:p>
+          <a:p>
+            <a:endParaRPr lang="" altLang="en-US" sz="1400"/>
+          </a:p>
+          <a:p>
+            <a:r>
+              <a:rPr lang="" altLang="en-US" sz="1400"/>
+              <a:t>Spring Security: CsrfWevFilter Csrf 恶意请求过滤</a:t>
+            </a:r>
+            <a:endParaRPr lang="" altLang="en-US" sz="1400"/>
+          </a:p>
+          <a:p>
+            <a:r>
+              <a:rPr lang="" altLang="en-US" sz="1400"/>
+              <a:t>（支持前后端分离）</a:t>
+            </a:r>
+            <a:endParaRPr lang="" altLang="en-US" sz="1400"/>
           </a:p>
         </p:txBody>
       </p:sp>
@@ -4160,7 +5422,7 @@
           <a:p>
             <a:r>
               <a:rPr lang="en-US" altLang="en-US" b="1"/>
-              <a:t>Spring Security - CSRF</a:t>
+              <a:t>Spring Security - XSS</a:t>
             </a:r>
             <a:endParaRPr lang="en-US" altLang="en-US" b="1"/>
           </a:p>
@@ -4168,7 +5430,7 @@
       </p:sp>
       <p:pic>
         <p:nvPicPr>
-          <p:cNvPr id="3" name="Picture 2"/>
+          <p:cNvPr id="2" name="Picture 1"/>
           <p:cNvPicPr>
             <a:picLocks noChangeAspect="1"/>
           </p:cNvPicPr>
@@ -4182,14 +5444,80 @@
         </p:blipFill>
         <p:spPr>
           <a:xfrm>
-            <a:off x="4654550" y="1309370"/>
-            <a:ext cx="7025005" cy="5267960"/>
+            <a:off x="4992370" y="2122805"/>
+            <a:ext cx="6264275" cy="3879215"/>
           </a:xfrm>
           <a:prstGeom prst="rect">
             <a:avLst/>
           </a:prstGeom>
         </p:spPr>
       </p:pic>
+      <p:sp>
+        <p:nvSpPr>
+          <p:cNvPr id="5" name="Text Box 4"/>
+          <p:cNvSpPr txBox="1"/>
+          <p:nvPr/>
+        </p:nvSpPr>
+        <p:spPr>
+          <a:xfrm>
+            <a:off x="537210" y="1794510"/>
+            <a:ext cx="4415155" cy="1814830"/>
+          </a:xfrm>
+          <a:prstGeom prst="rect">
+            <a:avLst/>
+          </a:prstGeom>
+          <a:noFill/>
+        </p:spPr>
+        <p:txBody>
+          <a:bodyPr wrap="square" rtlCol="0">
+            <a:spAutoFit/>
+          </a:bodyPr>
+          <a:p>
+            <a:r>
+              <a:rPr lang="en-US" altLang="en-US" sz="1400" b="1"/>
+              <a:t>现象：</a:t>
+            </a:r>
+            <a:endParaRPr lang="en-US" altLang="en-US" sz="1400"/>
+          </a:p>
+          <a:p>
+            <a:r>
+              <a:rPr lang="" altLang="en-US" sz="1400"/>
+              <a:t>在 Web 系统的输入内容中，嵌入了恶意 JS 脚本。</a:t>
+            </a:r>
+            <a:endParaRPr lang="" altLang="en-US" sz="1400"/>
+          </a:p>
+          <a:p>
+            <a:r>
+              <a:rPr lang="" altLang="en-US" sz="1400"/>
+              <a:t>提取用户和Cookies 信息。</a:t>
+            </a:r>
+            <a:endParaRPr lang="en-US" altLang="en-US" sz="1400"/>
+          </a:p>
+          <a:p>
+            <a:endParaRPr lang="en-US" altLang="en-US" sz="1400"/>
+          </a:p>
+          <a:p>
+            <a:endParaRPr lang="en-US" altLang="en-US" sz="1400"/>
+          </a:p>
+          <a:p>
+            <a:endParaRPr lang="en-US" altLang="en-US" sz="1400"/>
+          </a:p>
+          <a:p>
+            <a:r>
+              <a:rPr lang="en-US" altLang="en-US" sz="1400" b="1"/>
+              <a:t>对策：</a:t>
+            </a:r>
+            <a:endParaRPr lang="en-US" altLang="en-US" sz="1400" b="1"/>
+          </a:p>
+          <a:p>
+            <a:r>
+              <a:rPr lang="" altLang="en-US" sz="1400"/>
+              <a:t>过滤请求中的非法参数</a:t>
+            </a:r>
+            <a:endParaRPr lang="en-US" altLang="en-US" sz="1400"/>
+          </a:p>
+        </p:txBody>
+      </p:sp>
     </p:spTree>
   </p:cSld>
   <p:clrMapOvr>
@@ -4231,64 +5559,26 @@
           <a:p>
             <a:r>
               <a:rPr lang="en-US" altLang="en-US" b="1"/>
-              <a:t>Spring Security - XSS</a:t>
-            </a:r>
-            <a:endParaRPr lang="en-US" altLang="en-US" b="1"/>
-          </a:p>
-        </p:txBody>
-      </p:sp>
-      <p:pic>
-        <p:nvPicPr>
-          <p:cNvPr id="2" name="Picture 1"/>
-          <p:cNvPicPr>
-            <a:picLocks noChangeAspect="1"/>
-          </p:cNvPicPr>
-          <p:nvPr/>
-        </p:nvPicPr>
-        <p:blipFill>
-          <a:blip r:embed="rId1"/>
-          <a:stretch>
-            <a:fillRect/>
-          </a:stretch>
-        </p:blipFill>
-        <p:spPr>
-          <a:xfrm>
-            <a:off x="4992370" y="2122805"/>
-            <a:ext cx="6264275" cy="3879215"/>
-          </a:xfrm>
-          <a:prstGeom prst="rect">
-            <a:avLst/>
-          </a:prstGeom>
-        </p:spPr>
-      </p:pic>
-    </p:spTree>
-  </p:cSld>
-  <p:clrMapOvr>
-    <a:masterClrMapping/>
-  </p:clrMapOvr>
-</p:sld>
-</file>
-
-<file path=ppt/slides/slide23.xml><?xml version="1.0" encoding="utf-8"?>
-<p:sld xmlns:a="http://schemas.openxmlformats.org/drawingml/2006/main" xmlns:r="http://schemas.openxmlformats.org/officeDocument/2006/relationships" xmlns:p="http://schemas.openxmlformats.org/presentationml/2006/main">
-  <p:cSld>
-    <p:spTree>
-      <p:nvGrpSpPr>
-        <p:cNvPr id="1" name=""/>
-        <p:cNvGrpSpPr/>
-        <p:nvPr/>
-      </p:nvGrpSpPr>
-      <p:grpSpPr/>
-      <p:sp>
-        <p:nvSpPr>
-          <p:cNvPr id="4" name="Text Box 3"/>
+              <a:t>Spring Security - Headers </a:t>
+            </a:r>
+            <a:r>
+              <a:rPr lang="" altLang="en-US" b="1"/>
+              <a:t>Protection</a:t>
+            </a:r>
+            <a:endParaRPr lang="" altLang="en-US" b="1"/>
+          </a:p>
+        </p:txBody>
+      </p:sp>
+      <p:sp>
+        <p:nvSpPr>
+          <p:cNvPr id="2" name="Text Box 1"/>
           <p:cNvSpPr txBox="1"/>
           <p:nvPr/>
         </p:nvSpPr>
         <p:spPr>
           <a:xfrm>
-            <a:off x="1220470" y="742315"/>
-            <a:ext cx="5119370" cy="368300"/>
+            <a:off x="1428115" y="1751965"/>
+            <a:ext cx="9113520" cy="2799715"/>
           </a:xfrm>
           <a:prstGeom prst="rect">
             <a:avLst/>
@@ -4296,101 +5586,117 @@
           <a:noFill/>
         </p:spPr>
         <p:txBody>
-          <a:bodyPr wrap="square" rtlCol="0">
-            <a:spAutoFit/>
-          </a:bodyPr>
-          <a:p>
-            <a:r>
-              <a:rPr lang="en-US" altLang="en-US" b="1"/>
-              <a:t>Spring Security - Headers</a:t>
-            </a:r>
-            <a:endParaRPr lang="en-US" altLang="en-US" b="1"/>
-          </a:p>
-        </p:txBody>
-      </p:sp>
-      <p:sp>
-        <p:nvSpPr>
-          <p:cNvPr id="2" name="Text Box 1"/>
-          <p:cNvSpPr txBox="1"/>
-          <p:nvPr/>
-        </p:nvSpPr>
-        <p:spPr>
-          <a:xfrm>
-            <a:off x="1497965" y="1616075"/>
-            <a:ext cx="5615940" cy="2306955"/>
-          </a:xfrm>
-          <a:prstGeom prst="rect">
-            <a:avLst/>
-          </a:prstGeom>
-          <a:noFill/>
-        </p:spPr>
-        <p:txBody>
           <a:bodyPr wrap="square" rtlCol="0" anchor="t">
             <a:spAutoFit/>
           </a:bodyPr>
           <a:p>
             <a:r>
-              <a:rPr lang="en-US" altLang="en-US"/>
+              <a:rPr lang="" altLang="en-US" sz="1600"/>
+              <a:t>集成 Spring Security 后，默认启用的 Header 防护。</a:t>
+            </a:r>
+            <a:endParaRPr lang="en-US" altLang="en-US" sz="1600"/>
+          </a:p>
+          <a:p>
+            <a:endParaRPr lang="en-US" altLang="en-US" sz="1600"/>
+          </a:p>
+          <a:p>
+            <a:r>
+              <a:rPr lang="en-US" altLang="en-US" sz="1600"/>
               <a:t>1</a:t>
             </a:r>
             <a:r>
-              <a:rPr lang="en-US"/>
+              <a:rPr lang="en-US" sz="1600"/>
               <a:t>.Cache-Control</a:t>
             </a:r>
-            <a:endParaRPr lang="en-US"/>
-          </a:p>
-          <a:p>
-            <a:endParaRPr lang="en-US"/>
-          </a:p>
-          <a:p>
-            <a:r>
-              <a:rPr lang="en-US" altLang="en-US"/>
+            <a:r>
+              <a:rPr lang="" altLang="en-US" sz="1600"/>
+              <a:t>，缓存控制</a:t>
+            </a:r>
+            <a:endParaRPr lang="en-US" sz="1600"/>
+          </a:p>
+          <a:p>
+            <a:endParaRPr lang="en-US" sz="1600"/>
+          </a:p>
+          <a:p>
+            <a:r>
+              <a:rPr lang="en-US" altLang="en-US" sz="1600"/>
               <a:t>2</a:t>
             </a:r>
             <a:r>
-              <a:rPr lang="en-US"/>
+              <a:rPr lang="en-US" sz="1600"/>
               <a:t>.Content-type Options</a:t>
             </a:r>
-            <a:endParaRPr lang="en-US"/>
-          </a:p>
-          <a:p>
-            <a:endParaRPr lang="en-US"/>
-          </a:p>
-          <a:p>
-            <a:r>
-              <a:rPr lang="en-US" altLang="en-US"/>
+            <a:r>
+              <a:rPr lang="" altLang="en-US" sz="1600"/>
+              <a:t>，通过禁止浏览器 sniff，减少 XSS 攻击</a:t>
+            </a:r>
+            <a:endParaRPr lang="en-US" sz="1600"/>
+          </a:p>
+          <a:p>
+            <a:endParaRPr lang="en-US" sz="1600"/>
+          </a:p>
+          <a:p>
+            <a:r>
+              <a:rPr lang="en-US" altLang="en-US" sz="1600"/>
               <a:t>3</a:t>
             </a:r>
             <a:r>
-              <a:rPr lang="en-US"/>
-              <a:t>.HTTP Strict Transport Security </a:t>
-            </a:r>
-            <a:endParaRPr lang="en-US"/>
-          </a:p>
-          <a:p>
-            <a:r>
-              <a:rPr lang="en-US"/>
-              <a:t>	HTTPs 中间人攻击</a:t>
-            </a:r>
-            <a:endParaRPr lang="en-US"/>
-          </a:p>
-          <a:p>
-            <a:r>
-              <a:rPr lang="en-US"/>
+              <a:rPr lang="en-US" sz="1600"/>
+              <a:t>.HTTP Strict Transport Security</a:t>
+            </a:r>
+            <a:r>
+              <a:rPr lang="" altLang="en-US" sz="1600"/>
+              <a:t>，预防中间人攻击（HTTPS）</a:t>
+            </a:r>
+            <a:endParaRPr lang="" altLang="en-US" sz="1600"/>
+          </a:p>
+          <a:p>
+            <a:r>
+              <a:rPr lang="en-US" sz="1600"/>
               <a:t>	</a:t>
             </a:r>
-            <a:endParaRPr lang="en-US"/>
-          </a:p>
-          <a:p>
-            <a:r>
-              <a:rPr lang="en-US" altLang="en-US"/>
+            <a:endParaRPr lang="en-US" sz="1600"/>
+          </a:p>
+          <a:p>
+            <a:r>
+              <a:rPr lang="en-US" altLang="en-US" sz="1600"/>
               <a:t>4</a:t>
             </a:r>
             <a:r>
-              <a:rPr lang="en-US"/>
-              <a:t>.X-frame-optiont</a:t>
-            </a:r>
-            <a:endParaRPr lang="en-US"/>
+              <a:rPr lang="en-US" sz="1600"/>
+              <a:t>.X-</a:t>
+            </a:r>
+            <a:r>
+              <a:rPr lang="" altLang="en-US" sz="1600"/>
+              <a:t>F</a:t>
+            </a:r>
+            <a:r>
+              <a:rPr lang="en-US" sz="1600"/>
+              <a:t>rame-</a:t>
+            </a:r>
+            <a:r>
+              <a:rPr lang="" altLang="en-US" sz="1600"/>
+              <a:t>O</a:t>
+            </a:r>
+            <a:r>
+              <a:rPr lang="en-US" sz="1600"/>
+              <a:t>ption</a:t>
+            </a:r>
+            <a:r>
+              <a:rPr lang="" altLang="en-US" sz="1600"/>
+              <a:t>s，提示浏览器禁用 IFrame</a:t>
+            </a:r>
+            <a:endParaRPr lang="" altLang="en-US" sz="1600"/>
+          </a:p>
+          <a:p>
+            <a:endParaRPr lang="" altLang="en-US" sz="1600"/>
+          </a:p>
+          <a:p>
+            <a:r>
+              <a:rPr lang="" altLang="en-US" sz="1600"/>
+              <a:t>5.X-XSS-Protection，浏览器的 XSS 预防机制级别</a:t>
+            </a:r>
+            <a:endParaRPr lang="" altLang="en-US" sz="1600"/>
           </a:p>
         </p:txBody>
       </p:sp>
@@ -4928,7 +6234,7 @@
         </p:nvSpPr>
         <p:spPr>
           <a:xfrm>
-            <a:off x="1022985" y="5609590"/>
+            <a:off x="1022985" y="5448300"/>
             <a:ext cx="9658985" cy="953135"/>
           </a:xfrm>
           <a:prstGeom prst="rect">
@@ -5260,7 +6566,7 @@
         <p:spPr>
           <a:xfrm>
             <a:off x="776605" y="1502410"/>
-            <a:ext cx="4737735" cy="2030095"/>
+            <a:ext cx="4737735" cy="2922905"/>
           </a:xfrm>
           <a:prstGeom prst="rect">
             <a:avLst/>
@@ -5345,6 +6651,38 @@
               <a:t>安全性，需要双方使用持有相同的 Key，安全性较低</a:t>
             </a:r>
             <a:endParaRPr lang="en-US" altLang="en-US" sz="1400"/>
+          </a:p>
+          <a:p>
+            <a:pPr marL="285750" indent="-285750">
+              <a:buFont typeface="Arial" panose="02080604020202020204" pitchFamily="34" charset="0"/>
+              <a:buChar char="•"/>
+            </a:pPr>
+            <a:endParaRPr lang="en-US" altLang="en-US" sz="1400"/>
+          </a:p>
+          <a:p>
+            <a:pPr marL="285750" indent="-285750">
+              <a:buFont typeface="Arial" panose="02080604020202020204" pitchFamily="34" charset="0"/>
+              <a:buChar char="•"/>
+            </a:pPr>
+            <a:endParaRPr lang="en-US" altLang="en-US" sz="1400"/>
+          </a:p>
+          <a:p>
+            <a:pPr marL="285750" indent="-285750">
+              <a:buFont typeface="Arial" panose="02080604020202020204" pitchFamily="34" charset="0"/>
+              <a:buChar char="•"/>
+            </a:pPr>
+            <a:endParaRPr lang="en-US" altLang="en-US" sz="1400"/>
+          </a:p>
+          <a:p>
+            <a:pPr indent="0">
+              <a:buFont typeface="Arial" panose="02080604020202020204" pitchFamily="34" charset="0"/>
+              <a:buNone/>
+            </a:pPr>
+            <a:r>
+              <a:rPr lang="en-US" altLang="en-US" sz="1600" b="1"/>
+              <a:t>通俗一点说：一把钥匙开一把锁</a:t>
+            </a:r>
+            <a:endParaRPr lang="en-US" altLang="en-US" sz="1600" b="1"/>
           </a:p>
         </p:txBody>
       </p:sp>
@@ -5404,7 +6742,7 @@
         <p:spPr>
           <a:xfrm>
             <a:off x="776605" y="1502410"/>
-            <a:ext cx="4737735" cy="2461260"/>
+            <a:ext cx="4737735" cy="3630930"/>
           </a:xfrm>
           <a:prstGeom prst="rect">
             <a:avLst/>
@@ -5511,6 +6849,53 @@
               <a:t>私有自己持有，公钥给可信第三方。</a:t>
             </a:r>
             <a:endParaRPr lang="en-US" sz="1400"/>
+          </a:p>
+          <a:p>
+            <a:pPr marL="285750" indent="-285750">
+              <a:buFont typeface="Arial" panose="02080604020202020204" pitchFamily="34" charset="0"/>
+              <a:buChar char="•"/>
+            </a:pPr>
+            <a:endParaRPr lang="en-US" sz="1400"/>
+          </a:p>
+          <a:p>
+            <a:pPr marL="285750" indent="-285750">
+              <a:buFont typeface="Arial" panose="02080604020202020204" pitchFamily="34" charset="0"/>
+              <a:buChar char="•"/>
+            </a:pPr>
+            <a:endParaRPr lang="en-US" sz="1400"/>
+          </a:p>
+          <a:p>
+            <a:pPr indent="0">
+              <a:buFont typeface="Arial" panose="02080604020202020204" pitchFamily="34" charset="0"/>
+              <a:buNone/>
+            </a:pPr>
+            <a:r>
+              <a:rPr lang="en-US" altLang="en-US" sz="1600" b="1"/>
+              <a:t>通俗一点说：</a:t>
+            </a:r>
+            <a:endParaRPr lang="en-US" altLang="en-US" sz="1600" b="1"/>
+          </a:p>
+          <a:p>
+            <a:pPr indent="0">
+              <a:buFont typeface="Arial" panose="02080604020202020204" pitchFamily="34" charset="0"/>
+              <a:buNone/>
+            </a:pPr>
+            <a:r>
+              <a:rPr lang="en-US" altLang="en-US" sz="1600" b="1"/>
+              <a:t>两把钥匙，成对出现</a:t>
+            </a:r>
+            <a:endParaRPr lang="en-US" altLang="en-US" sz="1600" b="1"/>
+          </a:p>
+          <a:p>
+            <a:pPr indent="0">
+              <a:buFont typeface="Arial" panose="02080604020202020204" pitchFamily="34" charset="0"/>
+              <a:buNone/>
+            </a:pPr>
+            <a:r>
+              <a:rPr lang="en-US" altLang="en-US" sz="1600" b="1"/>
+              <a:t>一把只能开锁，一把只能解锁</a:t>
+            </a:r>
+            <a:endParaRPr lang="en-US" altLang="en-US" sz="1600" b="1"/>
           </a:p>
         </p:txBody>
       </p:sp>
@@ -5608,7 +6993,7 @@
           <a:p>
             <a:r>
               <a:rPr lang="en-US" altLang="en-US" sz="1400" b="1"/>
-              <a:t>使用非对称加密，进行加签、验签</a:t>
+              <a:t>利用公钥和私钥，进行加签、验签</a:t>
             </a:r>
             <a:endParaRPr lang="en-US" altLang="en-US" sz="1400"/>
           </a:p>
@@ -5632,11 +7017,11 @@
               <a:rPr lang="en-US" altLang="en-US" sz="1400">
                 <a:sym typeface="+mn-ea"/>
               </a:rPr>
-              <a:t>使用私钥</a:t>
+              <a:t>使用私钥基于</a:t>
             </a:r>
             <a:r>
               <a:rPr lang="en-US" altLang="en-US" sz="1400"/>
-              <a:t>对消息体进行签名</a:t>
+              <a:t>消息体，生成签名</a:t>
             </a:r>
             <a:endParaRPr lang="en-US" altLang="en-US" sz="1400"/>
           </a:p>
@@ -5656,7 +7041,7 @@
               <a:rPr lang="en-US" altLang="en-US" sz="1400">
                 <a:sym typeface="+mn-ea"/>
               </a:rPr>
-              <a:t>Public-Key，使用公钥对消息体进行签名验证。（用来确认该消息体由私钥拥有着颁发。）</a:t>
+              <a:t>Public-Key，使用公钥进行消息体签名验证。（用来确认该消息可信，签名是由私钥拥有着颁发的。）</a:t>
             </a:r>
             <a:endParaRPr lang="en-US" altLang="en-US" sz="1400"/>
           </a:p>
@@ -6206,4 +7591,263 @@
     </a:ext>
   </a:extLst>
 </a:theme>
+</file>
+
+<file path=ppt/theme/theme2.xml><?xml version="1.0" encoding="utf-8"?>
+<a:theme xmlns:a="http://schemas.openxmlformats.org/drawingml/2006/main" name="Office Theme">
+  <a:themeElements>
+    <a:clrScheme name="Office">
+      <a:dk1>
+        <a:sysClr val="windowText" lastClr="000000"/>
+      </a:dk1>
+      <a:lt1>
+        <a:sysClr val="window" lastClr="FFFFFF"/>
+      </a:lt1>
+      <a:dk2>
+        <a:srgbClr val="44546A"/>
+      </a:dk2>
+      <a:lt2>
+        <a:srgbClr val="E7E6E6"/>
+      </a:lt2>
+      <a:accent1>
+        <a:srgbClr val="5B9BD5"/>
+      </a:accent1>
+      <a:accent2>
+        <a:srgbClr val="ED7D31"/>
+      </a:accent2>
+      <a:accent3>
+        <a:srgbClr val="A5A5A5"/>
+      </a:accent3>
+      <a:accent4>
+        <a:srgbClr val="FFC000"/>
+      </a:accent4>
+      <a:accent5>
+        <a:srgbClr val="4472C4"/>
+      </a:accent5>
+      <a:accent6>
+        <a:srgbClr val="70AD47"/>
+      </a:accent6>
+      <a:hlink>
+        <a:srgbClr val="0563C1"/>
+      </a:hlink>
+      <a:folHlink>
+        <a:srgbClr val="954F72"/>
+      </a:folHlink>
+    </a:clrScheme>
+    <a:fontScheme name="Office">
+      <a:majorFont>
+        <a:latin typeface="Calibri Light"/>
+        <a:ea typeface=""/>
+        <a:cs typeface=""/>
+        <a:font script="Jpan" typeface="ＭＳ Ｐゴシック"/>
+        <a:font script="Hang" typeface="맑은 고딕"/>
+        <a:font script="Hans" typeface="宋体"/>
+        <a:font script="Hant" typeface="新細明體"/>
+        <a:font script="Arab" typeface="Times New Roman"/>
+        <a:font script="Hebr" typeface="Times New Roman"/>
+        <a:font script="Thai" typeface="Angsana New"/>
+        <a:font script="Ethi" typeface="Nyala"/>
+        <a:font script="Beng" typeface="Vrinda"/>
+        <a:font script="Gujr" typeface="Shruti"/>
+        <a:font script="Khmr" typeface="MoolBoran"/>
+        <a:font script="Knda" typeface="Tunga"/>
+        <a:font script="Guru" typeface="Raavi"/>
+        <a:font script="Cans" typeface="Euphemia"/>
+        <a:font script="Cher" typeface="Plantagenet Cherokee"/>
+        <a:font script="Yiii" typeface="Microsoft Yi Baiti"/>
+        <a:font script="Tibt" typeface="Microsoft Himalaya"/>
+        <a:font script="Thaa" typeface="MV Boli"/>
+        <a:font script="Deva" typeface="Mangal"/>
+        <a:font script="Telu" typeface="Gautami"/>
+        <a:font script="Taml" typeface="Latha"/>
+        <a:font script="Syrc" typeface="Estrangelo Edessa"/>
+        <a:font script="Orya" typeface="Kalinga"/>
+        <a:font script="Mlym" typeface="Kartika"/>
+        <a:font script="Laoo" typeface="DokChampa"/>
+        <a:font script="Sinh" typeface="Iskoola Pota"/>
+        <a:font script="Mong" typeface="Mongolian Baiti"/>
+        <a:font script="Viet" typeface="Times New Roman"/>
+        <a:font script="Uigh" typeface="Microsoft Uighur"/>
+        <a:font script="Geor" typeface="Sylfaen"/>
+      </a:majorFont>
+      <a:minorFont>
+        <a:latin typeface="Calibri"/>
+        <a:ea typeface=""/>
+        <a:cs typeface=""/>
+        <a:font script="Jpan" typeface="ＭＳ Ｐゴシック"/>
+        <a:font script="Hang" typeface="맑은 고딕"/>
+        <a:font script="Hans" typeface="宋体"/>
+        <a:font script="Hant" typeface="新細明體"/>
+        <a:font script="Arab" typeface="Arial"/>
+        <a:font script="Hebr" typeface="Arial"/>
+        <a:font script="Thai" typeface="Cordia New"/>
+        <a:font script="Ethi" typeface="Nyala"/>
+        <a:font script="Beng" typeface="Vrinda"/>
+        <a:font script="Gujr" typeface="Shruti"/>
+        <a:font script="Khmr" typeface="DaunPenh"/>
+        <a:font script="Knda" typeface="Tunga"/>
+        <a:font script="Guru" typeface="Raavi"/>
+        <a:font script="Cans" typeface="Euphemia"/>
+        <a:font script="Cher" typeface="Plantagenet Cherokee"/>
+        <a:font script="Yiii" typeface="Microsoft Yi Baiti"/>
+        <a:font script="Tibt" typeface="Microsoft Himalaya"/>
+        <a:font script="Thaa" typeface="MV Boli"/>
+        <a:font script="Deva" typeface="Mangal"/>
+        <a:font script="Telu" typeface="Gautami"/>
+        <a:font script="Taml" typeface="Latha"/>
+        <a:font script="Syrc" typeface="Estrangelo Edessa"/>
+        <a:font script="Orya" typeface="Kalinga"/>
+        <a:font script="Mlym" typeface="Kartika"/>
+        <a:font script="Laoo" typeface="DokChampa"/>
+        <a:font script="Sinh" typeface="Iskoola Pota"/>
+        <a:font script="Mong" typeface="Mongolian Baiti"/>
+        <a:font script="Viet" typeface="Arial"/>
+        <a:font script="Uigh" typeface="Microsoft Uighur"/>
+        <a:font script="Geor" typeface="Sylfaen"/>
+      </a:minorFont>
+    </a:fontScheme>
+    <a:fmtScheme name="Office">
+      <a:fillStyleLst>
+        <a:solidFill>
+          <a:schemeClr val="phClr"/>
+        </a:solidFill>
+        <a:gradFill rotWithShape="1">
+          <a:gsLst>
+            <a:gs pos="0">
+              <a:schemeClr val="phClr">
+                <a:lumMod val="110000"/>
+                <a:satMod val="105000"/>
+                <a:tint val="67000"/>
+              </a:schemeClr>
+            </a:gs>
+            <a:gs pos="50000">
+              <a:schemeClr val="phClr">
+                <a:lumMod val="105000"/>
+                <a:satMod val="103000"/>
+                <a:tint val="73000"/>
+              </a:schemeClr>
+            </a:gs>
+            <a:gs pos="100000">
+              <a:schemeClr val="phClr">
+                <a:lumMod val="105000"/>
+                <a:satMod val="109000"/>
+                <a:tint val="81000"/>
+              </a:schemeClr>
+            </a:gs>
+          </a:gsLst>
+          <a:lin ang="5400000" scaled="0"/>
+        </a:gradFill>
+        <a:gradFill rotWithShape="1">
+          <a:gsLst>
+            <a:gs pos="0">
+              <a:schemeClr val="phClr">
+                <a:satMod val="103000"/>
+                <a:lumMod val="102000"/>
+                <a:tint val="94000"/>
+              </a:schemeClr>
+            </a:gs>
+            <a:gs pos="50000">
+              <a:schemeClr val="phClr">
+                <a:satMod val="110000"/>
+                <a:lumMod val="100000"/>
+                <a:shade val="100000"/>
+              </a:schemeClr>
+            </a:gs>
+            <a:gs pos="100000">
+              <a:schemeClr val="phClr">
+                <a:lumMod val="99000"/>
+                <a:satMod val="120000"/>
+                <a:shade val="78000"/>
+              </a:schemeClr>
+            </a:gs>
+          </a:gsLst>
+          <a:lin ang="5400000" scaled="0"/>
+        </a:gradFill>
+      </a:fillStyleLst>
+      <a:lnStyleLst>
+        <a:ln w="6350" cap="flat" cmpd="sng" algn="ctr">
+          <a:solidFill>
+            <a:schemeClr val="phClr"/>
+          </a:solidFill>
+          <a:prstDash val="solid"/>
+          <a:miter lim="800000"/>
+        </a:ln>
+        <a:ln w="12700" cap="flat" cmpd="sng" algn="ctr">
+          <a:solidFill>
+            <a:schemeClr val="phClr"/>
+          </a:solidFill>
+          <a:prstDash val="solid"/>
+          <a:miter lim="800000"/>
+        </a:ln>
+        <a:ln w="19050" cap="flat" cmpd="sng" algn="ctr">
+          <a:solidFill>
+            <a:schemeClr val="phClr"/>
+          </a:solidFill>
+          <a:prstDash val="solid"/>
+          <a:miter lim="800000"/>
+        </a:ln>
+      </a:lnStyleLst>
+      <a:effectStyleLst>
+        <a:effectStyle>
+          <a:effectLst/>
+        </a:effectStyle>
+        <a:effectStyle>
+          <a:effectLst/>
+        </a:effectStyle>
+        <a:effectStyle>
+          <a:effectLst>
+            <a:outerShdw blurRad="57150" dist="19050" dir="5400000" algn="ctr" rotWithShape="0">
+              <a:srgbClr val="000000">
+                <a:alpha val="63000"/>
+              </a:srgbClr>
+            </a:outerShdw>
+          </a:effectLst>
+        </a:effectStyle>
+      </a:effectStyleLst>
+      <a:bgFillStyleLst>
+        <a:solidFill>
+          <a:schemeClr val="phClr"/>
+        </a:solidFill>
+        <a:solidFill>
+          <a:schemeClr val="phClr">
+            <a:tint val="95000"/>
+            <a:satMod val="170000"/>
+          </a:schemeClr>
+        </a:solidFill>
+        <a:gradFill rotWithShape="1">
+          <a:gsLst>
+            <a:gs pos="0">
+              <a:schemeClr val="phClr">
+                <a:tint val="93000"/>
+                <a:satMod val="150000"/>
+                <a:shade val="98000"/>
+                <a:lumMod val="102000"/>
+              </a:schemeClr>
+            </a:gs>
+            <a:gs pos="50000">
+              <a:schemeClr val="phClr">
+                <a:tint val="98000"/>
+                <a:satMod val="130000"/>
+                <a:shade val="90000"/>
+                <a:lumMod val="103000"/>
+              </a:schemeClr>
+            </a:gs>
+            <a:gs pos="100000">
+              <a:schemeClr val="phClr">
+                <a:shade val="63000"/>
+                <a:satMod val="120000"/>
+              </a:schemeClr>
+            </a:gs>
+          </a:gsLst>
+          <a:lin ang="5400000" scaled="0"/>
+        </a:gradFill>
+      </a:bgFillStyleLst>
+    </a:fmtScheme>
+  </a:themeElements>
+  <a:extLst>
+    <a:ext uri="{05A4C25C-085E-4340-85A3-A5531E510DB2}">
+      <thm15:themeFamily xmlns:thm15="http://schemas.microsoft.com/office/thememl/2012/main" name="Office Theme" id="{62F939B6-93AF-4DB8-9C6B-D6C7DFDC589F}" vid="{4A3C46E8-61CC-4603-A589-7422A47A8E4A}"/>
+    </a:ext>
+  </a:extLst>
+</a:theme>
 </file>